--- a/11_2_to_11__6_first/1.Deeping_learning_introduce.pptx
+++ b/11_2_to_11__6_first/1.Deeping_learning_introduce.pptx
@@ -5,10 +5,10 @@
     <p:sldMasterId id="2147483648" r:id="rId1"/>
   </p:sldMasterIdLst>
   <p:notesMasterIdLst>
-    <p:notesMasterId r:id="rId24"/>
+    <p:notesMasterId r:id="rId25"/>
   </p:notesMasterIdLst>
   <p:handoutMasterIdLst>
-    <p:handoutMasterId r:id="rId25"/>
+    <p:handoutMasterId r:id="rId26"/>
   </p:handoutMasterIdLst>
   <p:sldIdLst>
     <p:sldId id="256" r:id="rId2"/>
@@ -23,21 +23,22 @@
     <p:sldId id="292" r:id="rId11"/>
     <p:sldId id="286" r:id="rId12"/>
     <p:sldId id="294" r:id="rId13"/>
-    <p:sldId id="278" r:id="rId14"/>
-    <p:sldId id="293" r:id="rId15"/>
-    <p:sldId id="295" r:id="rId16"/>
-    <p:sldId id="296" r:id="rId17"/>
-    <p:sldId id="280" r:id="rId18"/>
-    <p:sldId id="281" r:id="rId19"/>
-    <p:sldId id="282" r:id="rId20"/>
-    <p:sldId id="283" r:id="rId21"/>
-    <p:sldId id="297" r:id="rId22"/>
-    <p:sldId id="261" r:id="rId23"/>
+    <p:sldId id="298" r:id="rId14"/>
+    <p:sldId id="278" r:id="rId15"/>
+    <p:sldId id="293" r:id="rId16"/>
+    <p:sldId id="295" r:id="rId17"/>
+    <p:sldId id="296" r:id="rId18"/>
+    <p:sldId id="280" r:id="rId19"/>
+    <p:sldId id="281" r:id="rId20"/>
+    <p:sldId id="282" r:id="rId21"/>
+    <p:sldId id="283" r:id="rId22"/>
+    <p:sldId id="297" r:id="rId23"/>
+    <p:sldId id="261" r:id="rId24"/>
   </p:sldIdLst>
   <p:sldSz cx="12192000" cy="6858000"/>
   <p:notesSz cx="6858000" cy="9144000"/>
   <p:custDataLst>
-    <p:tags r:id="rId26"/>
+    <p:tags r:id="rId27"/>
   </p:custDataLst>
   <p:defaultTextStyle>
     <a:defPPr>
@@ -136,10 +137,10 @@
   </p:defaultTextStyle>
   <p:extLst>
     <p:ext uri="{EFAFB233-063F-42B5-8137-9DF3F51BA10A}">
-      <p15:sldGuideLst xmlns:p15="http://schemas.microsoft.com/office/powerpoint/2012/main" xmlns=""/>
+      <p15:sldGuideLst xmlns="" xmlns:p15="http://schemas.microsoft.com/office/powerpoint/2012/main"/>
     </p:ext>
     <p:ext uri="{2D200454-40CA-4A62-9FC3-DE9A4176ACB9}">
-      <p15:notesGuideLst xmlns:p15="http://schemas.microsoft.com/office/powerpoint/2012/main" xmlns=""/>
+      <p15:notesGuideLst xmlns="" xmlns:p15="http://schemas.microsoft.com/office/powerpoint/2012/main"/>
     </p:ext>
   </p:extLst>
 </p:presentation>
@@ -172,7 +173,7 @@
           <p:cNvPr id="2" name="页眉占位符 1">
             <a:extLst>
               <a:ext uri="{FF2B5EF4-FFF2-40B4-BE49-F238E27FC236}">
-                <a16:creationId xmlns:a16="http://schemas.microsoft.com/office/drawing/2014/main" xmlns="" id="{B9A56829-66AA-42AA-918E-5C6DB1AE50A7}"/>
+                <a16:creationId xmlns="" xmlns:a16="http://schemas.microsoft.com/office/drawing/2014/main" id="{B9A56829-66AA-42AA-918E-5C6DB1AE50A7}"/>
               </a:ext>
             </a:extLst>
           </p:cNvPr>
@@ -209,7 +210,7 @@
           <p:cNvPr id="3" name="日期占位符 2">
             <a:extLst>
               <a:ext uri="{FF2B5EF4-FFF2-40B4-BE49-F238E27FC236}">
-                <a16:creationId xmlns:a16="http://schemas.microsoft.com/office/drawing/2014/main" xmlns="" id="{241084A9-BC5C-4420-B17C-51E328D45576}"/>
+                <a16:creationId xmlns="" xmlns:a16="http://schemas.microsoft.com/office/drawing/2014/main" id="{241084A9-BC5C-4420-B17C-51E328D45576}"/>
               </a:ext>
             </a:extLst>
           </p:cNvPr>
@@ -239,7 +240,7 @@
           <a:p>
             <a:fld id="{B478E0E4-DC06-4041-AFA7-BB6F527FFA3F}" type="datetimeFigureOut">
               <a:rPr lang="zh-CN" altLang="en-US" smtClean="0"/>
-              <a:t>2020/11/3</a:t>
+              <a:t>2020/11/4</a:t>
             </a:fld>
             <a:endParaRPr lang="zh-CN" altLang="en-US"/>
           </a:p>
@@ -250,7 +251,7 @@
           <p:cNvPr id="4" name="页脚占位符 3">
             <a:extLst>
               <a:ext uri="{FF2B5EF4-FFF2-40B4-BE49-F238E27FC236}">
-                <a16:creationId xmlns:a16="http://schemas.microsoft.com/office/drawing/2014/main" xmlns="" id="{0D6F2124-7B35-4E59-B9E8-DB09EE1408A4}"/>
+                <a16:creationId xmlns="" xmlns:a16="http://schemas.microsoft.com/office/drawing/2014/main" id="{0D6F2124-7B35-4E59-B9E8-DB09EE1408A4}"/>
               </a:ext>
             </a:extLst>
           </p:cNvPr>
@@ -287,7 +288,7 @@
           <p:cNvPr id="5" name="灯片编号占位符 4">
             <a:extLst>
               <a:ext uri="{FF2B5EF4-FFF2-40B4-BE49-F238E27FC236}">
-                <a16:creationId xmlns:a16="http://schemas.microsoft.com/office/drawing/2014/main" xmlns="" id="{F2BF8FFE-D997-4E34-9A01-CD2014B95241}"/>
+                <a16:creationId xmlns="" xmlns:a16="http://schemas.microsoft.com/office/drawing/2014/main" id="{F2BF8FFE-D997-4E34-9A01-CD2014B95241}"/>
               </a:ext>
             </a:extLst>
           </p:cNvPr>
@@ -416,7 +417,7 @@
           <a:p>
             <a:fld id="{E86D8963-CFCD-4740-AF60-049850373CDF}" type="datetimeFigureOut">
               <a:rPr lang="zh-CN" altLang="en-US" smtClean="0"/>
-              <a:t>2020/11/3</a:t>
+              <a:t>2020/11/4</a:t>
             </a:fld>
             <a:endParaRPr lang="zh-CN" altLang="en-US"/>
           </a:p>
@@ -705,7 +706,7 @@
           <p:cNvPr id="2" name="组合 1">
             <a:extLst>
               <a:ext uri="{FF2B5EF4-FFF2-40B4-BE49-F238E27FC236}">
-                <a16:creationId xmlns:a16="http://schemas.microsoft.com/office/drawing/2014/main" xmlns:p14="http://schemas.microsoft.com/office/powerpoint/2010/main" xmlns:a14="http://schemas.microsoft.com/office/drawing/2010/main" xmlns="" id="{B17E6D21-F120-4919-9EFA-F925BD0C1809}"/>
+                <a16:creationId xmlns="" xmlns:a14="http://schemas.microsoft.com/office/drawing/2010/main" xmlns:p14="http://schemas.microsoft.com/office/powerpoint/2010/main" xmlns:a16="http://schemas.microsoft.com/office/drawing/2014/main" id="{B17E6D21-F120-4919-9EFA-F925BD0C1809}"/>
               </a:ext>
             </a:extLst>
           </p:cNvPr>
@@ -725,7 +726,7 @@
             <p:cNvPr id="16" name="Freeform 13">
               <a:extLst>
                 <a:ext uri="{FF2B5EF4-FFF2-40B4-BE49-F238E27FC236}">
-                  <a16:creationId xmlns:a16="http://schemas.microsoft.com/office/drawing/2014/main" xmlns:p14="http://schemas.microsoft.com/office/powerpoint/2010/main" xmlns:a14="http://schemas.microsoft.com/office/drawing/2010/main" xmlns="" id="{A3C2E16E-7F12-4E00-BE31-42B9F3572256}"/>
+                  <a16:creationId xmlns="" xmlns:a14="http://schemas.microsoft.com/office/drawing/2010/main" xmlns:p14="http://schemas.microsoft.com/office/powerpoint/2010/main" xmlns:a16="http://schemas.microsoft.com/office/drawing/2014/main" id="{A3C2E16E-7F12-4E00-BE31-42B9F3572256}"/>
                 </a:ext>
               </a:extLst>
             </p:cNvPr>
@@ -849,7 +850,7 @@
             <p:cNvPr id="21" name="Freeform 13">
               <a:extLst>
                 <a:ext uri="{FF2B5EF4-FFF2-40B4-BE49-F238E27FC236}">
-                  <a16:creationId xmlns:a16="http://schemas.microsoft.com/office/drawing/2014/main" xmlns:p14="http://schemas.microsoft.com/office/powerpoint/2010/main" xmlns:a14="http://schemas.microsoft.com/office/drawing/2010/main" xmlns="" id="{51488BE8-69EC-4A9A-8369-E63E8941B4D1}"/>
+                  <a16:creationId xmlns="" xmlns:a14="http://schemas.microsoft.com/office/drawing/2010/main" xmlns:p14="http://schemas.microsoft.com/office/powerpoint/2010/main" xmlns:a16="http://schemas.microsoft.com/office/drawing/2014/main" id="{51488BE8-69EC-4A9A-8369-E63E8941B4D1}"/>
                 </a:ext>
               </a:extLst>
             </p:cNvPr>
@@ -960,7 +961,7 @@
             <p:cNvPr id="23" name="Freeform 17">
               <a:extLst>
                 <a:ext uri="{FF2B5EF4-FFF2-40B4-BE49-F238E27FC236}">
-                  <a16:creationId xmlns:a16="http://schemas.microsoft.com/office/drawing/2014/main" xmlns:p14="http://schemas.microsoft.com/office/powerpoint/2010/main" xmlns:a14="http://schemas.microsoft.com/office/drawing/2010/main" xmlns="" id="{52B0F295-D75B-467D-B253-DA283681346B}"/>
+                  <a16:creationId xmlns="" xmlns:a14="http://schemas.microsoft.com/office/drawing/2010/main" xmlns:p14="http://schemas.microsoft.com/office/powerpoint/2010/main" xmlns:a16="http://schemas.microsoft.com/office/drawing/2014/main" id="{52B0F295-D75B-467D-B253-DA283681346B}"/>
                 </a:ext>
               </a:extLst>
             </p:cNvPr>
@@ -1298,7 +1299,7 @@
           <p:cNvPr id="4" name="Freeform 13">
             <a:extLst>
               <a:ext uri="{FF2B5EF4-FFF2-40B4-BE49-F238E27FC236}">
-                <a16:creationId xmlns:a16="http://schemas.microsoft.com/office/drawing/2014/main" xmlns:p14="http://schemas.microsoft.com/office/powerpoint/2010/main" xmlns="" id="{6E0A0000-C9EC-41F9-9457-6F2EC527F0AC}"/>
+                <a16:creationId xmlns="" xmlns:p14="http://schemas.microsoft.com/office/powerpoint/2010/main" xmlns:a16="http://schemas.microsoft.com/office/drawing/2014/main" id="{6E0A0000-C9EC-41F9-9457-6F2EC527F0AC}"/>
               </a:ext>
             </a:extLst>
           </p:cNvPr>
@@ -1602,7 +1603,7 @@
           <p:cNvPr id="3" name="日期占位符 2">
             <a:extLst>
               <a:ext uri="{FF2B5EF4-FFF2-40B4-BE49-F238E27FC236}">
-                <a16:creationId xmlns:a16="http://schemas.microsoft.com/office/drawing/2014/main" xmlns:p14="http://schemas.microsoft.com/office/powerpoint/2010/main" xmlns="" id="{9888B6D7-9D3F-49D7-BACE-73A9D1149A74}"/>
+                <a16:creationId xmlns="" xmlns:p14="http://schemas.microsoft.com/office/powerpoint/2010/main" xmlns:a16="http://schemas.microsoft.com/office/drawing/2014/main" id="{9888B6D7-9D3F-49D7-BACE-73A9D1149A74}"/>
               </a:ext>
             </a:extLst>
           </p:cNvPr>
@@ -1627,7 +1628,7 @@
           <p:cNvPr id="4" name="页脚占位符 3">
             <a:extLst>
               <a:ext uri="{FF2B5EF4-FFF2-40B4-BE49-F238E27FC236}">
-                <a16:creationId xmlns:a16="http://schemas.microsoft.com/office/drawing/2014/main" xmlns:p14="http://schemas.microsoft.com/office/powerpoint/2010/main" xmlns="" id="{7AC997A4-1DD8-4731-B9FD-42398A20FF85}"/>
+                <a16:creationId xmlns="" xmlns:p14="http://schemas.microsoft.com/office/powerpoint/2010/main" xmlns:a16="http://schemas.microsoft.com/office/drawing/2014/main" id="{7AC997A4-1DD8-4731-B9FD-42398A20FF85}"/>
               </a:ext>
             </a:extLst>
           </p:cNvPr>
@@ -1664,7 +1665,7 @@
           <p:cNvPr id="5" name="灯片编号占位符 4">
             <a:extLst>
               <a:ext uri="{FF2B5EF4-FFF2-40B4-BE49-F238E27FC236}">
-                <a16:creationId xmlns:a16="http://schemas.microsoft.com/office/drawing/2014/main" xmlns:p14="http://schemas.microsoft.com/office/powerpoint/2010/main" xmlns="" id="{DBA9825E-1876-42AD-ABCF-E0E100F351CA}"/>
+                <a16:creationId xmlns="" xmlns:p14="http://schemas.microsoft.com/office/powerpoint/2010/main" xmlns:a16="http://schemas.microsoft.com/office/drawing/2014/main" id="{DBA9825E-1876-42AD-ABCF-E0E100F351CA}"/>
               </a:ext>
             </a:extLst>
           </p:cNvPr>
@@ -1694,7 +1695,7 @@
           <p:cNvPr id="6" name="标题 5">
             <a:extLst>
               <a:ext uri="{FF2B5EF4-FFF2-40B4-BE49-F238E27FC236}">
-                <a16:creationId xmlns:a16="http://schemas.microsoft.com/office/drawing/2014/main" xmlns:p14="http://schemas.microsoft.com/office/powerpoint/2010/main" xmlns="" id="{D124F9DB-C87A-423F-9657-38C7A2901430}"/>
+                <a16:creationId xmlns="" xmlns:p14="http://schemas.microsoft.com/office/powerpoint/2010/main" xmlns:a16="http://schemas.microsoft.com/office/drawing/2014/main" id="{D124F9DB-C87A-423F-9657-38C7A2901430}"/>
               </a:ext>
             </a:extLst>
           </p:cNvPr>
@@ -1727,7 +1728,7 @@
           <p:cNvPr id="8" name="内容占位符 7">
             <a:extLst>
               <a:ext uri="{FF2B5EF4-FFF2-40B4-BE49-F238E27FC236}">
-                <a16:creationId xmlns:a16="http://schemas.microsoft.com/office/drawing/2014/main" xmlns:p14="http://schemas.microsoft.com/office/powerpoint/2010/main" xmlns="" id="{2070191C-4093-409C-8FD5-7369A79637AD}"/>
+                <a16:creationId xmlns="" xmlns:p14="http://schemas.microsoft.com/office/powerpoint/2010/main" xmlns:a16="http://schemas.microsoft.com/office/drawing/2014/main" id="{2070191C-4093-409C-8FD5-7369A79637AD}"/>
               </a:ext>
             </a:extLst>
           </p:cNvPr>
@@ -1836,7 +1837,7 @@
           <p:cNvPr id="2" name="Title 1">
             <a:extLst>
               <a:ext uri="{FF2B5EF4-FFF2-40B4-BE49-F238E27FC236}">
-                <a16:creationId xmlns:a16="http://schemas.microsoft.com/office/drawing/2014/main" xmlns="" id="{F21C7A1C-3684-4AAF-A408-C63B6CB64104}"/>
+                <a16:creationId xmlns="" xmlns:a16="http://schemas.microsoft.com/office/drawing/2014/main" id="{F21C7A1C-3684-4AAF-A408-C63B6CB64104}"/>
               </a:ext>
             </a:extLst>
           </p:cNvPr>
@@ -1869,7 +1870,7 @@
           <p:cNvPr id="3" name="Date Placeholder 2">
             <a:extLst>
               <a:ext uri="{FF2B5EF4-FFF2-40B4-BE49-F238E27FC236}">
-                <a16:creationId xmlns:a16="http://schemas.microsoft.com/office/drawing/2014/main" xmlns="" id="{8986EA5F-D77D-4318-90E9-C04AA8ADC0D1}"/>
+                <a16:creationId xmlns="" xmlns:a16="http://schemas.microsoft.com/office/drawing/2014/main" id="{8986EA5F-D77D-4318-90E9-C04AA8ADC0D1}"/>
               </a:ext>
             </a:extLst>
           </p:cNvPr>
@@ -1894,7 +1895,7 @@
           <p:cNvPr id="4" name="Footer Placeholder 3">
             <a:extLst>
               <a:ext uri="{FF2B5EF4-FFF2-40B4-BE49-F238E27FC236}">
-                <a16:creationId xmlns:a16="http://schemas.microsoft.com/office/drawing/2014/main" xmlns="" id="{00832621-D9D9-445E-BFF9-F8348FA1E262}"/>
+                <a16:creationId xmlns="" xmlns:a16="http://schemas.microsoft.com/office/drawing/2014/main" id="{00832621-D9D9-445E-BFF9-F8348FA1E262}"/>
               </a:ext>
             </a:extLst>
           </p:cNvPr>
@@ -1931,7 +1932,7 @@
           <p:cNvPr id="5" name="Slide Number Placeholder 4">
             <a:extLst>
               <a:ext uri="{FF2B5EF4-FFF2-40B4-BE49-F238E27FC236}">
-                <a16:creationId xmlns:a16="http://schemas.microsoft.com/office/drawing/2014/main" xmlns="" id="{8371151B-F790-4A9F-962F-B8718A9560A9}"/>
+                <a16:creationId xmlns="" xmlns:a16="http://schemas.microsoft.com/office/drawing/2014/main" id="{8371151B-F790-4A9F-962F-B8718A9560A9}"/>
               </a:ext>
             </a:extLst>
           </p:cNvPr>
@@ -2021,7 +2022,7 @@
           <p:cNvPr id="5" name="组合 4">
             <a:extLst>
               <a:ext uri="{FF2B5EF4-FFF2-40B4-BE49-F238E27FC236}">
-                <a16:creationId xmlns:a16="http://schemas.microsoft.com/office/drawing/2014/main" xmlns:p14="http://schemas.microsoft.com/office/powerpoint/2010/main" xmlns:a14="http://schemas.microsoft.com/office/drawing/2010/main" xmlns="" id="{99391505-0ED0-4506-936F-52505EF1686C}"/>
+                <a16:creationId xmlns="" xmlns:a14="http://schemas.microsoft.com/office/drawing/2010/main" xmlns:p14="http://schemas.microsoft.com/office/powerpoint/2010/main" xmlns:a16="http://schemas.microsoft.com/office/drawing/2014/main" id="{99391505-0ED0-4506-936F-52505EF1686C}"/>
               </a:ext>
             </a:extLst>
           </p:cNvPr>
@@ -2041,7 +2042,7 @@
             <p:cNvPr id="7" name="Freeform 13">
               <a:extLst>
                 <a:ext uri="{FF2B5EF4-FFF2-40B4-BE49-F238E27FC236}">
-                  <a16:creationId xmlns:a16="http://schemas.microsoft.com/office/drawing/2014/main" xmlns:p14="http://schemas.microsoft.com/office/powerpoint/2010/main" xmlns:a14="http://schemas.microsoft.com/office/drawing/2010/main" xmlns="" id="{FC465888-34E2-4A7E-80D2-92BBD9280BD9}"/>
+                  <a16:creationId xmlns="" xmlns:a14="http://schemas.microsoft.com/office/drawing/2010/main" xmlns:p14="http://schemas.microsoft.com/office/powerpoint/2010/main" xmlns:a16="http://schemas.microsoft.com/office/drawing/2014/main" id="{FC465888-34E2-4A7E-80D2-92BBD9280BD9}"/>
                 </a:ext>
               </a:extLst>
             </p:cNvPr>
@@ -2165,7 +2166,7 @@
             <p:cNvPr id="8" name="Freeform 13">
               <a:extLst>
                 <a:ext uri="{FF2B5EF4-FFF2-40B4-BE49-F238E27FC236}">
-                  <a16:creationId xmlns:a16="http://schemas.microsoft.com/office/drawing/2014/main" xmlns:p14="http://schemas.microsoft.com/office/powerpoint/2010/main" xmlns:a14="http://schemas.microsoft.com/office/drawing/2010/main" xmlns="" id="{549CC44A-F314-499E-846A-FB8F04ED3E0C}"/>
+                  <a16:creationId xmlns="" xmlns:a14="http://schemas.microsoft.com/office/drawing/2010/main" xmlns:p14="http://schemas.microsoft.com/office/powerpoint/2010/main" xmlns:a16="http://schemas.microsoft.com/office/drawing/2014/main" id="{549CC44A-F314-499E-846A-FB8F04ED3E0C}"/>
                 </a:ext>
               </a:extLst>
             </p:cNvPr>
@@ -2276,7 +2277,7 @@
             <p:cNvPr id="9" name="Freeform 17">
               <a:extLst>
                 <a:ext uri="{FF2B5EF4-FFF2-40B4-BE49-F238E27FC236}">
-                  <a16:creationId xmlns:a16="http://schemas.microsoft.com/office/drawing/2014/main" xmlns:p14="http://schemas.microsoft.com/office/powerpoint/2010/main" xmlns:a14="http://schemas.microsoft.com/office/drawing/2010/main" xmlns="" id="{9FC0C4B5-6A75-4A11-962E-91FE2C70F846}"/>
+                  <a16:creationId xmlns="" xmlns:a14="http://schemas.microsoft.com/office/drawing/2010/main" xmlns:p14="http://schemas.microsoft.com/office/powerpoint/2010/main" xmlns:a16="http://schemas.microsoft.com/office/drawing/2014/main" id="{9FC0C4B5-6A75-4A11-962E-91FE2C70F846}"/>
                 </a:ext>
               </a:extLst>
             </p:cNvPr>
@@ -2463,7 +2464,7 @@
           <p:cNvPr id="6" name="文本占位符 13">
             <a:extLst>
               <a:ext uri="{FF2B5EF4-FFF2-40B4-BE49-F238E27FC236}">
-                <a16:creationId xmlns:a16="http://schemas.microsoft.com/office/drawing/2014/main" xmlns:p14="http://schemas.microsoft.com/office/powerpoint/2010/main" xmlns:a14="http://schemas.microsoft.com/office/drawing/2010/main" xmlns="" id="{05EBDA4F-7210-4CAE-8333-80DB24212E78}"/>
+                <a16:creationId xmlns="" xmlns:a14="http://schemas.microsoft.com/office/drawing/2010/main" xmlns:p14="http://schemas.microsoft.com/office/powerpoint/2010/main" xmlns:a16="http://schemas.microsoft.com/office/drawing/2014/main" id="{05EBDA4F-7210-4CAE-8333-80DB24212E78}"/>
               </a:ext>
             </a:extLst>
           </p:cNvPr>
@@ -2695,7 +2696,7 @@
           <p:cNvPr id="8" name="日期占位符 3">
             <a:extLst>
               <a:ext uri="{FF2B5EF4-FFF2-40B4-BE49-F238E27FC236}">
-                <a16:creationId xmlns:a16="http://schemas.microsoft.com/office/drawing/2014/main" xmlns:p15="http://schemas.microsoft.com/office/powerpoint/2012/main" xmlns:p14="http://schemas.microsoft.com/office/powerpoint/2010/main" xmlns="" id="{04388434-9949-479C-A9C3-67A953F6A939}"/>
+                <a16:creationId xmlns="" xmlns:p14="http://schemas.microsoft.com/office/powerpoint/2010/main" xmlns:p15="http://schemas.microsoft.com/office/powerpoint/2012/main" xmlns:a16="http://schemas.microsoft.com/office/drawing/2014/main" id="{04388434-9949-479C-A9C3-67A953F6A939}"/>
               </a:ext>
             </a:extLst>
           </p:cNvPr>
@@ -2739,7 +2740,7 @@
           <p:cNvPr id="9" name="页脚占位符 4">
             <a:extLst>
               <a:ext uri="{FF2B5EF4-FFF2-40B4-BE49-F238E27FC236}">
-                <a16:creationId xmlns:a16="http://schemas.microsoft.com/office/drawing/2014/main" xmlns:p15="http://schemas.microsoft.com/office/powerpoint/2012/main" xmlns:p14="http://schemas.microsoft.com/office/powerpoint/2010/main" xmlns="" id="{50A5656E-7A33-4865-A262-1F96263BAA16}"/>
+                <a16:creationId xmlns="" xmlns:p14="http://schemas.microsoft.com/office/powerpoint/2010/main" xmlns:p15="http://schemas.microsoft.com/office/powerpoint/2012/main" xmlns:a16="http://schemas.microsoft.com/office/drawing/2014/main" id="{50A5656E-7A33-4865-A262-1F96263BAA16}"/>
               </a:ext>
             </a:extLst>
           </p:cNvPr>
@@ -2795,7 +2796,7 @@
           <p:cNvPr id="10" name="灯片编号占位符 5">
             <a:extLst>
               <a:ext uri="{FF2B5EF4-FFF2-40B4-BE49-F238E27FC236}">
-                <a16:creationId xmlns:a16="http://schemas.microsoft.com/office/drawing/2014/main" xmlns:p15="http://schemas.microsoft.com/office/powerpoint/2012/main" xmlns:p14="http://schemas.microsoft.com/office/powerpoint/2010/main" xmlns="" id="{5BF52F79-380E-4278-8B67-588AFE5840F9}"/>
+                <a16:creationId xmlns="" xmlns:p14="http://schemas.microsoft.com/office/powerpoint/2010/main" xmlns:p15="http://schemas.microsoft.com/office/powerpoint/2012/main" xmlns:a16="http://schemas.microsoft.com/office/drawing/2014/main" id="{5BF52F79-380E-4278-8B67-588AFE5840F9}"/>
               </a:ext>
             </a:extLst>
           </p:cNvPr>
@@ -3138,7 +3139,7 @@
   </p:txStyles>
   <p:extLst mod="1">
     <p:ext uri="{27BBF7A9-308A-43DC-89C8-2F10F3537804}">
-      <p15:sldGuideLst xmlns:p15="http://schemas.microsoft.com/office/powerpoint/2012/main" xmlns:p14="http://schemas.microsoft.com/office/powerpoint/2010/main" xmlns:a16="http://schemas.microsoft.com/office/drawing/2014/main" xmlns="">
+      <p15:sldGuideLst xmlns="" xmlns:a16="http://schemas.microsoft.com/office/drawing/2014/main" xmlns:p14="http://schemas.microsoft.com/office/powerpoint/2010/main" xmlns:p15="http://schemas.microsoft.com/office/powerpoint/2012/main">
         <p15:guide id="1" pos="422" userDrawn="1">
           <p15:clr>
             <a:srgbClr val="F26B43"/>
@@ -3197,7 +3198,7 @@
           <p:cNvPr id="3" name="对象 2" hidden="1">
             <a:extLst>
               <a:ext uri="{FF2B5EF4-FFF2-40B4-BE49-F238E27FC236}">
-                <a16:creationId xmlns:a16="http://schemas.microsoft.com/office/drawing/2014/main" xmlns:v="urn:schemas-microsoft-com:vml" xmlns:mc="http://schemas.openxmlformats.org/markup-compatibility/2006" xmlns:p14="http://schemas.microsoft.com/office/powerpoint/2010/main" xmlns="" id="{3C326D0B-7DAB-41B6-8030-2E4A18CC949B}"/>
+                <a16:creationId xmlns="" xmlns:p14="http://schemas.microsoft.com/office/powerpoint/2010/main" xmlns:mc="http://schemas.openxmlformats.org/markup-compatibility/2006" xmlns:v="urn:schemas-microsoft-com:vml" xmlns:a16="http://schemas.microsoft.com/office/drawing/2014/main" id="{3C326D0B-7DAB-41B6-8030-2E4A18CC949B}"/>
               </a:ext>
             </a:extLst>
           </p:cNvPr>
@@ -3220,7 +3221,7 @@
           <a:graphicData uri="http://schemas.openxmlformats.org/presentationml/2006/ole">
             <mc:AlternateContent xmlns:mc="http://schemas.openxmlformats.org/markup-compatibility/2006">
               <mc:Choice xmlns:v="urn:schemas-microsoft-com:vml" Requires="v">
-                <p:oleObj spid="_x0000_s1074" name="think-cell Slide" r:id="rId5" imgW="347" imgH="348" progId="TCLayout.ActiveDocument.1">
+                <p:oleObj spid="_x0000_s1077" name="think-cell Slide" r:id="rId5" imgW="347" imgH="348" progId="TCLayout.ActiveDocument.1">
                   <p:embed/>
                 </p:oleObj>
               </mc:Choice>
@@ -3232,7 +3233,7 @@
                       <p:cNvPr id="3" name="对象 2" hidden="1">
                         <a:extLst>
                           <a:ext uri="{FF2B5EF4-FFF2-40B4-BE49-F238E27FC236}">
-                            <a16:creationId xmlns:a16="http://schemas.microsoft.com/office/drawing/2014/main" xmlns:v="urn:schemas-microsoft-com:vml" xmlns:p14="http://schemas.microsoft.com/office/powerpoint/2010/main" xmlns="" id="{3C326D0B-7DAB-41B6-8030-2E4A18CC949B}"/>
+                            <a16:creationId xmlns="" xmlns:p14="http://schemas.microsoft.com/office/powerpoint/2010/main" xmlns:v="urn:schemas-microsoft-com:vml" xmlns:a16="http://schemas.microsoft.com/office/drawing/2014/main" id="{3C326D0B-7DAB-41B6-8030-2E4A18CC949B}"/>
                           </a:ext>
                         </a:extLst>
                       </p:cNvPr>
@@ -3266,7 +3267,7 @@
           <p:cNvPr id="2" name="矩形 1" hidden="1">
             <a:extLst>
               <a:ext uri="{FF2B5EF4-FFF2-40B4-BE49-F238E27FC236}">
-                <a16:creationId xmlns:a16="http://schemas.microsoft.com/office/drawing/2014/main" xmlns:v="urn:schemas-microsoft-com:vml" xmlns:mc="http://schemas.openxmlformats.org/markup-compatibility/2006" xmlns:p14="http://schemas.microsoft.com/office/powerpoint/2010/main" xmlns="" id="{EC933494-1B63-4A32-964F-D05236799BAA}"/>
+                <a16:creationId xmlns="" xmlns:p14="http://schemas.microsoft.com/office/powerpoint/2010/main" xmlns:mc="http://schemas.openxmlformats.org/markup-compatibility/2006" xmlns:v="urn:schemas-microsoft-com:vml" xmlns:a16="http://schemas.microsoft.com/office/drawing/2014/main" id="{EC933494-1B63-4A32-964F-D05236799BAA}"/>
               </a:ext>
             </a:extLst>
           </p:cNvPr>
@@ -3831,7 +3832,6 @@
               <a:rPr lang="zh-TW" altLang="en-US" dirty="0"/>
               <a:t>反向傳播</a:t>
             </a:r>
-            <a:endParaRPr lang="zh-TW" altLang="en-US" dirty="0"/>
           </a:p>
         </p:txBody>
       </p:sp>
@@ -4020,7 +4020,6 @@
               <a:rPr lang="zh-TW" altLang="en-US" dirty="0"/>
               <a:t>反向傳播</a:t>
             </a:r>
-            <a:endParaRPr lang="zh-TW" altLang="en-US" dirty="0"/>
           </a:p>
         </p:txBody>
       </p:sp>
@@ -4136,7 +4135,62 @@
       </p:grpSpPr>
       <p:sp>
         <p:nvSpPr>
-          <p:cNvPr id="5" name="标题 4"/>
+          <p:cNvPr id="3" name="頁尾版面配置區 2"/>
+          <p:cNvSpPr>
+            <a:spLocks noGrp="1"/>
+          </p:cNvSpPr>
+          <p:nvPr>
+            <p:ph type="ftr" sz="quarter" idx="11"/>
+          </p:nvPr>
+        </p:nvSpPr>
+        <p:spPr/>
+        <p:txBody>
+          <a:bodyPr/>
+          <a:lstStyle/>
+          <a:p>
+            <a:r>
+              <a:rPr lang="zh-CN" altLang="en-US" smtClean="0"/>
+              <a:t>请在插入菜单</a:t>
+            </a:r>
+            <a:r>
+              <a:rPr lang="en-US" altLang="zh-CN" smtClean="0"/>
+              <a:t>—</a:t>
+            </a:r>
+            <a:r>
+              <a:rPr lang="zh-CN" altLang="en-US" smtClean="0"/>
+              <a:t>页眉和页脚中修改此文本</a:t>
+            </a:r>
+            <a:endParaRPr lang="zh-CN" altLang="en-US" dirty="0"/>
+          </a:p>
+        </p:txBody>
+      </p:sp>
+      <p:sp>
+        <p:nvSpPr>
+          <p:cNvPr id="4" name="投影片編號版面配置區 3"/>
+          <p:cNvSpPr>
+            <a:spLocks noGrp="1"/>
+          </p:cNvSpPr>
+          <p:nvPr>
+            <p:ph type="sldNum" sz="quarter" idx="12"/>
+          </p:nvPr>
+        </p:nvSpPr>
+        <p:spPr/>
+        <p:txBody>
+          <a:bodyPr/>
+          <a:lstStyle/>
+          <a:p>
+            <a:fld id="{5DD3DB80-B894-403A-B48E-6FDC1A72010E}" type="slidenum">
+              <a:rPr lang="zh-CN" altLang="en-US" smtClean="0"/>
+              <a:pPr/>
+              <a:t>13</a:t>
+            </a:fld>
+            <a:endParaRPr lang="zh-CN" altLang="en-US"/>
+          </a:p>
+        </p:txBody>
+      </p:sp>
+      <p:sp>
+        <p:nvSpPr>
+          <p:cNvPr id="5" name="標題 4"/>
           <p:cNvSpPr>
             <a:spLocks noGrp="1"/>
           </p:cNvSpPr>
@@ -4150,28 +4204,24 @@
           <a:lstStyle/>
           <a:p>
             <a:r>
-              <a:rPr lang="en-US" altLang="zh-TW" dirty="0" smtClean="0"/>
-              <a:t>Python</a:t>
-            </a:r>
-            <a:r>
-              <a:rPr lang="zh-TW" altLang="en-US" dirty="0" smtClean="0"/>
-              <a:t>常用</a:t>
+              <a:rPr lang="en-US" altLang="zh-TW" dirty="0"/>
+              <a:t>1.5 </a:t>
             </a:r>
             <a:r>
               <a:rPr lang="zh-TW" altLang="en-US" dirty="0"/>
-              <a:t>框架</a:t>
-            </a:r>
-          </a:p>
-        </p:txBody>
-      </p:sp>
-      <p:sp>
-        <p:nvSpPr>
-          <p:cNvPr id="6" name="文本占位符 5"/>
+              <a:t>反向傳播</a:t>
+            </a:r>
+          </a:p>
+        </p:txBody>
+      </p:sp>
+      <p:sp>
+        <p:nvSpPr>
+          <p:cNvPr id="7" name="內容版面配置區 6"/>
           <p:cNvSpPr>
             <a:spLocks noGrp="1"/>
           </p:cNvSpPr>
           <p:nvPr>
-            <p:ph type="body" idx="1"/>
+            <p:ph sz="quarter" idx="13"/>
           </p:nvPr>
         </p:nvSpPr>
         <p:spPr/>
@@ -4179,92 +4229,64 @@
           <a:bodyPr/>
           <a:lstStyle/>
           <a:p>
-            <a:pPr lvl="0"/>
-            <a:endParaRPr lang="zh-CN" altLang="en-US" dirty="0"/>
-          </a:p>
-        </p:txBody>
-      </p:sp>
-      <p:sp>
-        <p:nvSpPr>
-          <p:cNvPr id="9" name="文本框 8">
+            <a:r>
+              <a:rPr lang="zh-TW" altLang="en-US" dirty="0"/>
+              <a:t>整體</a:t>
+            </a:r>
+            <a:r>
+              <a:rPr lang="zh-TW" altLang="en-US" dirty="0" smtClean="0"/>
+              <a:t>架構</a:t>
+            </a:r>
+            <a:r>
+              <a:rPr lang="en-US" altLang="zh-TW" dirty="0" smtClean="0"/>
+              <a:t>:</a:t>
+            </a:r>
+          </a:p>
+          <a:p>
+            <a:endParaRPr lang="en-US" altLang="zh-TW" dirty="0" smtClean="0"/>
+          </a:p>
+          <a:p>
+            <a:endParaRPr lang="en-US" altLang="zh-TW" dirty="0" smtClean="0"/>
+          </a:p>
+          <a:p>
+            <a:endParaRPr lang="en-US" altLang="zh-TW" dirty="0" smtClean="0"/>
+          </a:p>
+        </p:txBody>
+      </p:sp>
+      <p:pic>
+        <p:nvPicPr>
+          <p:cNvPr id="6" name="圖片 5"/>
+          <p:cNvPicPr>
+            <a:picLocks noChangeAspect="1"/>
+          </p:cNvPicPr>
+          <p:nvPr/>
+        </p:nvPicPr>
+        <p:blipFill>
+          <a:blip r:embed="rId2">
             <a:extLst>
-              <a:ext uri="{FF2B5EF4-FFF2-40B4-BE49-F238E27FC236}">
-                <a16:creationId xmlns:a16="http://schemas.microsoft.com/office/drawing/2014/main" xmlns:p14="http://schemas.microsoft.com/office/powerpoint/2010/main" xmlns="" id="{04F69230-F3A6-4586-9371-A858F4763E9F}"/>
+              <a:ext uri="{28A0092B-C50C-407E-A947-70E740481C1C}">
+                <a14:useLocalDpi xmlns:a14="http://schemas.microsoft.com/office/drawing/2010/main" val="0"/>
               </a:ext>
             </a:extLst>
-          </p:cNvPr>
-          <p:cNvSpPr txBox="1"/>
-          <p:nvPr/>
-        </p:nvSpPr>
+          </a:blip>
+          <a:stretch>
+            <a:fillRect/>
+          </a:stretch>
+        </p:blipFill>
         <p:spPr>
           <a:xfrm>
-            <a:off x="2636995" y="2984045"/>
-            <a:ext cx="1023516" cy="889909"/>
+            <a:off x="3202588" y="1115441"/>
+            <a:ext cx="5627087" cy="5552059"/>
           </a:xfrm>
           <a:prstGeom prst="rect">
             <a:avLst/>
           </a:prstGeom>
-          <a:noFill/>
-          <a:ln w="117475">
-            <a:noFill/>
-          </a:ln>
         </p:spPr>
-        <p:txBody>
-          <a:bodyPr wrap="none" rtlCol="0">
-            <a:prstTxWarp prst="textPlain">
-              <a:avLst/>
-            </a:prstTxWarp>
-            <a:spAutoFit/>
-          </a:bodyPr>
-          <a:lstStyle/>
-          <a:p>
-            <a:r>
-              <a:rPr lang="en-US" altLang="zh-CN" spc="100" dirty="0" smtClean="0">
-                <a:solidFill>
-                  <a:schemeClr val="bg1"/>
-                </a:solidFill>
-                <a:latin typeface="Impact" panose="020B0806030902050204" pitchFamily="34" charset="0"/>
-                <a:cs typeface="Arial" panose="020B0604020202020204" pitchFamily="34" charset="0"/>
-              </a:rPr>
-              <a:t>/</a:t>
-            </a:r>
-            <a:r>
-              <a:rPr lang="en-US" altLang="zh-CN" sz="100" spc="100" dirty="0" smtClean="0">
-                <a:solidFill>
-                  <a:schemeClr val="bg1"/>
-                </a:solidFill>
-                <a:latin typeface="Impact" panose="020B0806030902050204" pitchFamily="34" charset="0"/>
-                <a:cs typeface="Arial" panose="020B0604020202020204" pitchFamily="34" charset="0"/>
-              </a:rPr>
-              <a:t> </a:t>
-            </a:r>
-            <a:r>
-              <a:rPr lang="en-US" altLang="zh-CN" spc="100" dirty="0" smtClean="0">
-                <a:solidFill>
-                  <a:schemeClr val="bg1"/>
-                </a:solidFill>
-                <a:latin typeface="Impact" panose="020B0806030902050204" pitchFamily="34" charset="0"/>
-                <a:cs typeface="Arial" panose="020B0604020202020204" pitchFamily="34" charset="0"/>
-              </a:rPr>
-              <a:t>02</a:t>
-            </a:r>
-            <a:endParaRPr lang="zh-CN" altLang="en-US" spc="100" dirty="0">
-              <a:solidFill>
-                <a:schemeClr val="bg1"/>
-              </a:solidFill>
-              <a:latin typeface="Impact" panose="020B0806030902050204" pitchFamily="34" charset="0"/>
-              <a:cs typeface="Arial" panose="020B0604020202020204" pitchFamily="34" charset="0"/>
-            </a:endParaRPr>
-          </a:p>
-        </p:txBody>
-      </p:sp>
+      </p:pic>
     </p:spTree>
-    <p:custDataLst>
-      <p:tags r:id="rId2"/>
-    </p:custDataLst>
     <p:extLst>
       <p:ext uri="{BB962C8B-B14F-4D97-AF65-F5344CB8AC3E}">
-        <p14:creationId xmlns:p14="http://schemas.microsoft.com/office/powerpoint/2010/main" val="4149360327"/>
+        <p14:creationId xmlns:p14="http://schemas.microsoft.com/office/powerpoint/2010/main" val="2767889963"/>
       </p:ext>
     </p:extLst>
   </p:cSld>
@@ -4300,6 +4322,170 @@
       </p:grpSpPr>
       <p:sp>
         <p:nvSpPr>
+          <p:cNvPr id="5" name="标题 4"/>
+          <p:cNvSpPr>
+            <a:spLocks noGrp="1"/>
+          </p:cNvSpPr>
+          <p:nvPr>
+            <p:ph type="title"/>
+          </p:nvPr>
+        </p:nvSpPr>
+        <p:spPr/>
+        <p:txBody>
+          <a:bodyPr/>
+          <a:lstStyle/>
+          <a:p>
+            <a:r>
+              <a:rPr lang="en-US" altLang="zh-TW" dirty="0" smtClean="0"/>
+              <a:t>Python</a:t>
+            </a:r>
+            <a:r>
+              <a:rPr lang="zh-TW" altLang="en-US" dirty="0" smtClean="0"/>
+              <a:t>常用</a:t>
+            </a:r>
+            <a:r>
+              <a:rPr lang="zh-TW" altLang="en-US" dirty="0"/>
+              <a:t>框架</a:t>
+            </a:r>
+          </a:p>
+        </p:txBody>
+      </p:sp>
+      <p:sp>
+        <p:nvSpPr>
+          <p:cNvPr id="6" name="文本占位符 5"/>
+          <p:cNvSpPr>
+            <a:spLocks noGrp="1"/>
+          </p:cNvSpPr>
+          <p:nvPr>
+            <p:ph type="body" idx="1"/>
+          </p:nvPr>
+        </p:nvSpPr>
+        <p:spPr/>
+        <p:txBody>
+          <a:bodyPr/>
+          <a:lstStyle/>
+          <a:p>
+            <a:pPr lvl="0"/>
+            <a:endParaRPr lang="zh-CN" altLang="en-US" dirty="0"/>
+          </a:p>
+        </p:txBody>
+      </p:sp>
+      <p:sp>
+        <p:nvSpPr>
+          <p:cNvPr id="9" name="文本框 8">
+            <a:extLst>
+              <a:ext uri="{FF2B5EF4-FFF2-40B4-BE49-F238E27FC236}">
+                <a16:creationId xmlns="" xmlns:p14="http://schemas.microsoft.com/office/powerpoint/2010/main" xmlns:a16="http://schemas.microsoft.com/office/drawing/2014/main" id="{04F69230-F3A6-4586-9371-A858F4763E9F}"/>
+              </a:ext>
+            </a:extLst>
+          </p:cNvPr>
+          <p:cNvSpPr txBox="1"/>
+          <p:nvPr/>
+        </p:nvSpPr>
+        <p:spPr>
+          <a:xfrm>
+            <a:off x="2636995" y="2984045"/>
+            <a:ext cx="1023516" cy="889909"/>
+          </a:xfrm>
+          <a:prstGeom prst="rect">
+            <a:avLst/>
+          </a:prstGeom>
+          <a:noFill/>
+          <a:ln w="117475">
+            <a:noFill/>
+          </a:ln>
+        </p:spPr>
+        <p:txBody>
+          <a:bodyPr wrap="none" rtlCol="0">
+            <a:prstTxWarp prst="textPlain">
+              <a:avLst/>
+            </a:prstTxWarp>
+            <a:spAutoFit/>
+          </a:bodyPr>
+          <a:lstStyle/>
+          <a:p>
+            <a:r>
+              <a:rPr lang="en-US" altLang="zh-CN" spc="100" dirty="0" smtClean="0">
+                <a:solidFill>
+                  <a:schemeClr val="bg1"/>
+                </a:solidFill>
+                <a:latin typeface="Impact" panose="020B0806030902050204" pitchFamily="34" charset="0"/>
+                <a:cs typeface="Arial" panose="020B0604020202020204" pitchFamily="34" charset="0"/>
+              </a:rPr>
+              <a:t>/</a:t>
+            </a:r>
+            <a:r>
+              <a:rPr lang="en-US" altLang="zh-CN" sz="100" spc="100" dirty="0" smtClean="0">
+                <a:solidFill>
+                  <a:schemeClr val="bg1"/>
+                </a:solidFill>
+                <a:latin typeface="Impact" panose="020B0806030902050204" pitchFamily="34" charset="0"/>
+                <a:cs typeface="Arial" panose="020B0604020202020204" pitchFamily="34" charset="0"/>
+              </a:rPr>
+              <a:t> </a:t>
+            </a:r>
+            <a:r>
+              <a:rPr lang="en-US" altLang="zh-CN" spc="100" dirty="0" smtClean="0">
+                <a:solidFill>
+                  <a:schemeClr val="bg1"/>
+                </a:solidFill>
+                <a:latin typeface="Impact" panose="020B0806030902050204" pitchFamily="34" charset="0"/>
+                <a:cs typeface="Arial" panose="020B0604020202020204" pitchFamily="34" charset="0"/>
+              </a:rPr>
+              <a:t>02</a:t>
+            </a:r>
+            <a:endParaRPr lang="zh-CN" altLang="en-US" spc="100" dirty="0">
+              <a:solidFill>
+                <a:schemeClr val="bg1"/>
+              </a:solidFill>
+              <a:latin typeface="Impact" panose="020B0806030902050204" pitchFamily="34" charset="0"/>
+              <a:cs typeface="Arial" panose="020B0604020202020204" pitchFamily="34" charset="0"/>
+            </a:endParaRPr>
+          </a:p>
+        </p:txBody>
+      </p:sp>
+    </p:spTree>
+    <p:custDataLst>
+      <p:tags r:id="rId2"/>
+    </p:custDataLst>
+    <p:extLst>
+      <p:ext uri="{BB962C8B-B14F-4D97-AF65-F5344CB8AC3E}">
+        <p14:creationId xmlns:p14="http://schemas.microsoft.com/office/powerpoint/2010/main" val="4149360327"/>
+      </p:ext>
+    </p:extLst>
+  </p:cSld>
+  <p:clrMapOvr>
+    <a:masterClrMapping/>
+  </p:clrMapOvr>
+  <p:timing>
+    <p:tnLst>
+      <p:par>
+        <p:cTn id="1" dur="indefinite" restart="never" nodeType="tmRoot"/>
+      </p:par>
+    </p:tnLst>
+  </p:timing>
+</p:sld>
+</file>
+
+<file path=ppt/slides/slide15.xml><?xml version="1.0" encoding="utf-8"?>
+<p:sld xmlns:a="http://schemas.openxmlformats.org/drawingml/2006/main" xmlns:r="http://schemas.openxmlformats.org/officeDocument/2006/relationships" xmlns:p="http://schemas.openxmlformats.org/presentationml/2006/main">
+  <p:cSld>
+    <p:spTree>
+      <p:nvGrpSpPr>
+        <p:cNvPr id="1" name=""/>
+        <p:cNvGrpSpPr/>
+        <p:nvPr/>
+      </p:nvGrpSpPr>
+      <p:grpSpPr>
+        <a:xfrm>
+          <a:off x="0" y="0"/>
+          <a:ext cx="0" cy="0"/>
+          <a:chOff x="0" y="0"/>
+          <a:chExt cx="0" cy="0"/>
+        </a:xfrm>
+      </p:grpSpPr>
+      <p:sp>
+        <p:nvSpPr>
           <p:cNvPr id="3" name="頁尾版面配置區 2"/>
           <p:cNvSpPr>
             <a:spLocks noGrp="1"/>
@@ -4347,7 +4533,7 @@
             <a:fld id="{5DD3DB80-B894-403A-B48E-6FDC1A72010E}" type="slidenum">
               <a:rPr lang="zh-CN" altLang="en-US" smtClean="0"/>
               <a:pPr/>
-              <a:t>14</a:t>
+              <a:t>15</a:t>
             </a:fld>
             <a:endParaRPr lang="zh-CN" altLang="en-US"/>
           </a:p>
@@ -4588,7 +4774,7 @@
 </p:sld>
 </file>
 
-<file path=ppt/slides/slide15.xml><?xml version="1.0" encoding="utf-8"?>
+<file path=ppt/slides/slide16.xml><?xml version="1.0" encoding="utf-8"?>
 <p:sld xmlns:a="http://schemas.openxmlformats.org/drawingml/2006/main" xmlns:r="http://schemas.openxmlformats.org/officeDocument/2006/relationships" xmlns:p="http://schemas.openxmlformats.org/presentationml/2006/main">
   <p:cSld>
     <p:spTree>
@@ -4654,7 +4840,7 @@
             <a:fld id="{5DD3DB80-B894-403A-B48E-6FDC1A72010E}" type="slidenum">
               <a:rPr lang="zh-CN" altLang="en-US" smtClean="0"/>
               <a:pPr/>
-              <a:t>15</a:t>
+              <a:t>16</a:t>
             </a:fld>
             <a:endParaRPr lang="zh-CN" altLang="en-US"/>
           </a:p>
@@ -4763,7 +4949,7 @@
 </p:sld>
 </file>
 
-<file path=ppt/slides/slide16.xml><?xml version="1.0" encoding="utf-8"?>
+<file path=ppt/slides/slide17.xml><?xml version="1.0" encoding="utf-8"?>
 <p:sld xmlns:a="http://schemas.openxmlformats.org/drawingml/2006/main" xmlns:r="http://schemas.openxmlformats.org/officeDocument/2006/relationships" xmlns:p="http://schemas.openxmlformats.org/presentationml/2006/main">
   <p:cSld>
     <p:spTree>
@@ -4829,7 +5015,7 @@
             <a:fld id="{5DD3DB80-B894-403A-B48E-6FDC1A72010E}" type="slidenum">
               <a:rPr lang="zh-CN" altLang="en-US" smtClean="0"/>
               <a:pPr/>
-              <a:t>16</a:t>
+              <a:t>17</a:t>
             </a:fld>
             <a:endParaRPr lang="zh-CN" altLang="en-US"/>
           </a:p>
@@ -5070,140 +5256,6 @@
 </p:sld>
 </file>
 
-<file path=ppt/slides/slide17.xml><?xml version="1.0" encoding="utf-8"?>
-<p:sld xmlns:a="http://schemas.openxmlformats.org/drawingml/2006/main" xmlns:r="http://schemas.openxmlformats.org/officeDocument/2006/relationships" xmlns:p="http://schemas.openxmlformats.org/presentationml/2006/main">
-  <p:cSld>
-    <p:spTree>
-      <p:nvGrpSpPr>
-        <p:cNvPr id="1" name=""/>
-        <p:cNvGrpSpPr/>
-        <p:nvPr/>
-      </p:nvGrpSpPr>
-      <p:grpSpPr>
-        <a:xfrm>
-          <a:off x="0" y="0"/>
-          <a:ext cx="0" cy="0"/>
-          <a:chOff x="0" y="0"/>
-          <a:chExt cx="0" cy="0"/>
-        </a:xfrm>
-      </p:grpSpPr>
-      <p:sp>
-        <p:nvSpPr>
-          <p:cNvPr id="5" name="标题 4"/>
-          <p:cNvSpPr>
-            <a:spLocks noGrp="1"/>
-          </p:cNvSpPr>
-          <p:nvPr>
-            <p:ph type="title"/>
-          </p:nvPr>
-        </p:nvSpPr>
-        <p:spPr/>
-        <p:txBody>
-          <a:bodyPr/>
-          <a:lstStyle/>
-          <a:p>
-            <a:r>
-              <a:rPr lang="zh-TW" altLang="en-US" dirty="0"/>
-              <a:t>簡單類神經網路實作 </a:t>
-            </a:r>
-            <a:r>
-              <a:rPr lang="en-US" altLang="zh-TW" dirty="0"/>
-              <a:t>Demo</a:t>
-            </a:r>
-            <a:endParaRPr lang="zh-CN" altLang="en-US" dirty="0"/>
-          </a:p>
-        </p:txBody>
-      </p:sp>
-      <p:sp>
-        <p:nvSpPr>
-          <p:cNvPr id="9" name="文本框 8">
-            <a:extLst>
-              <a:ext uri="{FF2B5EF4-FFF2-40B4-BE49-F238E27FC236}">
-                <a16:creationId xmlns:a16="http://schemas.microsoft.com/office/drawing/2014/main" xmlns:p14="http://schemas.microsoft.com/office/powerpoint/2010/main" xmlns="" id="{04F69230-F3A6-4586-9371-A858F4763E9F}"/>
-              </a:ext>
-            </a:extLst>
-          </p:cNvPr>
-          <p:cNvSpPr txBox="1"/>
-          <p:nvPr/>
-        </p:nvSpPr>
-        <p:spPr>
-          <a:xfrm>
-            <a:off x="2636995" y="2984045"/>
-            <a:ext cx="1023516" cy="889909"/>
-          </a:xfrm>
-          <a:prstGeom prst="rect">
-            <a:avLst/>
-          </a:prstGeom>
-          <a:noFill/>
-          <a:ln w="117475">
-            <a:noFill/>
-          </a:ln>
-        </p:spPr>
-        <p:txBody>
-          <a:bodyPr wrap="none" rtlCol="0">
-            <a:prstTxWarp prst="textPlain">
-              <a:avLst/>
-            </a:prstTxWarp>
-            <a:spAutoFit/>
-          </a:bodyPr>
-          <a:lstStyle/>
-          <a:p>
-            <a:r>
-              <a:rPr lang="en-US" altLang="zh-CN" spc="100" dirty="0" smtClean="0">
-                <a:solidFill>
-                  <a:schemeClr val="bg1"/>
-                </a:solidFill>
-                <a:latin typeface="Impact" panose="020B0806030902050204" pitchFamily="34" charset="0"/>
-                <a:cs typeface="Arial" panose="020B0604020202020204" pitchFamily="34" charset="0"/>
-              </a:rPr>
-              <a:t>/</a:t>
-            </a:r>
-            <a:r>
-              <a:rPr lang="en-US" altLang="zh-CN" sz="100" spc="100" dirty="0" smtClean="0">
-                <a:solidFill>
-                  <a:schemeClr val="bg1"/>
-                </a:solidFill>
-                <a:latin typeface="Impact" panose="020B0806030902050204" pitchFamily="34" charset="0"/>
-                <a:cs typeface="Arial" panose="020B0604020202020204" pitchFamily="34" charset="0"/>
-              </a:rPr>
-              <a:t> </a:t>
-            </a:r>
-            <a:r>
-              <a:rPr lang="en-US" altLang="zh-CN" spc="100" dirty="0" smtClean="0">
-                <a:solidFill>
-                  <a:schemeClr val="bg1"/>
-                </a:solidFill>
-                <a:latin typeface="Impact" panose="020B0806030902050204" pitchFamily="34" charset="0"/>
-                <a:cs typeface="Arial" panose="020B0604020202020204" pitchFamily="34" charset="0"/>
-              </a:rPr>
-              <a:t>03</a:t>
-            </a:r>
-            <a:endParaRPr lang="zh-CN" altLang="en-US" spc="100" dirty="0">
-              <a:solidFill>
-                <a:schemeClr val="bg1"/>
-              </a:solidFill>
-              <a:latin typeface="Impact" panose="020B0806030902050204" pitchFamily="34" charset="0"/>
-              <a:cs typeface="Arial" panose="020B0604020202020204" pitchFamily="34" charset="0"/>
-            </a:endParaRPr>
-          </a:p>
-        </p:txBody>
-      </p:sp>
-    </p:spTree>
-    <p:custDataLst>
-      <p:tags r:id="rId2"/>
-    </p:custDataLst>
-    <p:extLst>
-      <p:ext uri="{BB962C8B-B14F-4D97-AF65-F5344CB8AC3E}">
-        <p14:creationId xmlns:p14="http://schemas.microsoft.com/office/powerpoint/2010/main" val="3836393561"/>
-      </p:ext>
-    </p:extLst>
-  </p:cSld>
-  <p:clrMapOvr>
-    <a:masterClrMapping/>
-  </p:clrMapOvr>
-</p:sld>
-</file>
-
 <file path=ppt/slides/slide18.xml><?xml version="1.0" encoding="utf-8"?>
 <p:sld xmlns:a="http://schemas.openxmlformats.org/drawingml/2006/main" xmlns:r="http://schemas.openxmlformats.org/officeDocument/2006/relationships" xmlns:p="http://schemas.openxmlformats.org/presentationml/2006/main">
   <p:cSld>
@@ -5223,6 +5275,140 @@
       </p:grpSpPr>
       <p:sp>
         <p:nvSpPr>
+          <p:cNvPr id="5" name="标题 4"/>
+          <p:cNvSpPr>
+            <a:spLocks noGrp="1"/>
+          </p:cNvSpPr>
+          <p:nvPr>
+            <p:ph type="title"/>
+          </p:nvPr>
+        </p:nvSpPr>
+        <p:spPr/>
+        <p:txBody>
+          <a:bodyPr/>
+          <a:lstStyle/>
+          <a:p>
+            <a:r>
+              <a:rPr lang="zh-TW" altLang="en-US" dirty="0"/>
+              <a:t>簡單類神經網路實作 </a:t>
+            </a:r>
+            <a:r>
+              <a:rPr lang="en-US" altLang="zh-TW" dirty="0"/>
+              <a:t>Demo</a:t>
+            </a:r>
+            <a:endParaRPr lang="zh-CN" altLang="en-US" dirty="0"/>
+          </a:p>
+        </p:txBody>
+      </p:sp>
+      <p:sp>
+        <p:nvSpPr>
+          <p:cNvPr id="9" name="文本框 8">
+            <a:extLst>
+              <a:ext uri="{FF2B5EF4-FFF2-40B4-BE49-F238E27FC236}">
+                <a16:creationId xmlns="" xmlns:p14="http://schemas.microsoft.com/office/powerpoint/2010/main" xmlns:a16="http://schemas.microsoft.com/office/drawing/2014/main" id="{04F69230-F3A6-4586-9371-A858F4763E9F}"/>
+              </a:ext>
+            </a:extLst>
+          </p:cNvPr>
+          <p:cNvSpPr txBox="1"/>
+          <p:nvPr/>
+        </p:nvSpPr>
+        <p:spPr>
+          <a:xfrm>
+            <a:off x="2636995" y="2984045"/>
+            <a:ext cx="1023516" cy="889909"/>
+          </a:xfrm>
+          <a:prstGeom prst="rect">
+            <a:avLst/>
+          </a:prstGeom>
+          <a:noFill/>
+          <a:ln w="117475">
+            <a:noFill/>
+          </a:ln>
+        </p:spPr>
+        <p:txBody>
+          <a:bodyPr wrap="none" rtlCol="0">
+            <a:prstTxWarp prst="textPlain">
+              <a:avLst/>
+            </a:prstTxWarp>
+            <a:spAutoFit/>
+          </a:bodyPr>
+          <a:lstStyle/>
+          <a:p>
+            <a:r>
+              <a:rPr lang="en-US" altLang="zh-CN" spc="100" dirty="0" smtClean="0">
+                <a:solidFill>
+                  <a:schemeClr val="bg1"/>
+                </a:solidFill>
+                <a:latin typeface="Impact" panose="020B0806030902050204" pitchFamily="34" charset="0"/>
+                <a:cs typeface="Arial" panose="020B0604020202020204" pitchFamily="34" charset="0"/>
+              </a:rPr>
+              <a:t>/</a:t>
+            </a:r>
+            <a:r>
+              <a:rPr lang="en-US" altLang="zh-CN" sz="100" spc="100" dirty="0" smtClean="0">
+                <a:solidFill>
+                  <a:schemeClr val="bg1"/>
+                </a:solidFill>
+                <a:latin typeface="Impact" panose="020B0806030902050204" pitchFamily="34" charset="0"/>
+                <a:cs typeface="Arial" panose="020B0604020202020204" pitchFamily="34" charset="0"/>
+              </a:rPr>
+              <a:t> </a:t>
+            </a:r>
+            <a:r>
+              <a:rPr lang="en-US" altLang="zh-CN" spc="100" dirty="0" smtClean="0">
+                <a:solidFill>
+                  <a:schemeClr val="bg1"/>
+                </a:solidFill>
+                <a:latin typeface="Impact" panose="020B0806030902050204" pitchFamily="34" charset="0"/>
+                <a:cs typeface="Arial" panose="020B0604020202020204" pitchFamily="34" charset="0"/>
+              </a:rPr>
+              <a:t>03</a:t>
+            </a:r>
+            <a:endParaRPr lang="zh-CN" altLang="en-US" spc="100" dirty="0">
+              <a:solidFill>
+                <a:schemeClr val="bg1"/>
+              </a:solidFill>
+              <a:latin typeface="Impact" panose="020B0806030902050204" pitchFamily="34" charset="0"/>
+              <a:cs typeface="Arial" panose="020B0604020202020204" pitchFamily="34" charset="0"/>
+            </a:endParaRPr>
+          </a:p>
+        </p:txBody>
+      </p:sp>
+    </p:spTree>
+    <p:custDataLst>
+      <p:tags r:id="rId2"/>
+    </p:custDataLst>
+    <p:extLst>
+      <p:ext uri="{BB962C8B-B14F-4D97-AF65-F5344CB8AC3E}">
+        <p14:creationId xmlns:p14="http://schemas.microsoft.com/office/powerpoint/2010/main" val="3836393561"/>
+      </p:ext>
+    </p:extLst>
+  </p:cSld>
+  <p:clrMapOvr>
+    <a:masterClrMapping/>
+  </p:clrMapOvr>
+</p:sld>
+</file>
+
+<file path=ppt/slides/slide19.xml><?xml version="1.0" encoding="utf-8"?>
+<p:sld xmlns:a="http://schemas.openxmlformats.org/drawingml/2006/main" xmlns:r="http://schemas.openxmlformats.org/officeDocument/2006/relationships" xmlns:p="http://schemas.openxmlformats.org/presentationml/2006/main">
+  <p:cSld>
+    <p:spTree>
+      <p:nvGrpSpPr>
+        <p:cNvPr id="1" name=""/>
+        <p:cNvGrpSpPr/>
+        <p:nvPr/>
+      </p:nvGrpSpPr>
+      <p:grpSpPr>
+        <a:xfrm>
+          <a:off x="0" y="0"/>
+          <a:ext cx="0" cy="0"/>
+          <a:chOff x="0" y="0"/>
+          <a:chExt cx="0" cy="0"/>
+        </a:xfrm>
+      </p:grpSpPr>
+      <p:sp>
+        <p:nvSpPr>
           <p:cNvPr id="3" name="页脚占位符 2"/>
           <p:cNvSpPr>
             <a:spLocks noGrp="1"/>
@@ -5278,7 +5464,7 @@
             <a:fld id="{5DD3DB80-B894-403A-B48E-6FDC1A72010E}" type="slidenum">
               <a:rPr lang="zh-CN" altLang="en-US" smtClean="0"/>
               <a:pPr/>
-              <a:t>18</a:t>
+              <a:t>19</a:t>
             </a:fld>
             <a:endParaRPr lang="zh-CN" altLang="en-US"/>
           </a:p>
@@ -5415,147 +5601,6 @@
 </p:sld>
 </file>
 
-<file path=ppt/slides/slide19.xml><?xml version="1.0" encoding="utf-8"?>
-<p:sld xmlns:a="http://schemas.openxmlformats.org/drawingml/2006/main" xmlns:r="http://schemas.openxmlformats.org/officeDocument/2006/relationships" xmlns:p="http://schemas.openxmlformats.org/presentationml/2006/main">
-  <p:cSld>
-    <p:spTree>
-      <p:nvGrpSpPr>
-        <p:cNvPr id="1" name=""/>
-        <p:cNvGrpSpPr/>
-        <p:nvPr/>
-      </p:nvGrpSpPr>
-      <p:grpSpPr>
-        <a:xfrm>
-          <a:off x="0" y="0"/>
-          <a:ext cx="0" cy="0"/>
-          <a:chOff x="0" y="0"/>
-          <a:chExt cx="0" cy="0"/>
-        </a:xfrm>
-      </p:grpSpPr>
-      <p:sp>
-        <p:nvSpPr>
-          <p:cNvPr id="5" name="标题 4"/>
-          <p:cNvSpPr>
-            <a:spLocks noGrp="1"/>
-          </p:cNvSpPr>
-          <p:nvPr>
-            <p:ph type="title"/>
-          </p:nvPr>
-        </p:nvSpPr>
-        <p:spPr/>
-        <p:txBody>
-          <a:bodyPr/>
-          <a:lstStyle/>
-          <a:p>
-            <a:r>
-              <a:rPr lang="zh-TW" altLang="en-US" dirty="0"/>
-              <a:t>補充</a:t>
-            </a:r>
-            <a:r>
-              <a:rPr lang="en-US" altLang="zh-TW" dirty="0"/>
-              <a:t>(10</a:t>
-            </a:r>
-            <a:r>
-              <a:rPr lang="zh-TW" altLang="en-US" dirty="0"/>
-              <a:t>月搞炸的</a:t>
-            </a:r>
-            <a:r>
-              <a:rPr lang="en-US" altLang="zh-TW" dirty="0"/>
-              <a:t>BERT)</a:t>
-            </a:r>
-          </a:p>
-        </p:txBody>
-      </p:sp>
-      <p:sp>
-        <p:nvSpPr>
-          <p:cNvPr id="9" name="文本框 8">
-            <a:extLst>
-              <a:ext uri="{FF2B5EF4-FFF2-40B4-BE49-F238E27FC236}">
-                <a16:creationId xmlns:a16="http://schemas.microsoft.com/office/drawing/2014/main" xmlns:p14="http://schemas.microsoft.com/office/powerpoint/2010/main" xmlns="" id="{04F69230-F3A6-4586-9371-A858F4763E9F}"/>
-              </a:ext>
-            </a:extLst>
-          </p:cNvPr>
-          <p:cNvSpPr txBox="1"/>
-          <p:nvPr/>
-        </p:nvSpPr>
-        <p:spPr>
-          <a:xfrm>
-            <a:off x="2636995" y="2984045"/>
-            <a:ext cx="1023516" cy="889909"/>
-          </a:xfrm>
-          <a:prstGeom prst="rect">
-            <a:avLst/>
-          </a:prstGeom>
-          <a:noFill/>
-          <a:ln w="117475">
-            <a:noFill/>
-          </a:ln>
-        </p:spPr>
-        <p:txBody>
-          <a:bodyPr wrap="none" rtlCol="0">
-            <a:prstTxWarp prst="textPlain">
-              <a:avLst/>
-            </a:prstTxWarp>
-            <a:spAutoFit/>
-          </a:bodyPr>
-          <a:lstStyle/>
-          <a:p>
-            <a:r>
-              <a:rPr lang="en-US" altLang="zh-CN" spc="100" dirty="0" smtClean="0">
-                <a:solidFill>
-                  <a:schemeClr val="bg1"/>
-                </a:solidFill>
-                <a:latin typeface="Impact" panose="020B0806030902050204" pitchFamily="34" charset="0"/>
-                <a:cs typeface="Arial" panose="020B0604020202020204" pitchFamily="34" charset="0"/>
-              </a:rPr>
-              <a:t>/</a:t>
-            </a:r>
-            <a:r>
-              <a:rPr lang="en-US" altLang="zh-CN" sz="100" spc="100" dirty="0" smtClean="0">
-                <a:solidFill>
-                  <a:schemeClr val="bg1"/>
-                </a:solidFill>
-                <a:latin typeface="Impact" panose="020B0806030902050204" pitchFamily="34" charset="0"/>
-                <a:cs typeface="Arial" panose="020B0604020202020204" pitchFamily="34" charset="0"/>
-              </a:rPr>
-              <a:t> </a:t>
-            </a:r>
-            <a:r>
-              <a:rPr lang="en-US" altLang="zh-CN" spc="100" dirty="0" smtClean="0">
-                <a:solidFill>
-                  <a:schemeClr val="bg1"/>
-                </a:solidFill>
-                <a:latin typeface="Impact" panose="020B0806030902050204" pitchFamily="34" charset="0"/>
-                <a:cs typeface="Arial" panose="020B0604020202020204" pitchFamily="34" charset="0"/>
-              </a:rPr>
-              <a:t>04</a:t>
-            </a:r>
-            <a:endParaRPr lang="zh-CN" altLang="en-US" spc="100" dirty="0">
-              <a:solidFill>
-                <a:schemeClr val="bg1"/>
-              </a:solidFill>
-              <a:latin typeface="Impact" panose="020B0806030902050204" pitchFamily="34" charset="0"/>
-              <a:cs typeface="Arial" panose="020B0604020202020204" pitchFamily="34" charset="0"/>
-            </a:endParaRPr>
-          </a:p>
-        </p:txBody>
-      </p:sp>
-    </p:spTree>
-    <p:custDataLst>
-      <p:tags r:id="rId2"/>
-    </p:custDataLst>
-    <p:extLst>
-      <p:ext uri="{BB962C8B-B14F-4D97-AF65-F5344CB8AC3E}">
-        <p14:creationId xmlns:p14="http://schemas.microsoft.com/office/powerpoint/2010/main" val="694834240"/>
-      </p:ext>
-    </p:extLst>
-  </p:cSld>
-  <p:clrMapOvr>
-    <a:masterClrMapping/>
-  </p:clrMapOvr>
-</p:sld>
-</file>
-
 <file path=ppt/slides/slide2.xml><?xml version="1.0" encoding="utf-8"?>
 <p:sld xmlns:a="http://schemas.openxmlformats.org/drawingml/2006/main" xmlns:r="http://schemas.openxmlformats.org/officeDocument/2006/relationships" xmlns:p="http://schemas.openxmlformats.org/presentationml/2006/main">
   <p:cSld>
@@ -5578,7 +5623,7 @@
           <p:cNvPr id="2" name="组合 1">
             <a:extLst>
               <a:ext uri="{FF2B5EF4-FFF2-40B4-BE49-F238E27FC236}">
-                <a16:creationId xmlns:a16="http://schemas.microsoft.com/office/drawing/2014/main" xmlns:p14="http://schemas.microsoft.com/office/powerpoint/2010/main" xmlns="" id="{C0498D3A-B738-48EC-A39C-94C58B88932B}"/>
+                <a16:creationId xmlns="" xmlns:p14="http://schemas.microsoft.com/office/powerpoint/2010/main" xmlns:a16="http://schemas.microsoft.com/office/drawing/2014/main" id="{C0498D3A-B738-48EC-A39C-94C58B88932B}"/>
               </a:ext>
             </a:extLst>
           </p:cNvPr>
@@ -5598,7 +5643,7 @@
             <p:cNvPr id="6" name="2b751056-6b97-492c-b763-340acee7e99d" descr="本素材由iSlide™ 提供&#10;iSlide™尊重知识产权并注重保护用户享有的各项权利。郑重提醒您：&#10;iSlide™插件中提供的任何信息内容的所有权、知识产权归其原始权利人或权利受让人所有，您免费/购买获得的是信息内容的使用权，并受下述条款的约束；&#10;1. 您仅可以个人非商业用途使用该等信息内容，不可将信息内容的全部或部分用于出售，或以出租、出借、转让、分销、发布等其他任何方式供他人使用；&#10;2. 禁止在接入互联网或移动互联网的任何网站、平台、应用或程序上以任何方式为他人提供iSlide™插件资源内容的下载。&#10;The resource is supplied by iSlide™.&#10;iSlide™ respects all intellectual property rights and protects all the rights its users acquired.Solemnly remind you:&#10;The ownership and intellectual property of the resources supplied in iSlide Add-in belongs to its owner or the assignee of this ownership.you only acquired the usage of the resources supplied in iSlide Add-in, as well as respected the following restrain terms:&#10;1.You are only allowed to use such resource for personal and non-commercial aim, not allowed to use such resource or part of it for the sale; or rent, lend, transfer to others; or distribution or release it in any way.&#10;2.You are not permitted to provide the resource of iSlide Add-in in any website, platform, application access to the Internet or mobile Internet." title="iSlide™ 版权声明  COPYRIGHT NOTICE">
               <a:extLst>
                 <a:ext uri="{FF2B5EF4-FFF2-40B4-BE49-F238E27FC236}">
-                  <a16:creationId xmlns:a16="http://schemas.microsoft.com/office/drawing/2014/main" xmlns:p14="http://schemas.microsoft.com/office/powerpoint/2010/main" xmlns="" id="{A759C196-DA28-4241-ABB5-975367026FE9}"/>
+                  <a16:creationId xmlns="" xmlns:p14="http://schemas.microsoft.com/office/powerpoint/2010/main" xmlns:a16="http://schemas.microsoft.com/office/drawing/2014/main" id="{A759C196-DA28-4241-ABB5-975367026FE9}"/>
                 </a:ext>
               </a:extLst>
             </p:cNvPr>
@@ -5620,7 +5665,7 @@
               <p:cNvPr id="7" name="iṡľïḑè">
                 <a:extLst>
                   <a:ext uri="{FF2B5EF4-FFF2-40B4-BE49-F238E27FC236}">
-                    <a16:creationId xmlns:a16="http://schemas.microsoft.com/office/drawing/2014/main" xmlns:p14="http://schemas.microsoft.com/office/powerpoint/2010/main" xmlns="" id="{48F70259-7598-4270-874A-6F50772D10F6}"/>
+                    <a16:creationId xmlns="" xmlns:p14="http://schemas.microsoft.com/office/powerpoint/2010/main" xmlns:a16="http://schemas.microsoft.com/office/drawing/2014/main" id="{48F70259-7598-4270-874A-6F50772D10F6}"/>
                   </a:ext>
                 </a:extLst>
               </p:cNvPr>
@@ -5919,7 +5964,7 @@
               <p:cNvPr id="8" name="直接连接符 7">
                 <a:extLst>
                   <a:ext uri="{FF2B5EF4-FFF2-40B4-BE49-F238E27FC236}">
-                    <a16:creationId xmlns:a16="http://schemas.microsoft.com/office/drawing/2014/main" xmlns:p14="http://schemas.microsoft.com/office/powerpoint/2010/main" xmlns="" id="{DA1FB18E-FA01-4588-BEF9-FB96A98A84D4}"/>
+                    <a16:creationId xmlns="" xmlns:p14="http://schemas.microsoft.com/office/powerpoint/2010/main" xmlns:a16="http://schemas.microsoft.com/office/drawing/2014/main" id="{DA1FB18E-FA01-4588-BEF9-FB96A98A84D4}"/>
                   </a:ext>
                 </a:extLst>
               </p:cNvPr>
@@ -5958,7 +6003,7 @@
               <p:cNvPr id="9" name="išľïḋé">
                 <a:extLst>
                   <a:ext uri="{FF2B5EF4-FFF2-40B4-BE49-F238E27FC236}">
-                    <a16:creationId xmlns:a16="http://schemas.microsoft.com/office/drawing/2014/main" xmlns:p14="http://schemas.microsoft.com/office/powerpoint/2010/main" xmlns="" id="{0DB1D0A1-2667-455C-9387-D7ABF0A00B8C}"/>
+                    <a16:creationId xmlns="" xmlns:p14="http://schemas.microsoft.com/office/powerpoint/2010/main" xmlns:a16="http://schemas.microsoft.com/office/drawing/2014/main" id="{0DB1D0A1-2667-455C-9387-D7ABF0A00B8C}"/>
                   </a:ext>
                 </a:extLst>
               </p:cNvPr>
@@ -6030,7 +6075,7 @@
             <p:cNvPr id="10" name="poetry_91022">
               <a:extLst>
                 <a:ext uri="{FF2B5EF4-FFF2-40B4-BE49-F238E27FC236}">
-                  <a16:creationId xmlns:a16="http://schemas.microsoft.com/office/drawing/2014/main" xmlns:p14="http://schemas.microsoft.com/office/powerpoint/2010/main" xmlns="" id="{ADAD6BE3-DC11-4582-9F68-50D831ADD001}"/>
+                  <a16:creationId xmlns="" xmlns:p14="http://schemas.microsoft.com/office/powerpoint/2010/main" xmlns:a16="http://schemas.microsoft.com/office/drawing/2014/main" id="{ADAD6BE3-DC11-4582-9F68-50D831ADD001}"/>
                 </a:ext>
               </a:extLst>
             </p:cNvPr>
@@ -6661,6 +6706,147 @@
       </p:grpSpPr>
       <p:sp>
         <p:nvSpPr>
+          <p:cNvPr id="5" name="标题 4"/>
+          <p:cNvSpPr>
+            <a:spLocks noGrp="1"/>
+          </p:cNvSpPr>
+          <p:nvPr>
+            <p:ph type="title"/>
+          </p:nvPr>
+        </p:nvSpPr>
+        <p:spPr/>
+        <p:txBody>
+          <a:bodyPr/>
+          <a:lstStyle/>
+          <a:p>
+            <a:r>
+              <a:rPr lang="zh-TW" altLang="en-US" dirty="0"/>
+              <a:t>補充</a:t>
+            </a:r>
+            <a:r>
+              <a:rPr lang="en-US" altLang="zh-TW" dirty="0"/>
+              <a:t>(10</a:t>
+            </a:r>
+            <a:r>
+              <a:rPr lang="zh-TW" altLang="en-US" dirty="0"/>
+              <a:t>月搞炸的</a:t>
+            </a:r>
+            <a:r>
+              <a:rPr lang="en-US" altLang="zh-TW" dirty="0"/>
+              <a:t>BERT)</a:t>
+            </a:r>
+          </a:p>
+        </p:txBody>
+      </p:sp>
+      <p:sp>
+        <p:nvSpPr>
+          <p:cNvPr id="9" name="文本框 8">
+            <a:extLst>
+              <a:ext uri="{FF2B5EF4-FFF2-40B4-BE49-F238E27FC236}">
+                <a16:creationId xmlns="" xmlns:p14="http://schemas.microsoft.com/office/powerpoint/2010/main" xmlns:a16="http://schemas.microsoft.com/office/drawing/2014/main" id="{04F69230-F3A6-4586-9371-A858F4763E9F}"/>
+              </a:ext>
+            </a:extLst>
+          </p:cNvPr>
+          <p:cNvSpPr txBox="1"/>
+          <p:nvPr/>
+        </p:nvSpPr>
+        <p:spPr>
+          <a:xfrm>
+            <a:off x="2636995" y="2984045"/>
+            <a:ext cx="1023516" cy="889909"/>
+          </a:xfrm>
+          <a:prstGeom prst="rect">
+            <a:avLst/>
+          </a:prstGeom>
+          <a:noFill/>
+          <a:ln w="117475">
+            <a:noFill/>
+          </a:ln>
+        </p:spPr>
+        <p:txBody>
+          <a:bodyPr wrap="none" rtlCol="0">
+            <a:prstTxWarp prst="textPlain">
+              <a:avLst/>
+            </a:prstTxWarp>
+            <a:spAutoFit/>
+          </a:bodyPr>
+          <a:lstStyle/>
+          <a:p>
+            <a:r>
+              <a:rPr lang="en-US" altLang="zh-CN" spc="100" dirty="0" smtClean="0">
+                <a:solidFill>
+                  <a:schemeClr val="bg1"/>
+                </a:solidFill>
+                <a:latin typeface="Impact" panose="020B0806030902050204" pitchFamily="34" charset="0"/>
+                <a:cs typeface="Arial" panose="020B0604020202020204" pitchFamily="34" charset="0"/>
+              </a:rPr>
+              <a:t>/</a:t>
+            </a:r>
+            <a:r>
+              <a:rPr lang="en-US" altLang="zh-CN" sz="100" spc="100" dirty="0" smtClean="0">
+                <a:solidFill>
+                  <a:schemeClr val="bg1"/>
+                </a:solidFill>
+                <a:latin typeface="Impact" panose="020B0806030902050204" pitchFamily="34" charset="0"/>
+                <a:cs typeface="Arial" panose="020B0604020202020204" pitchFamily="34" charset="0"/>
+              </a:rPr>
+              <a:t> </a:t>
+            </a:r>
+            <a:r>
+              <a:rPr lang="en-US" altLang="zh-CN" spc="100" dirty="0" smtClean="0">
+                <a:solidFill>
+                  <a:schemeClr val="bg1"/>
+                </a:solidFill>
+                <a:latin typeface="Impact" panose="020B0806030902050204" pitchFamily="34" charset="0"/>
+                <a:cs typeface="Arial" panose="020B0604020202020204" pitchFamily="34" charset="0"/>
+              </a:rPr>
+              <a:t>04</a:t>
+            </a:r>
+            <a:endParaRPr lang="zh-CN" altLang="en-US" spc="100" dirty="0">
+              <a:solidFill>
+                <a:schemeClr val="bg1"/>
+              </a:solidFill>
+              <a:latin typeface="Impact" panose="020B0806030902050204" pitchFamily="34" charset="0"/>
+              <a:cs typeface="Arial" panose="020B0604020202020204" pitchFamily="34" charset="0"/>
+            </a:endParaRPr>
+          </a:p>
+        </p:txBody>
+      </p:sp>
+    </p:spTree>
+    <p:custDataLst>
+      <p:tags r:id="rId2"/>
+    </p:custDataLst>
+    <p:extLst>
+      <p:ext uri="{BB962C8B-B14F-4D97-AF65-F5344CB8AC3E}">
+        <p14:creationId xmlns:p14="http://schemas.microsoft.com/office/powerpoint/2010/main" val="694834240"/>
+      </p:ext>
+    </p:extLst>
+  </p:cSld>
+  <p:clrMapOvr>
+    <a:masterClrMapping/>
+  </p:clrMapOvr>
+</p:sld>
+</file>
+
+<file path=ppt/slides/slide21.xml><?xml version="1.0" encoding="utf-8"?>
+<p:sld xmlns:a="http://schemas.openxmlformats.org/drawingml/2006/main" xmlns:r="http://schemas.openxmlformats.org/officeDocument/2006/relationships" xmlns:p="http://schemas.openxmlformats.org/presentationml/2006/main">
+  <p:cSld>
+    <p:spTree>
+      <p:nvGrpSpPr>
+        <p:cNvPr id="1" name=""/>
+        <p:cNvGrpSpPr/>
+        <p:nvPr/>
+      </p:nvGrpSpPr>
+      <p:grpSpPr>
+        <a:xfrm>
+          <a:off x="0" y="0"/>
+          <a:ext cx="0" cy="0"/>
+          <a:chOff x="0" y="0"/>
+          <a:chExt cx="0" cy="0"/>
+        </a:xfrm>
+      </p:grpSpPr>
+      <p:sp>
+        <p:nvSpPr>
           <p:cNvPr id="3" name="页脚占位符 2"/>
           <p:cNvSpPr>
             <a:spLocks noGrp="1"/>
@@ -6716,7 +6902,7 @@
             <a:fld id="{5DD3DB80-B894-403A-B48E-6FDC1A72010E}" type="slidenum">
               <a:rPr lang="zh-CN" altLang="en-US" smtClean="0"/>
               <a:pPr/>
-              <a:t>20</a:t>
+              <a:t>21</a:t>
             </a:fld>
             <a:endParaRPr lang="zh-CN" altLang="en-US"/>
           </a:p>
@@ -6836,7 +7022,7 @@
 </p:sld>
 </file>
 
-<file path=ppt/slides/slide21.xml><?xml version="1.0" encoding="utf-8"?>
+<file path=ppt/slides/slide22.xml><?xml version="1.0" encoding="utf-8"?>
 <p:sld xmlns:a="http://schemas.openxmlformats.org/drawingml/2006/main" xmlns:r="http://schemas.openxmlformats.org/officeDocument/2006/relationships" xmlns:p="http://schemas.openxmlformats.org/presentationml/2006/main">
   <p:cSld>
     <p:spTree>
@@ -6910,7 +7096,7 @@
             <a:fld id="{5DD3DB80-B894-403A-B48E-6FDC1A72010E}" type="slidenum">
               <a:rPr lang="zh-CN" altLang="en-US" smtClean="0"/>
               <a:pPr/>
-              <a:t>21</a:t>
+              <a:t>22</a:t>
             </a:fld>
             <a:endParaRPr lang="zh-CN" altLang="en-US"/>
           </a:p>
@@ -6995,7 +7181,7 @@
 </p:sld>
 </file>
 
-<file path=ppt/slides/slide22.xml><?xml version="1.0" encoding="utf-8"?>
+<file path=ppt/slides/slide23.xml><?xml version="1.0" encoding="utf-8"?>
 <p:sld xmlns:a="http://schemas.openxmlformats.org/drawingml/2006/main" xmlns:r="http://schemas.openxmlformats.org/officeDocument/2006/relationships" xmlns:p="http://schemas.openxmlformats.org/presentationml/2006/main">
   <p:cSld>
     <p:spTree>
@@ -7017,7 +7203,7 @@
           <p:cNvPr id="3" name="对象 2" hidden="1">
             <a:extLst>
               <a:ext uri="{FF2B5EF4-FFF2-40B4-BE49-F238E27FC236}">
-                <a16:creationId xmlns:a16="http://schemas.microsoft.com/office/drawing/2014/main" xmlns:v="urn:schemas-microsoft-com:vml" xmlns:mc="http://schemas.openxmlformats.org/markup-compatibility/2006" xmlns:p14="http://schemas.microsoft.com/office/powerpoint/2010/main" xmlns="" id="{A6A819F1-33AF-45D7-8BF6-2B0A9769CAD4}"/>
+                <a16:creationId xmlns="" xmlns:p14="http://schemas.microsoft.com/office/powerpoint/2010/main" xmlns:mc="http://schemas.openxmlformats.org/markup-compatibility/2006" xmlns:v="urn:schemas-microsoft-com:vml" xmlns:a16="http://schemas.microsoft.com/office/drawing/2014/main" id="{A6A819F1-33AF-45D7-8BF6-2B0A9769CAD4}"/>
               </a:ext>
             </a:extLst>
           </p:cNvPr>
@@ -7040,7 +7226,7 @@
           <a:graphicData uri="http://schemas.openxmlformats.org/presentationml/2006/ole">
             <mc:AlternateContent xmlns:mc="http://schemas.openxmlformats.org/markup-compatibility/2006">
               <mc:Choice xmlns:v="urn:schemas-microsoft-com:vml" Requires="v">
-                <p:oleObj spid="_x0000_s3123" name="think-cell Slide" r:id="rId5" imgW="347" imgH="348" progId="TCLayout.ActiveDocument.1">
+                <p:oleObj spid="_x0000_s3126" name="think-cell Slide" r:id="rId5" imgW="347" imgH="348" progId="TCLayout.ActiveDocument.1">
                   <p:embed/>
                 </p:oleObj>
               </mc:Choice>
@@ -7052,7 +7238,7 @@
                       <p:cNvPr id="3" name="对象 2" hidden="1">
                         <a:extLst>
                           <a:ext uri="{FF2B5EF4-FFF2-40B4-BE49-F238E27FC236}">
-                            <a16:creationId xmlns:a16="http://schemas.microsoft.com/office/drawing/2014/main" xmlns:v="urn:schemas-microsoft-com:vml" xmlns:p14="http://schemas.microsoft.com/office/powerpoint/2010/main" xmlns="" id="{A6A819F1-33AF-45D7-8BF6-2B0A9769CAD4}"/>
+                            <a16:creationId xmlns="" xmlns:p14="http://schemas.microsoft.com/office/powerpoint/2010/main" xmlns:v="urn:schemas-microsoft-com:vml" xmlns:a16="http://schemas.microsoft.com/office/drawing/2014/main" id="{A6A819F1-33AF-45D7-8BF6-2B0A9769CAD4}"/>
                           </a:ext>
                         </a:extLst>
                       </p:cNvPr>
@@ -7086,7 +7272,7 @@
           <p:cNvPr id="2" name="矩形 1" hidden="1">
             <a:extLst>
               <a:ext uri="{FF2B5EF4-FFF2-40B4-BE49-F238E27FC236}">
-                <a16:creationId xmlns:a16="http://schemas.microsoft.com/office/drawing/2014/main" xmlns:v="urn:schemas-microsoft-com:vml" xmlns:mc="http://schemas.openxmlformats.org/markup-compatibility/2006" xmlns:p14="http://schemas.microsoft.com/office/powerpoint/2010/main" xmlns="" id="{FF51F16D-1BAD-46EE-A6F4-B8B94C9DF628}"/>
+                <a16:creationId xmlns="" xmlns:p14="http://schemas.microsoft.com/office/powerpoint/2010/main" xmlns:mc="http://schemas.openxmlformats.org/markup-compatibility/2006" xmlns:v="urn:schemas-microsoft-com:vml" xmlns:a16="http://schemas.microsoft.com/office/drawing/2014/main" id="{FF51F16D-1BAD-46EE-A6F4-B8B94C9DF628}"/>
               </a:ext>
             </a:extLst>
           </p:cNvPr>
@@ -7321,7 +7507,7 @@
           <p:cNvPr id="9" name="文本框 8">
             <a:extLst>
               <a:ext uri="{FF2B5EF4-FFF2-40B4-BE49-F238E27FC236}">
-                <a16:creationId xmlns:a16="http://schemas.microsoft.com/office/drawing/2014/main" xmlns:p14="http://schemas.microsoft.com/office/powerpoint/2010/main" xmlns="" id="{04F69230-F3A6-4586-9371-A858F4763E9F}"/>
+                <a16:creationId xmlns="" xmlns:p14="http://schemas.microsoft.com/office/powerpoint/2010/main" xmlns:a16="http://schemas.microsoft.com/office/drawing/2014/main" id="{04F69230-F3A6-4586-9371-A858F4763E9F}"/>
               </a:ext>
             </a:extLst>
           </p:cNvPr>
@@ -9023,7 +9209,7 @@
   <a:extraClrSchemeLst/>
   <a:extLst>
     <a:ext uri="{05A4C25C-085E-4340-85A3-A5531E510DB2}">
-      <thm15:themeFamily xmlns:thm15="http://schemas.microsoft.com/office/thememl/2012/main" xmlns="" name="主题5" id="{B8EDB911-D765-4A7B-BBC7-40DBB672FBA6}" vid="{AECAB1C0-5DF6-436C-85E8-20094DBE11C0}"/>
+      <thm15:themeFamily xmlns="" xmlns:thm15="http://schemas.microsoft.com/office/thememl/2012/main" name="主题5" id="{B8EDB911-D765-4A7B-BBC7-40DBB672FBA6}" vid="{AECAB1C0-5DF6-436C-85E8-20094DBE11C0}"/>
     </a:ext>
   </a:extLst>
 </a:theme>
@@ -9284,7 +9470,7 @@
   <a:extraClrSchemeLst/>
   <a:extLst>
     <a:ext uri="{05A4C25C-085E-4340-85A3-A5531E510DB2}">
-      <thm15:themeFamily xmlns:thm15="http://schemas.microsoft.com/office/thememl/2012/main" xmlns="" name="Office Theme" id="{62F939B6-93AF-4DB8-9C6B-D6C7DFDC589F}" vid="{4A3C46E8-61CC-4603-A589-7422A47A8E4A}"/>
+      <thm15:themeFamily xmlns="" xmlns:thm15="http://schemas.microsoft.com/office/thememl/2012/main" name="Office Theme" id="{62F939B6-93AF-4DB8-9C6B-D6C7DFDC589F}" vid="{4A3C46E8-61CC-4603-A589-7422A47A8E4A}"/>
     </a:ext>
   </a:extLst>
 </a:theme>
@@ -9579,7 +9765,7 @@
   <a:extraClrSchemeLst/>
   <a:extLst>
     <a:ext uri="{05A4C25C-085E-4340-85A3-A5531E510DB2}">
-      <thm15:themeFamily xmlns:thm15="http://schemas.microsoft.com/office/thememl/2012/main" xmlns="" name="Office Theme" id="{62F939B6-93AF-4DB8-9C6B-D6C7DFDC589F}" vid="{4A3C46E8-61CC-4603-A589-7422A47A8E4A}"/>
+      <thm15:themeFamily xmlns="" xmlns:thm15="http://schemas.microsoft.com/office/thememl/2012/main" name="Office Theme" id="{62F939B6-93AF-4DB8-9C6B-D6C7DFDC589F}" vid="{4A3C46E8-61CC-4603-A589-7422A47A8E4A}"/>
     </a:ext>
   </a:extLst>
 </a:theme>

--- a/11_2_to_11__6_first/1.Deeping_learning_introduce.pptx
+++ b/11_2_to_11__6_first/1.Deeping_learning_introduce.pptx
@@ -5,10 +5,10 @@
     <p:sldMasterId id="2147483648" r:id="rId1"/>
   </p:sldMasterIdLst>
   <p:notesMasterIdLst>
-    <p:notesMasterId r:id="rId25"/>
+    <p:notesMasterId r:id="rId27"/>
   </p:notesMasterIdLst>
   <p:handoutMasterIdLst>
-    <p:handoutMasterId r:id="rId26"/>
+    <p:handoutMasterId r:id="rId28"/>
   </p:handoutMasterIdLst>
   <p:sldIdLst>
     <p:sldId id="256" r:id="rId2"/>
@@ -25,20 +25,22 @@
     <p:sldId id="294" r:id="rId13"/>
     <p:sldId id="298" r:id="rId14"/>
     <p:sldId id="278" r:id="rId15"/>
-    <p:sldId id="293" r:id="rId16"/>
-    <p:sldId id="295" r:id="rId17"/>
-    <p:sldId id="296" r:id="rId18"/>
-    <p:sldId id="280" r:id="rId19"/>
-    <p:sldId id="281" r:id="rId20"/>
-    <p:sldId id="282" r:id="rId21"/>
-    <p:sldId id="283" r:id="rId22"/>
-    <p:sldId id="297" r:id="rId23"/>
-    <p:sldId id="261" r:id="rId24"/>
+    <p:sldId id="299" r:id="rId16"/>
+    <p:sldId id="293" r:id="rId17"/>
+    <p:sldId id="301" r:id="rId18"/>
+    <p:sldId id="300" r:id="rId19"/>
+    <p:sldId id="295" r:id="rId20"/>
+    <p:sldId id="280" r:id="rId21"/>
+    <p:sldId id="281" r:id="rId22"/>
+    <p:sldId id="282" r:id="rId23"/>
+    <p:sldId id="283" r:id="rId24"/>
+    <p:sldId id="297" r:id="rId25"/>
+    <p:sldId id="261" r:id="rId26"/>
   </p:sldIdLst>
   <p:sldSz cx="12192000" cy="6858000"/>
   <p:notesSz cx="6858000" cy="9144000"/>
   <p:custDataLst>
-    <p:tags r:id="rId27"/>
+    <p:tags r:id="rId29"/>
   </p:custDataLst>
   <p:defaultTextStyle>
     <a:defPPr>
@@ -137,10 +139,10 @@
   </p:defaultTextStyle>
   <p:extLst>
     <p:ext uri="{EFAFB233-063F-42B5-8137-9DF3F51BA10A}">
-      <p15:sldGuideLst xmlns="" xmlns:p15="http://schemas.microsoft.com/office/powerpoint/2012/main"/>
+      <p15:sldGuideLst xmlns:p15="http://schemas.microsoft.com/office/powerpoint/2012/main" xmlns=""/>
     </p:ext>
     <p:ext uri="{2D200454-40CA-4A62-9FC3-DE9A4176ACB9}">
-      <p15:notesGuideLst xmlns="" xmlns:p15="http://schemas.microsoft.com/office/powerpoint/2012/main"/>
+      <p15:notesGuideLst xmlns:p15="http://schemas.microsoft.com/office/powerpoint/2012/main" xmlns=""/>
     </p:ext>
   </p:extLst>
 </p:presentation>
@@ -173,7 +175,7 @@
           <p:cNvPr id="2" name="页眉占位符 1">
             <a:extLst>
               <a:ext uri="{FF2B5EF4-FFF2-40B4-BE49-F238E27FC236}">
-                <a16:creationId xmlns="" xmlns:a16="http://schemas.microsoft.com/office/drawing/2014/main" id="{B9A56829-66AA-42AA-918E-5C6DB1AE50A7}"/>
+                <a16:creationId xmlns:a16="http://schemas.microsoft.com/office/drawing/2014/main" xmlns="" id="{B9A56829-66AA-42AA-918E-5C6DB1AE50A7}"/>
               </a:ext>
             </a:extLst>
           </p:cNvPr>
@@ -210,7 +212,7 @@
           <p:cNvPr id="3" name="日期占位符 2">
             <a:extLst>
               <a:ext uri="{FF2B5EF4-FFF2-40B4-BE49-F238E27FC236}">
-                <a16:creationId xmlns="" xmlns:a16="http://schemas.microsoft.com/office/drawing/2014/main" id="{241084A9-BC5C-4420-B17C-51E328D45576}"/>
+                <a16:creationId xmlns:a16="http://schemas.microsoft.com/office/drawing/2014/main" xmlns="" id="{241084A9-BC5C-4420-B17C-51E328D45576}"/>
               </a:ext>
             </a:extLst>
           </p:cNvPr>
@@ -240,7 +242,7 @@
           <a:p>
             <a:fld id="{B478E0E4-DC06-4041-AFA7-BB6F527FFA3F}" type="datetimeFigureOut">
               <a:rPr lang="zh-CN" altLang="en-US" smtClean="0"/>
-              <a:t>2020/11/4</a:t>
+              <a:t>2020/11/5</a:t>
             </a:fld>
             <a:endParaRPr lang="zh-CN" altLang="en-US"/>
           </a:p>
@@ -251,7 +253,7 @@
           <p:cNvPr id="4" name="页脚占位符 3">
             <a:extLst>
               <a:ext uri="{FF2B5EF4-FFF2-40B4-BE49-F238E27FC236}">
-                <a16:creationId xmlns="" xmlns:a16="http://schemas.microsoft.com/office/drawing/2014/main" id="{0D6F2124-7B35-4E59-B9E8-DB09EE1408A4}"/>
+                <a16:creationId xmlns:a16="http://schemas.microsoft.com/office/drawing/2014/main" xmlns="" id="{0D6F2124-7B35-4E59-B9E8-DB09EE1408A4}"/>
               </a:ext>
             </a:extLst>
           </p:cNvPr>
@@ -288,7 +290,7 @@
           <p:cNvPr id="5" name="灯片编号占位符 4">
             <a:extLst>
               <a:ext uri="{FF2B5EF4-FFF2-40B4-BE49-F238E27FC236}">
-                <a16:creationId xmlns="" xmlns:a16="http://schemas.microsoft.com/office/drawing/2014/main" id="{F2BF8FFE-D997-4E34-9A01-CD2014B95241}"/>
+                <a16:creationId xmlns:a16="http://schemas.microsoft.com/office/drawing/2014/main" xmlns="" id="{F2BF8FFE-D997-4E34-9A01-CD2014B95241}"/>
               </a:ext>
             </a:extLst>
           </p:cNvPr>
@@ -417,7 +419,7 @@
           <a:p>
             <a:fld id="{E86D8963-CFCD-4740-AF60-049850373CDF}" type="datetimeFigureOut">
               <a:rPr lang="zh-CN" altLang="en-US" smtClean="0"/>
-              <a:t>2020/11/4</a:t>
+              <a:t>2020/11/5</a:t>
             </a:fld>
             <a:endParaRPr lang="zh-CN" altLang="en-US"/>
           </a:p>
@@ -706,7 +708,7 @@
           <p:cNvPr id="2" name="组合 1">
             <a:extLst>
               <a:ext uri="{FF2B5EF4-FFF2-40B4-BE49-F238E27FC236}">
-                <a16:creationId xmlns="" xmlns:a14="http://schemas.microsoft.com/office/drawing/2010/main" xmlns:p14="http://schemas.microsoft.com/office/powerpoint/2010/main" xmlns:a16="http://schemas.microsoft.com/office/drawing/2014/main" id="{B17E6D21-F120-4919-9EFA-F925BD0C1809}"/>
+                <a16:creationId xmlns:a16="http://schemas.microsoft.com/office/drawing/2014/main" xmlns:p14="http://schemas.microsoft.com/office/powerpoint/2010/main" xmlns:a14="http://schemas.microsoft.com/office/drawing/2010/main" xmlns="" id="{B17E6D21-F120-4919-9EFA-F925BD0C1809}"/>
               </a:ext>
             </a:extLst>
           </p:cNvPr>
@@ -726,7 +728,7 @@
             <p:cNvPr id="16" name="Freeform 13">
               <a:extLst>
                 <a:ext uri="{FF2B5EF4-FFF2-40B4-BE49-F238E27FC236}">
-                  <a16:creationId xmlns="" xmlns:a14="http://schemas.microsoft.com/office/drawing/2010/main" xmlns:p14="http://schemas.microsoft.com/office/powerpoint/2010/main" xmlns:a16="http://schemas.microsoft.com/office/drawing/2014/main" id="{A3C2E16E-7F12-4E00-BE31-42B9F3572256}"/>
+                  <a16:creationId xmlns:a16="http://schemas.microsoft.com/office/drawing/2014/main" xmlns:p14="http://schemas.microsoft.com/office/powerpoint/2010/main" xmlns:a14="http://schemas.microsoft.com/office/drawing/2010/main" xmlns="" id="{A3C2E16E-7F12-4E00-BE31-42B9F3572256}"/>
                 </a:ext>
               </a:extLst>
             </p:cNvPr>
@@ -850,7 +852,7 @@
             <p:cNvPr id="21" name="Freeform 13">
               <a:extLst>
                 <a:ext uri="{FF2B5EF4-FFF2-40B4-BE49-F238E27FC236}">
-                  <a16:creationId xmlns="" xmlns:a14="http://schemas.microsoft.com/office/drawing/2010/main" xmlns:p14="http://schemas.microsoft.com/office/powerpoint/2010/main" xmlns:a16="http://schemas.microsoft.com/office/drawing/2014/main" id="{51488BE8-69EC-4A9A-8369-E63E8941B4D1}"/>
+                  <a16:creationId xmlns:a16="http://schemas.microsoft.com/office/drawing/2014/main" xmlns:p14="http://schemas.microsoft.com/office/powerpoint/2010/main" xmlns:a14="http://schemas.microsoft.com/office/drawing/2010/main" xmlns="" id="{51488BE8-69EC-4A9A-8369-E63E8941B4D1}"/>
                 </a:ext>
               </a:extLst>
             </p:cNvPr>
@@ -961,7 +963,7 @@
             <p:cNvPr id="23" name="Freeform 17">
               <a:extLst>
                 <a:ext uri="{FF2B5EF4-FFF2-40B4-BE49-F238E27FC236}">
-                  <a16:creationId xmlns="" xmlns:a14="http://schemas.microsoft.com/office/drawing/2010/main" xmlns:p14="http://schemas.microsoft.com/office/powerpoint/2010/main" xmlns:a16="http://schemas.microsoft.com/office/drawing/2014/main" id="{52B0F295-D75B-467D-B253-DA283681346B}"/>
+                  <a16:creationId xmlns:a16="http://schemas.microsoft.com/office/drawing/2014/main" xmlns:p14="http://schemas.microsoft.com/office/powerpoint/2010/main" xmlns:a14="http://schemas.microsoft.com/office/drawing/2010/main" xmlns="" id="{52B0F295-D75B-467D-B253-DA283681346B}"/>
                 </a:ext>
               </a:extLst>
             </p:cNvPr>
@@ -1299,7 +1301,7 @@
           <p:cNvPr id="4" name="Freeform 13">
             <a:extLst>
               <a:ext uri="{FF2B5EF4-FFF2-40B4-BE49-F238E27FC236}">
-                <a16:creationId xmlns="" xmlns:p14="http://schemas.microsoft.com/office/powerpoint/2010/main" xmlns:a16="http://schemas.microsoft.com/office/drawing/2014/main" id="{6E0A0000-C9EC-41F9-9457-6F2EC527F0AC}"/>
+                <a16:creationId xmlns:a16="http://schemas.microsoft.com/office/drawing/2014/main" xmlns:p14="http://schemas.microsoft.com/office/powerpoint/2010/main" xmlns="" id="{6E0A0000-C9EC-41F9-9457-6F2EC527F0AC}"/>
               </a:ext>
             </a:extLst>
           </p:cNvPr>
@@ -1603,7 +1605,7 @@
           <p:cNvPr id="3" name="日期占位符 2">
             <a:extLst>
               <a:ext uri="{FF2B5EF4-FFF2-40B4-BE49-F238E27FC236}">
-                <a16:creationId xmlns="" xmlns:p14="http://schemas.microsoft.com/office/powerpoint/2010/main" xmlns:a16="http://schemas.microsoft.com/office/drawing/2014/main" id="{9888B6D7-9D3F-49D7-BACE-73A9D1149A74}"/>
+                <a16:creationId xmlns:a16="http://schemas.microsoft.com/office/drawing/2014/main" xmlns:p14="http://schemas.microsoft.com/office/powerpoint/2010/main" xmlns="" id="{9888B6D7-9D3F-49D7-BACE-73A9D1149A74}"/>
               </a:ext>
             </a:extLst>
           </p:cNvPr>
@@ -1628,7 +1630,7 @@
           <p:cNvPr id="4" name="页脚占位符 3">
             <a:extLst>
               <a:ext uri="{FF2B5EF4-FFF2-40B4-BE49-F238E27FC236}">
-                <a16:creationId xmlns="" xmlns:p14="http://schemas.microsoft.com/office/powerpoint/2010/main" xmlns:a16="http://schemas.microsoft.com/office/drawing/2014/main" id="{7AC997A4-1DD8-4731-B9FD-42398A20FF85}"/>
+                <a16:creationId xmlns:a16="http://schemas.microsoft.com/office/drawing/2014/main" xmlns:p14="http://schemas.microsoft.com/office/powerpoint/2010/main" xmlns="" id="{7AC997A4-1DD8-4731-B9FD-42398A20FF85}"/>
               </a:ext>
             </a:extLst>
           </p:cNvPr>
@@ -1665,7 +1667,7 @@
           <p:cNvPr id="5" name="灯片编号占位符 4">
             <a:extLst>
               <a:ext uri="{FF2B5EF4-FFF2-40B4-BE49-F238E27FC236}">
-                <a16:creationId xmlns="" xmlns:p14="http://schemas.microsoft.com/office/powerpoint/2010/main" xmlns:a16="http://schemas.microsoft.com/office/drawing/2014/main" id="{DBA9825E-1876-42AD-ABCF-E0E100F351CA}"/>
+                <a16:creationId xmlns:a16="http://schemas.microsoft.com/office/drawing/2014/main" xmlns:p14="http://schemas.microsoft.com/office/powerpoint/2010/main" xmlns="" id="{DBA9825E-1876-42AD-ABCF-E0E100F351CA}"/>
               </a:ext>
             </a:extLst>
           </p:cNvPr>
@@ -1695,7 +1697,7 @@
           <p:cNvPr id="6" name="标题 5">
             <a:extLst>
               <a:ext uri="{FF2B5EF4-FFF2-40B4-BE49-F238E27FC236}">
-                <a16:creationId xmlns="" xmlns:p14="http://schemas.microsoft.com/office/powerpoint/2010/main" xmlns:a16="http://schemas.microsoft.com/office/drawing/2014/main" id="{D124F9DB-C87A-423F-9657-38C7A2901430}"/>
+                <a16:creationId xmlns:a16="http://schemas.microsoft.com/office/drawing/2014/main" xmlns:p14="http://schemas.microsoft.com/office/powerpoint/2010/main" xmlns="" id="{D124F9DB-C87A-423F-9657-38C7A2901430}"/>
               </a:ext>
             </a:extLst>
           </p:cNvPr>
@@ -1728,7 +1730,7 @@
           <p:cNvPr id="8" name="内容占位符 7">
             <a:extLst>
               <a:ext uri="{FF2B5EF4-FFF2-40B4-BE49-F238E27FC236}">
-                <a16:creationId xmlns="" xmlns:p14="http://schemas.microsoft.com/office/powerpoint/2010/main" xmlns:a16="http://schemas.microsoft.com/office/drawing/2014/main" id="{2070191C-4093-409C-8FD5-7369A79637AD}"/>
+                <a16:creationId xmlns:a16="http://schemas.microsoft.com/office/drawing/2014/main" xmlns:p14="http://schemas.microsoft.com/office/powerpoint/2010/main" xmlns="" id="{2070191C-4093-409C-8FD5-7369A79637AD}"/>
               </a:ext>
             </a:extLst>
           </p:cNvPr>
@@ -1837,7 +1839,7 @@
           <p:cNvPr id="2" name="Title 1">
             <a:extLst>
               <a:ext uri="{FF2B5EF4-FFF2-40B4-BE49-F238E27FC236}">
-                <a16:creationId xmlns="" xmlns:a16="http://schemas.microsoft.com/office/drawing/2014/main" id="{F21C7A1C-3684-4AAF-A408-C63B6CB64104}"/>
+                <a16:creationId xmlns:a16="http://schemas.microsoft.com/office/drawing/2014/main" xmlns="" id="{F21C7A1C-3684-4AAF-A408-C63B6CB64104}"/>
               </a:ext>
             </a:extLst>
           </p:cNvPr>
@@ -1870,7 +1872,7 @@
           <p:cNvPr id="3" name="Date Placeholder 2">
             <a:extLst>
               <a:ext uri="{FF2B5EF4-FFF2-40B4-BE49-F238E27FC236}">
-                <a16:creationId xmlns="" xmlns:a16="http://schemas.microsoft.com/office/drawing/2014/main" id="{8986EA5F-D77D-4318-90E9-C04AA8ADC0D1}"/>
+                <a16:creationId xmlns:a16="http://schemas.microsoft.com/office/drawing/2014/main" xmlns="" id="{8986EA5F-D77D-4318-90E9-C04AA8ADC0D1}"/>
               </a:ext>
             </a:extLst>
           </p:cNvPr>
@@ -1895,7 +1897,7 @@
           <p:cNvPr id="4" name="Footer Placeholder 3">
             <a:extLst>
               <a:ext uri="{FF2B5EF4-FFF2-40B4-BE49-F238E27FC236}">
-                <a16:creationId xmlns="" xmlns:a16="http://schemas.microsoft.com/office/drawing/2014/main" id="{00832621-D9D9-445E-BFF9-F8348FA1E262}"/>
+                <a16:creationId xmlns:a16="http://schemas.microsoft.com/office/drawing/2014/main" xmlns="" id="{00832621-D9D9-445E-BFF9-F8348FA1E262}"/>
               </a:ext>
             </a:extLst>
           </p:cNvPr>
@@ -1932,7 +1934,7 @@
           <p:cNvPr id="5" name="Slide Number Placeholder 4">
             <a:extLst>
               <a:ext uri="{FF2B5EF4-FFF2-40B4-BE49-F238E27FC236}">
-                <a16:creationId xmlns="" xmlns:a16="http://schemas.microsoft.com/office/drawing/2014/main" id="{8371151B-F790-4A9F-962F-B8718A9560A9}"/>
+                <a16:creationId xmlns:a16="http://schemas.microsoft.com/office/drawing/2014/main" xmlns="" id="{8371151B-F790-4A9F-962F-B8718A9560A9}"/>
               </a:ext>
             </a:extLst>
           </p:cNvPr>
@@ -2022,7 +2024,7 @@
           <p:cNvPr id="5" name="组合 4">
             <a:extLst>
               <a:ext uri="{FF2B5EF4-FFF2-40B4-BE49-F238E27FC236}">
-                <a16:creationId xmlns="" xmlns:a14="http://schemas.microsoft.com/office/drawing/2010/main" xmlns:p14="http://schemas.microsoft.com/office/powerpoint/2010/main" xmlns:a16="http://schemas.microsoft.com/office/drawing/2014/main" id="{99391505-0ED0-4506-936F-52505EF1686C}"/>
+                <a16:creationId xmlns:a16="http://schemas.microsoft.com/office/drawing/2014/main" xmlns:p14="http://schemas.microsoft.com/office/powerpoint/2010/main" xmlns:a14="http://schemas.microsoft.com/office/drawing/2010/main" xmlns="" id="{99391505-0ED0-4506-936F-52505EF1686C}"/>
               </a:ext>
             </a:extLst>
           </p:cNvPr>
@@ -2042,7 +2044,7 @@
             <p:cNvPr id="7" name="Freeform 13">
               <a:extLst>
                 <a:ext uri="{FF2B5EF4-FFF2-40B4-BE49-F238E27FC236}">
-                  <a16:creationId xmlns="" xmlns:a14="http://schemas.microsoft.com/office/drawing/2010/main" xmlns:p14="http://schemas.microsoft.com/office/powerpoint/2010/main" xmlns:a16="http://schemas.microsoft.com/office/drawing/2014/main" id="{FC465888-34E2-4A7E-80D2-92BBD9280BD9}"/>
+                  <a16:creationId xmlns:a16="http://schemas.microsoft.com/office/drawing/2014/main" xmlns:p14="http://schemas.microsoft.com/office/powerpoint/2010/main" xmlns:a14="http://schemas.microsoft.com/office/drawing/2010/main" xmlns="" id="{FC465888-34E2-4A7E-80D2-92BBD9280BD9}"/>
                 </a:ext>
               </a:extLst>
             </p:cNvPr>
@@ -2166,7 +2168,7 @@
             <p:cNvPr id="8" name="Freeform 13">
               <a:extLst>
                 <a:ext uri="{FF2B5EF4-FFF2-40B4-BE49-F238E27FC236}">
-                  <a16:creationId xmlns="" xmlns:a14="http://schemas.microsoft.com/office/drawing/2010/main" xmlns:p14="http://schemas.microsoft.com/office/powerpoint/2010/main" xmlns:a16="http://schemas.microsoft.com/office/drawing/2014/main" id="{549CC44A-F314-499E-846A-FB8F04ED3E0C}"/>
+                  <a16:creationId xmlns:a16="http://schemas.microsoft.com/office/drawing/2014/main" xmlns:p14="http://schemas.microsoft.com/office/powerpoint/2010/main" xmlns:a14="http://schemas.microsoft.com/office/drawing/2010/main" xmlns="" id="{549CC44A-F314-499E-846A-FB8F04ED3E0C}"/>
                 </a:ext>
               </a:extLst>
             </p:cNvPr>
@@ -2277,7 +2279,7 @@
             <p:cNvPr id="9" name="Freeform 17">
               <a:extLst>
                 <a:ext uri="{FF2B5EF4-FFF2-40B4-BE49-F238E27FC236}">
-                  <a16:creationId xmlns="" xmlns:a14="http://schemas.microsoft.com/office/drawing/2010/main" xmlns:p14="http://schemas.microsoft.com/office/powerpoint/2010/main" xmlns:a16="http://schemas.microsoft.com/office/drawing/2014/main" id="{9FC0C4B5-6A75-4A11-962E-91FE2C70F846}"/>
+                  <a16:creationId xmlns:a16="http://schemas.microsoft.com/office/drawing/2014/main" xmlns:p14="http://schemas.microsoft.com/office/powerpoint/2010/main" xmlns:a14="http://schemas.microsoft.com/office/drawing/2010/main" xmlns="" id="{9FC0C4B5-6A75-4A11-962E-91FE2C70F846}"/>
                 </a:ext>
               </a:extLst>
             </p:cNvPr>
@@ -2464,7 +2466,7 @@
           <p:cNvPr id="6" name="文本占位符 13">
             <a:extLst>
               <a:ext uri="{FF2B5EF4-FFF2-40B4-BE49-F238E27FC236}">
-                <a16:creationId xmlns="" xmlns:a14="http://schemas.microsoft.com/office/drawing/2010/main" xmlns:p14="http://schemas.microsoft.com/office/powerpoint/2010/main" xmlns:a16="http://schemas.microsoft.com/office/drawing/2014/main" id="{05EBDA4F-7210-4CAE-8333-80DB24212E78}"/>
+                <a16:creationId xmlns:a16="http://schemas.microsoft.com/office/drawing/2014/main" xmlns:p14="http://schemas.microsoft.com/office/powerpoint/2010/main" xmlns:a14="http://schemas.microsoft.com/office/drawing/2010/main" xmlns="" id="{05EBDA4F-7210-4CAE-8333-80DB24212E78}"/>
               </a:ext>
             </a:extLst>
           </p:cNvPr>
@@ -2696,7 +2698,7 @@
           <p:cNvPr id="8" name="日期占位符 3">
             <a:extLst>
               <a:ext uri="{FF2B5EF4-FFF2-40B4-BE49-F238E27FC236}">
-                <a16:creationId xmlns="" xmlns:p14="http://schemas.microsoft.com/office/powerpoint/2010/main" xmlns:p15="http://schemas.microsoft.com/office/powerpoint/2012/main" xmlns:a16="http://schemas.microsoft.com/office/drawing/2014/main" id="{04388434-9949-479C-A9C3-67A953F6A939}"/>
+                <a16:creationId xmlns:a16="http://schemas.microsoft.com/office/drawing/2014/main" xmlns:p15="http://schemas.microsoft.com/office/powerpoint/2012/main" xmlns:p14="http://schemas.microsoft.com/office/powerpoint/2010/main" xmlns="" id="{04388434-9949-479C-A9C3-67A953F6A939}"/>
               </a:ext>
             </a:extLst>
           </p:cNvPr>
@@ -2740,7 +2742,7 @@
           <p:cNvPr id="9" name="页脚占位符 4">
             <a:extLst>
               <a:ext uri="{FF2B5EF4-FFF2-40B4-BE49-F238E27FC236}">
-                <a16:creationId xmlns="" xmlns:p14="http://schemas.microsoft.com/office/powerpoint/2010/main" xmlns:p15="http://schemas.microsoft.com/office/powerpoint/2012/main" xmlns:a16="http://schemas.microsoft.com/office/drawing/2014/main" id="{50A5656E-7A33-4865-A262-1F96263BAA16}"/>
+                <a16:creationId xmlns:a16="http://schemas.microsoft.com/office/drawing/2014/main" xmlns:p15="http://schemas.microsoft.com/office/powerpoint/2012/main" xmlns:p14="http://schemas.microsoft.com/office/powerpoint/2010/main" xmlns="" id="{50A5656E-7A33-4865-A262-1F96263BAA16}"/>
               </a:ext>
             </a:extLst>
           </p:cNvPr>
@@ -2796,7 +2798,7 @@
           <p:cNvPr id="10" name="灯片编号占位符 5">
             <a:extLst>
               <a:ext uri="{FF2B5EF4-FFF2-40B4-BE49-F238E27FC236}">
-                <a16:creationId xmlns="" xmlns:p14="http://schemas.microsoft.com/office/powerpoint/2010/main" xmlns:p15="http://schemas.microsoft.com/office/powerpoint/2012/main" xmlns:a16="http://schemas.microsoft.com/office/drawing/2014/main" id="{5BF52F79-380E-4278-8B67-588AFE5840F9}"/>
+                <a16:creationId xmlns:a16="http://schemas.microsoft.com/office/drawing/2014/main" xmlns:p15="http://schemas.microsoft.com/office/powerpoint/2012/main" xmlns:p14="http://schemas.microsoft.com/office/powerpoint/2010/main" xmlns="" id="{5BF52F79-380E-4278-8B67-588AFE5840F9}"/>
               </a:ext>
             </a:extLst>
           </p:cNvPr>
@@ -3139,7 +3141,7 @@
   </p:txStyles>
   <p:extLst mod="1">
     <p:ext uri="{27BBF7A9-308A-43DC-89C8-2F10F3537804}">
-      <p15:sldGuideLst xmlns="" xmlns:a16="http://schemas.microsoft.com/office/drawing/2014/main" xmlns:p14="http://schemas.microsoft.com/office/powerpoint/2010/main" xmlns:p15="http://schemas.microsoft.com/office/powerpoint/2012/main">
+      <p15:sldGuideLst xmlns:p15="http://schemas.microsoft.com/office/powerpoint/2012/main" xmlns:p14="http://schemas.microsoft.com/office/powerpoint/2010/main" xmlns:a16="http://schemas.microsoft.com/office/drawing/2014/main" xmlns="">
         <p15:guide id="1" pos="422" userDrawn="1">
           <p15:clr>
             <a:srgbClr val="F26B43"/>
@@ -3198,7 +3200,7 @@
           <p:cNvPr id="3" name="对象 2" hidden="1">
             <a:extLst>
               <a:ext uri="{FF2B5EF4-FFF2-40B4-BE49-F238E27FC236}">
-                <a16:creationId xmlns="" xmlns:p14="http://schemas.microsoft.com/office/powerpoint/2010/main" xmlns:mc="http://schemas.openxmlformats.org/markup-compatibility/2006" xmlns:v="urn:schemas-microsoft-com:vml" xmlns:a16="http://schemas.microsoft.com/office/drawing/2014/main" id="{3C326D0B-7DAB-41B6-8030-2E4A18CC949B}"/>
+                <a16:creationId xmlns:a16="http://schemas.microsoft.com/office/drawing/2014/main" xmlns:v="urn:schemas-microsoft-com:vml" xmlns:mc="http://schemas.openxmlformats.org/markup-compatibility/2006" xmlns:p14="http://schemas.microsoft.com/office/powerpoint/2010/main" xmlns="" id="{3C326D0B-7DAB-41B6-8030-2E4A18CC949B}"/>
               </a:ext>
             </a:extLst>
           </p:cNvPr>
@@ -3221,7 +3223,7 @@
           <a:graphicData uri="http://schemas.openxmlformats.org/presentationml/2006/ole">
             <mc:AlternateContent xmlns:mc="http://schemas.openxmlformats.org/markup-compatibility/2006">
               <mc:Choice xmlns:v="urn:schemas-microsoft-com:vml" Requires="v">
-                <p:oleObj spid="_x0000_s1077" name="think-cell Slide" r:id="rId5" imgW="347" imgH="348" progId="TCLayout.ActiveDocument.1">
+                <p:oleObj spid="_x0000_s1083" name="think-cell Slide" r:id="rId5" imgW="347" imgH="348" progId="TCLayout.ActiveDocument.1">
                   <p:embed/>
                 </p:oleObj>
               </mc:Choice>
@@ -3233,7 +3235,7 @@
                       <p:cNvPr id="3" name="对象 2" hidden="1">
                         <a:extLst>
                           <a:ext uri="{FF2B5EF4-FFF2-40B4-BE49-F238E27FC236}">
-                            <a16:creationId xmlns="" xmlns:p14="http://schemas.microsoft.com/office/powerpoint/2010/main" xmlns:v="urn:schemas-microsoft-com:vml" xmlns:a16="http://schemas.microsoft.com/office/drawing/2014/main" id="{3C326D0B-7DAB-41B6-8030-2E4A18CC949B}"/>
+                            <a16:creationId xmlns:a16="http://schemas.microsoft.com/office/drawing/2014/main" xmlns:v="urn:schemas-microsoft-com:vml" xmlns:p14="http://schemas.microsoft.com/office/powerpoint/2010/main" xmlns="" id="{3C326D0B-7DAB-41B6-8030-2E4A18CC949B}"/>
                           </a:ext>
                         </a:extLst>
                       </p:cNvPr>
@@ -3267,7 +3269,7 @@
           <p:cNvPr id="2" name="矩形 1" hidden="1">
             <a:extLst>
               <a:ext uri="{FF2B5EF4-FFF2-40B4-BE49-F238E27FC236}">
-                <a16:creationId xmlns="" xmlns:p14="http://schemas.microsoft.com/office/powerpoint/2010/main" xmlns:mc="http://schemas.openxmlformats.org/markup-compatibility/2006" xmlns:v="urn:schemas-microsoft-com:vml" xmlns:a16="http://schemas.microsoft.com/office/drawing/2014/main" id="{EC933494-1B63-4A32-964F-D05236799BAA}"/>
+                <a16:creationId xmlns:a16="http://schemas.microsoft.com/office/drawing/2014/main" xmlns:v="urn:schemas-microsoft-com:vml" xmlns:mc="http://schemas.openxmlformats.org/markup-compatibility/2006" xmlns:p14="http://schemas.microsoft.com/office/powerpoint/2010/main" xmlns="" id="{EC933494-1B63-4A32-964F-D05236799BAA}"/>
               </a:ext>
             </a:extLst>
           </p:cNvPr>
@@ -4375,7 +4377,7 @@
           <p:cNvPr id="9" name="文本框 8">
             <a:extLst>
               <a:ext uri="{FF2B5EF4-FFF2-40B4-BE49-F238E27FC236}">
-                <a16:creationId xmlns="" xmlns:p14="http://schemas.microsoft.com/office/powerpoint/2010/main" xmlns:a16="http://schemas.microsoft.com/office/drawing/2014/main" id="{04F69230-F3A6-4586-9371-A858F4763E9F}"/>
+                <a16:creationId xmlns:a16="http://schemas.microsoft.com/office/drawing/2014/main" xmlns:p14="http://schemas.microsoft.com/office/powerpoint/2010/main" xmlns="" id="{04F69230-F3A6-4586-9371-A858F4763E9F}"/>
               </a:ext>
             </a:extLst>
           </p:cNvPr>
@@ -4534,6 +4536,947 @@
               <a:rPr lang="zh-CN" altLang="en-US" smtClean="0"/>
               <a:pPr/>
               <a:t>15</a:t>
+            </a:fld>
+            <a:endParaRPr lang="zh-CN" altLang="en-US"/>
+          </a:p>
+        </p:txBody>
+      </p:sp>
+      <p:sp>
+        <p:nvSpPr>
+          <p:cNvPr id="5" name="標題 4"/>
+          <p:cNvSpPr>
+            <a:spLocks noGrp="1"/>
+          </p:cNvSpPr>
+          <p:nvPr>
+            <p:ph type="title"/>
+          </p:nvPr>
+        </p:nvSpPr>
+        <p:spPr/>
+        <p:txBody>
+          <a:bodyPr/>
+          <a:lstStyle/>
+          <a:p>
+            <a:r>
+              <a:rPr lang="en-US" altLang="zh-TW" dirty="0"/>
+              <a:t>2.</a:t>
+            </a:r>
+            <a:r>
+              <a:rPr lang="zh-TW" altLang="en-US" dirty="0"/>
+              <a:t>神經</a:t>
+            </a:r>
+            <a:r>
+              <a:rPr lang="zh-TW" altLang="en-US" dirty="0" smtClean="0"/>
+              <a:t>網路框架</a:t>
+            </a:r>
+            <a:endParaRPr lang="zh-TW" altLang="en-US" dirty="0"/>
+          </a:p>
+        </p:txBody>
+      </p:sp>
+      <p:sp>
+        <p:nvSpPr>
+          <p:cNvPr id="6" name="內容版面配置區 5"/>
+          <p:cNvSpPr>
+            <a:spLocks noGrp="1"/>
+          </p:cNvSpPr>
+          <p:nvPr>
+            <p:ph sz="quarter" idx="13"/>
+          </p:nvPr>
+        </p:nvSpPr>
+        <p:spPr/>
+        <p:txBody>
+          <a:bodyPr/>
+          <a:lstStyle/>
+          <a:p>
+            <a:r>
+              <a:rPr lang="zh-TW" altLang="en-US" dirty="0"/>
+              <a:t>頂級深度學習框架四大陣營：</a:t>
+            </a:r>
+          </a:p>
+          <a:p>
+            <a:r>
+              <a:rPr lang="en-US" altLang="zh-TW" dirty="0"/>
+              <a:t>1.TensorFlow</a:t>
+            </a:r>
+            <a:r>
+              <a:rPr lang="zh-TW" altLang="en-US" dirty="0"/>
+              <a:t>，前端框架</a:t>
+            </a:r>
+            <a:r>
+              <a:rPr lang="en-US" altLang="zh-TW" dirty="0" err="1"/>
+              <a:t>Keras</a:t>
+            </a:r>
+            <a:r>
+              <a:rPr lang="zh-TW" altLang="en-US" dirty="0"/>
+              <a:t>，背後巨頭</a:t>
+            </a:r>
+            <a:r>
+              <a:rPr lang="en-US" altLang="zh-TW" dirty="0" smtClean="0"/>
+              <a:t>Google</a:t>
+            </a:r>
+            <a:endParaRPr lang="zh-TW" altLang="en-US" dirty="0"/>
+          </a:p>
+          <a:p>
+            <a:r>
+              <a:rPr lang="en-US" altLang="zh-TW" dirty="0"/>
+              <a:t>2.PyTorch</a:t>
+            </a:r>
+            <a:r>
+              <a:rPr lang="zh-TW" altLang="en-US" dirty="0"/>
+              <a:t>，前端框架</a:t>
+            </a:r>
+            <a:r>
+              <a:rPr lang="en-US" altLang="zh-TW" dirty="0" err="1"/>
+              <a:t>FastAI</a:t>
+            </a:r>
+            <a:r>
+              <a:rPr lang="zh-TW" altLang="en-US" dirty="0"/>
+              <a:t>，背後巨頭</a:t>
+            </a:r>
+            <a:r>
+              <a:rPr lang="en-US" altLang="zh-TW" dirty="0" smtClean="0"/>
+              <a:t>Facebook</a:t>
+            </a:r>
+            <a:endParaRPr lang="zh-TW" altLang="en-US" dirty="0"/>
+          </a:p>
+          <a:p>
+            <a:r>
+              <a:rPr lang="en-US" altLang="zh-TW" dirty="0"/>
+              <a:t>3.MXNet</a:t>
+            </a:r>
+            <a:r>
+              <a:rPr lang="zh-TW" altLang="en-US" dirty="0"/>
+              <a:t>，前端框架</a:t>
+            </a:r>
+            <a:r>
+              <a:rPr lang="en-US" altLang="zh-TW" dirty="0"/>
+              <a:t>Gluon</a:t>
+            </a:r>
+            <a:r>
+              <a:rPr lang="zh-TW" altLang="en-US" dirty="0"/>
+              <a:t>，背後巨頭</a:t>
+            </a:r>
+            <a:r>
+              <a:rPr lang="en-US" altLang="zh-TW" dirty="0" smtClean="0"/>
+              <a:t>Amazon</a:t>
+            </a:r>
+            <a:endParaRPr lang="zh-TW" altLang="en-US" dirty="0"/>
+          </a:p>
+          <a:p>
+            <a:r>
+              <a:rPr lang="en-US" altLang="zh-TW" dirty="0"/>
+              <a:t>4.CognitiveToolkit(CNTK)</a:t>
+            </a:r>
+            <a:r>
+              <a:rPr lang="zh-TW" altLang="en-US" dirty="0"/>
+              <a:t>，前端框架</a:t>
+            </a:r>
+            <a:r>
+              <a:rPr lang="en-US" altLang="zh-TW" dirty="0" err="1"/>
+              <a:t>Keras</a:t>
+            </a:r>
+            <a:r>
+              <a:rPr lang="zh-TW" altLang="en-US" dirty="0"/>
+              <a:t>或</a:t>
+            </a:r>
+            <a:r>
+              <a:rPr lang="en-US" altLang="zh-TW" dirty="0"/>
+              <a:t>Gluon</a:t>
+            </a:r>
+            <a:r>
+              <a:rPr lang="zh-TW" altLang="en-US" dirty="0"/>
+              <a:t>，背後巨頭</a:t>
+            </a:r>
+            <a:r>
+              <a:rPr lang="en-US" altLang="zh-TW" dirty="0"/>
+              <a:t>Microsoft</a:t>
+            </a:r>
+            <a:r>
+              <a:rPr lang="zh-TW" altLang="en-US" dirty="0"/>
+              <a:t>。</a:t>
+            </a:r>
+          </a:p>
+        </p:txBody>
+      </p:sp>
+    </p:spTree>
+    <p:extLst>
+      <p:ext uri="{BB962C8B-B14F-4D97-AF65-F5344CB8AC3E}">
+        <p14:creationId xmlns:p14="http://schemas.microsoft.com/office/powerpoint/2010/main" val="3674746256"/>
+      </p:ext>
+    </p:extLst>
+  </p:cSld>
+  <p:clrMapOvr>
+    <a:masterClrMapping/>
+  </p:clrMapOvr>
+  <p:timing>
+    <p:tnLst>
+      <p:par>
+        <p:cTn id="1" dur="indefinite" restart="never" nodeType="tmRoot"/>
+      </p:par>
+    </p:tnLst>
+  </p:timing>
+</p:sld>
+</file>
+
+<file path=ppt/slides/slide16.xml><?xml version="1.0" encoding="utf-8"?>
+<p:sld xmlns:a="http://schemas.openxmlformats.org/drawingml/2006/main" xmlns:r="http://schemas.openxmlformats.org/officeDocument/2006/relationships" xmlns:p="http://schemas.openxmlformats.org/presentationml/2006/main">
+  <p:cSld>
+    <p:spTree>
+      <p:nvGrpSpPr>
+        <p:cNvPr id="1" name=""/>
+        <p:cNvGrpSpPr/>
+        <p:nvPr/>
+      </p:nvGrpSpPr>
+      <p:grpSpPr>
+        <a:xfrm>
+          <a:off x="0" y="0"/>
+          <a:ext cx="0" cy="0"/>
+          <a:chOff x="0" y="0"/>
+          <a:chExt cx="0" cy="0"/>
+        </a:xfrm>
+      </p:grpSpPr>
+      <p:sp>
+        <p:nvSpPr>
+          <p:cNvPr id="3" name="頁尾版面配置區 2"/>
+          <p:cNvSpPr>
+            <a:spLocks noGrp="1"/>
+          </p:cNvSpPr>
+          <p:nvPr>
+            <p:ph type="ftr" sz="quarter" idx="11"/>
+          </p:nvPr>
+        </p:nvSpPr>
+        <p:spPr/>
+        <p:txBody>
+          <a:bodyPr/>
+          <a:lstStyle/>
+          <a:p>
+            <a:r>
+              <a:rPr lang="zh-CN" altLang="en-US" smtClean="0"/>
+              <a:t>请在插入菜单</a:t>
+            </a:r>
+            <a:r>
+              <a:rPr lang="en-US" altLang="zh-CN" smtClean="0"/>
+              <a:t>—</a:t>
+            </a:r>
+            <a:r>
+              <a:rPr lang="zh-CN" altLang="en-US" smtClean="0"/>
+              <a:t>页眉和页脚中修改此文本</a:t>
+            </a:r>
+            <a:endParaRPr lang="zh-CN" altLang="en-US" dirty="0"/>
+          </a:p>
+        </p:txBody>
+      </p:sp>
+      <p:sp>
+        <p:nvSpPr>
+          <p:cNvPr id="4" name="投影片編號版面配置區 3"/>
+          <p:cNvSpPr>
+            <a:spLocks noGrp="1"/>
+          </p:cNvSpPr>
+          <p:nvPr>
+            <p:ph type="sldNum" sz="quarter" idx="12"/>
+          </p:nvPr>
+        </p:nvSpPr>
+        <p:spPr/>
+        <p:txBody>
+          <a:bodyPr/>
+          <a:lstStyle/>
+          <a:p>
+            <a:fld id="{5DD3DB80-B894-403A-B48E-6FDC1A72010E}" type="slidenum">
+              <a:rPr lang="zh-CN" altLang="en-US" smtClean="0"/>
+              <a:pPr/>
+              <a:t>16</a:t>
+            </a:fld>
+            <a:endParaRPr lang="zh-CN" altLang="en-US"/>
+          </a:p>
+        </p:txBody>
+      </p:sp>
+      <p:sp>
+        <p:nvSpPr>
+          <p:cNvPr id="5" name="標題 4"/>
+          <p:cNvSpPr>
+            <a:spLocks noGrp="1"/>
+          </p:cNvSpPr>
+          <p:nvPr>
+            <p:ph type="title"/>
+          </p:nvPr>
+        </p:nvSpPr>
+        <p:spPr/>
+        <p:txBody>
+          <a:bodyPr/>
+          <a:lstStyle/>
+          <a:p>
+            <a:r>
+              <a:rPr lang="en-US" altLang="zh-TW" dirty="0"/>
+              <a:t>2.</a:t>
+            </a:r>
+            <a:r>
+              <a:rPr lang="zh-TW" altLang="en-US" dirty="0"/>
+              <a:t>神經</a:t>
+            </a:r>
+            <a:r>
+              <a:rPr lang="zh-TW" altLang="en-US" dirty="0" smtClean="0"/>
+              <a:t>網路框架</a:t>
+            </a:r>
+            <a:endParaRPr lang="zh-TW" altLang="en-US" dirty="0"/>
+          </a:p>
+        </p:txBody>
+      </p:sp>
+      <p:sp>
+        <p:nvSpPr>
+          <p:cNvPr id="6" name="內容版面配置區 5"/>
+          <p:cNvSpPr>
+            <a:spLocks noGrp="1"/>
+          </p:cNvSpPr>
+          <p:nvPr>
+            <p:ph sz="quarter" idx="13"/>
+          </p:nvPr>
+        </p:nvSpPr>
+        <p:spPr/>
+        <p:txBody>
+          <a:bodyPr/>
+          <a:lstStyle/>
+          <a:p>
+            <a:endParaRPr lang="zh-TW" altLang="en-US" dirty="0"/>
+          </a:p>
+          <a:p>
+            <a:endParaRPr lang="zh-TW" altLang="en-US" dirty="0"/>
+          </a:p>
+        </p:txBody>
+      </p:sp>
+      <p:pic>
+        <p:nvPicPr>
+          <p:cNvPr id="2" name="圖片 1"/>
+          <p:cNvPicPr>
+            <a:picLocks noChangeAspect="1"/>
+          </p:cNvPicPr>
+          <p:nvPr/>
+        </p:nvPicPr>
+        <p:blipFill>
+          <a:blip r:embed="rId2">
+            <a:extLst>
+              <a:ext uri="{28A0092B-C50C-407E-A947-70E740481C1C}">
+                <a14:useLocalDpi xmlns:a14="http://schemas.microsoft.com/office/drawing/2010/main" val="0"/>
+              </a:ext>
+            </a:extLst>
+          </a:blip>
+          <a:stretch>
+            <a:fillRect/>
+          </a:stretch>
+        </p:blipFill>
+        <p:spPr>
+          <a:xfrm>
+            <a:off x="1819797" y="1357562"/>
+            <a:ext cx="8361905" cy="3990476"/>
+          </a:xfrm>
+          <a:prstGeom prst="rect">
+            <a:avLst/>
+          </a:prstGeom>
+        </p:spPr>
+      </p:pic>
+      <p:cxnSp>
+        <p:nvCxnSpPr>
+          <p:cNvPr id="9" name="直線單箭頭接點 8"/>
+          <p:cNvCxnSpPr/>
+          <p:nvPr/>
+        </p:nvCxnSpPr>
+        <p:spPr>
+          <a:xfrm>
+            <a:off x="1257300" y="1357562"/>
+            <a:ext cx="923925" cy="604588"/>
+          </a:xfrm>
+          <a:prstGeom prst="straightConnector1">
+            <a:avLst/>
+          </a:prstGeom>
+          <a:ln w="38100">
+            <a:tailEnd type="arrow"/>
+          </a:ln>
+        </p:spPr>
+        <p:style>
+          <a:lnRef idx="1">
+            <a:schemeClr val="accent1"/>
+          </a:lnRef>
+          <a:fillRef idx="0">
+            <a:schemeClr val="accent1"/>
+          </a:fillRef>
+          <a:effectRef idx="0">
+            <a:schemeClr val="accent1"/>
+          </a:effectRef>
+          <a:fontRef idx="minor">
+            <a:schemeClr val="tx1"/>
+          </a:fontRef>
+        </p:style>
+      </p:cxnSp>
+      <p:cxnSp>
+        <p:nvCxnSpPr>
+          <p:cNvPr id="12" name="直線單箭頭接點 11"/>
+          <p:cNvCxnSpPr/>
+          <p:nvPr/>
+        </p:nvCxnSpPr>
+        <p:spPr>
+          <a:xfrm>
+            <a:off x="1257298" y="1962150"/>
+            <a:ext cx="923925" cy="604588"/>
+          </a:xfrm>
+          <a:prstGeom prst="straightConnector1">
+            <a:avLst/>
+          </a:prstGeom>
+          <a:ln w="38100">
+            <a:tailEnd type="arrow"/>
+          </a:ln>
+        </p:spPr>
+        <p:style>
+          <a:lnRef idx="1">
+            <a:schemeClr val="accent1"/>
+          </a:lnRef>
+          <a:fillRef idx="0">
+            <a:schemeClr val="accent1"/>
+          </a:fillRef>
+          <a:effectRef idx="0">
+            <a:schemeClr val="accent1"/>
+          </a:effectRef>
+          <a:fontRef idx="minor">
+            <a:schemeClr val="tx1"/>
+          </a:fontRef>
+        </p:style>
+      </p:cxnSp>
+      <p:cxnSp>
+        <p:nvCxnSpPr>
+          <p:cNvPr id="13" name="直線單箭頭接點 12"/>
+          <p:cNvCxnSpPr/>
+          <p:nvPr/>
+        </p:nvCxnSpPr>
+        <p:spPr>
+          <a:xfrm>
+            <a:off x="1152525" y="2976812"/>
+            <a:ext cx="923925" cy="604588"/>
+          </a:xfrm>
+          <a:prstGeom prst="straightConnector1">
+            <a:avLst/>
+          </a:prstGeom>
+          <a:ln w="38100">
+            <a:tailEnd type="arrow"/>
+          </a:ln>
+        </p:spPr>
+        <p:style>
+          <a:lnRef idx="1">
+            <a:schemeClr val="accent1"/>
+          </a:lnRef>
+          <a:fillRef idx="0">
+            <a:schemeClr val="accent1"/>
+          </a:fillRef>
+          <a:effectRef idx="0">
+            <a:schemeClr val="accent1"/>
+          </a:effectRef>
+          <a:fontRef idx="minor">
+            <a:schemeClr val="tx1"/>
+          </a:fontRef>
+        </p:style>
+      </p:cxnSp>
+    </p:spTree>
+    <p:extLst>
+      <p:ext uri="{BB962C8B-B14F-4D97-AF65-F5344CB8AC3E}">
+        <p14:creationId xmlns:p14="http://schemas.microsoft.com/office/powerpoint/2010/main" val="3285337076"/>
+      </p:ext>
+    </p:extLst>
+  </p:cSld>
+  <p:clrMapOvr>
+    <a:masterClrMapping/>
+  </p:clrMapOvr>
+  <p:timing>
+    <p:tnLst>
+      <p:par>
+        <p:cTn id="1" dur="indefinite" restart="never" nodeType="tmRoot">
+          <p:childTnLst>
+            <p:seq concurrent="1" nextAc="seek">
+              <p:cTn id="2" dur="indefinite" nodeType="mainSeq">
+                <p:childTnLst>
+                  <p:par>
+                    <p:cTn id="3" fill="hold">
+                      <p:stCondLst>
+                        <p:cond delay="indefinite"/>
+                      </p:stCondLst>
+                      <p:childTnLst>
+                        <p:par>
+                          <p:cTn id="4" fill="hold">
+                            <p:stCondLst>
+                              <p:cond delay="0"/>
+                            </p:stCondLst>
+                            <p:childTnLst>
+                              <p:par>
+                                <p:cTn id="5" presetID="1" presetClass="entr" presetSubtype="0" fill="hold" nodeType="clickEffect">
+                                  <p:stCondLst>
+                                    <p:cond delay="0"/>
+                                  </p:stCondLst>
+                                  <p:childTnLst>
+                                    <p:set>
+                                      <p:cBhvr>
+                                        <p:cTn id="6" dur="1" fill="hold">
+                                          <p:stCondLst>
+                                            <p:cond delay="0"/>
+                                          </p:stCondLst>
+                                        </p:cTn>
+                                        <p:tgtEl>
+                                          <p:spTgt spid="9"/>
+                                        </p:tgtEl>
+                                        <p:attrNameLst>
+                                          <p:attrName>style.visibility</p:attrName>
+                                        </p:attrNameLst>
+                                      </p:cBhvr>
+                                      <p:to>
+                                        <p:strVal val="visible"/>
+                                      </p:to>
+                                    </p:set>
+                                  </p:childTnLst>
+                                </p:cTn>
+                              </p:par>
+                            </p:childTnLst>
+                          </p:cTn>
+                        </p:par>
+                      </p:childTnLst>
+                    </p:cTn>
+                  </p:par>
+                  <p:par>
+                    <p:cTn id="7" fill="hold">
+                      <p:stCondLst>
+                        <p:cond delay="indefinite"/>
+                      </p:stCondLst>
+                      <p:childTnLst>
+                        <p:par>
+                          <p:cTn id="8" fill="hold">
+                            <p:stCondLst>
+                              <p:cond delay="0"/>
+                            </p:stCondLst>
+                            <p:childTnLst>
+                              <p:par>
+                                <p:cTn id="9" presetID="1" presetClass="entr" presetSubtype="0" fill="hold" nodeType="clickEffect">
+                                  <p:stCondLst>
+                                    <p:cond delay="0"/>
+                                  </p:stCondLst>
+                                  <p:childTnLst>
+                                    <p:set>
+                                      <p:cBhvr>
+                                        <p:cTn id="10" dur="1" fill="hold">
+                                          <p:stCondLst>
+                                            <p:cond delay="0"/>
+                                          </p:stCondLst>
+                                        </p:cTn>
+                                        <p:tgtEl>
+                                          <p:spTgt spid="12"/>
+                                        </p:tgtEl>
+                                        <p:attrNameLst>
+                                          <p:attrName>style.visibility</p:attrName>
+                                        </p:attrNameLst>
+                                      </p:cBhvr>
+                                      <p:to>
+                                        <p:strVal val="visible"/>
+                                      </p:to>
+                                    </p:set>
+                                  </p:childTnLst>
+                                </p:cTn>
+                              </p:par>
+                            </p:childTnLst>
+                          </p:cTn>
+                        </p:par>
+                      </p:childTnLst>
+                    </p:cTn>
+                  </p:par>
+                  <p:par>
+                    <p:cTn id="11" fill="hold">
+                      <p:stCondLst>
+                        <p:cond delay="indefinite"/>
+                      </p:stCondLst>
+                      <p:childTnLst>
+                        <p:par>
+                          <p:cTn id="12" fill="hold">
+                            <p:stCondLst>
+                              <p:cond delay="0"/>
+                            </p:stCondLst>
+                            <p:childTnLst>
+                              <p:par>
+                                <p:cTn id="13" presetID="1" presetClass="entr" presetSubtype="0" fill="hold" nodeType="clickEffect">
+                                  <p:stCondLst>
+                                    <p:cond delay="0"/>
+                                  </p:stCondLst>
+                                  <p:childTnLst>
+                                    <p:set>
+                                      <p:cBhvr>
+                                        <p:cTn id="14" dur="1" fill="hold">
+                                          <p:stCondLst>
+                                            <p:cond delay="0"/>
+                                          </p:stCondLst>
+                                        </p:cTn>
+                                        <p:tgtEl>
+                                          <p:spTgt spid="13"/>
+                                        </p:tgtEl>
+                                        <p:attrNameLst>
+                                          <p:attrName>style.visibility</p:attrName>
+                                        </p:attrNameLst>
+                                      </p:cBhvr>
+                                      <p:to>
+                                        <p:strVal val="visible"/>
+                                      </p:to>
+                                    </p:set>
+                                  </p:childTnLst>
+                                </p:cTn>
+                              </p:par>
+                            </p:childTnLst>
+                          </p:cTn>
+                        </p:par>
+                      </p:childTnLst>
+                    </p:cTn>
+                  </p:par>
+                </p:childTnLst>
+              </p:cTn>
+              <p:prevCondLst>
+                <p:cond evt="onPrev" delay="0">
+                  <p:tgtEl>
+                    <p:sldTgt/>
+                  </p:tgtEl>
+                </p:cond>
+              </p:prevCondLst>
+              <p:nextCondLst>
+                <p:cond evt="onNext" delay="0">
+                  <p:tgtEl>
+                    <p:sldTgt/>
+                  </p:tgtEl>
+                </p:cond>
+              </p:nextCondLst>
+            </p:seq>
+          </p:childTnLst>
+        </p:cTn>
+      </p:par>
+    </p:tnLst>
+  </p:timing>
+</p:sld>
+</file>
+
+<file path=ppt/slides/slide17.xml><?xml version="1.0" encoding="utf-8"?>
+<p:sld xmlns:a="http://schemas.openxmlformats.org/drawingml/2006/main" xmlns:r="http://schemas.openxmlformats.org/officeDocument/2006/relationships" xmlns:p="http://schemas.openxmlformats.org/presentationml/2006/main">
+  <p:cSld>
+    <p:spTree>
+      <p:nvGrpSpPr>
+        <p:cNvPr id="1" name=""/>
+        <p:cNvGrpSpPr/>
+        <p:nvPr/>
+      </p:nvGrpSpPr>
+      <p:grpSpPr>
+        <a:xfrm>
+          <a:off x="0" y="0"/>
+          <a:ext cx="0" cy="0"/>
+          <a:chOff x="0" y="0"/>
+          <a:chExt cx="0" cy="0"/>
+        </a:xfrm>
+      </p:grpSpPr>
+      <p:sp>
+        <p:nvSpPr>
+          <p:cNvPr id="3" name="頁尾版面配置區 2"/>
+          <p:cNvSpPr>
+            <a:spLocks noGrp="1"/>
+          </p:cNvSpPr>
+          <p:nvPr>
+            <p:ph type="ftr" sz="quarter" idx="11"/>
+          </p:nvPr>
+        </p:nvSpPr>
+        <p:spPr/>
+        <p:txBody>
+          <a:bodyPr/>
+          <a:lstStyle/>
+          <a:p>
+            <a:r>
+              <a:rPr lang="zh-CN" altLang="en-US" smtClean="0"/>
+              <a:t>请在插入菜单</a:t>
+            </a:r>
+            <a:r>
+              <a:rPr lang="en-US" altLang="zh-CN" smtClean="0"/>
+              <a:t>—</a:t>
+            </a:r>
+            <a:r>
+              <a:rPr lang="zh-CN" altLang="en-US" smtClean="0"/>
+              <a:t>页眉和页脚中修改此文本</a:t>
+            </a:r>
+            <a:endParaRPr lang="zh-CN" altLang="en-US" dirty="0"/>
+          </a:p>
+        </p:txBody>
+      </p:sp>
+      <p:sp>
+        <p:nvSpPr>
+          <p:cNvPr id="4" name="投影片編號版面配置區 3"/>
+          <p:cNvSpPr>
+            <a:spLocks noGrp="1"/>
+          </p:cNvSpPr>
+          <p:nvPr>
+            <p:ph type="sldNum" sz="quarter" idx="12"/>
+          </p:nvPr>
+        </p:nvSpPr>
+        <p:spPr/>
+        <p:txBody>
+          <a:bodyPr/>
+          <a:lstStyle/>
+          <a:p>
+            <a:fld id="{5DD3DB80-B894-403A-B48E-6FDC1A72010E}" type="slidenum">
+              <a:rPr lang="zh-CN" altLang="en-US" smtClean="0"/>
+              <a:pPr/>
+              <a:t>17</a:t>
+            </a:fld>
+            <a:endParaRPr lang="zh-CN" altLang="en-US"/>
+          </a:p>
+        </p:txBody>
+      </p:sp>
+      <p:sp>
+        <p:nvSpPr>
+          <p:cNvPr id="5" name="標題 4"/>
+          <p:cNvSpPr>
+            <a:spLocks noGrp="1"/>
+          </p:cNvSpPr>
+          <p:nvPr>
+            <p:ph type="title"/>
+          </p:nvPr>
+        </p:nvSpPr>
+        <p:spPr/>
+        <p:txBody>
+          <a:bodyPr/>
+          <a:lstStyle/>
+          <a:p>
+            <a:r>
+              <a:rPr lang="en-US" altLang="zh-TW" dirty="0"/>
+              <a:t>2.</a:t>
+            </a:r>
+            <a:r>
+              <a:rPr lang="zh-TW" altLang="en-US" dirty="0"/>
+              <a:t>神經</a:t>
+            </a:r>
+            <a:r>
+              <a:rPr lang="zh-TW" altLang="en-US" dirty="0" smtClean="0"/>
+              <a:t>網路框架</a:t>
+            </a:r>
+            <a:endParaRPr lang="zh-TW" altLang="en-US" dirty="0"/>
+          </a:p>
+        </p:txBody>
+      </p:sp>
+      <p:sp>
+        <p:nvSpPr>
+          <p:cNvPr id="6" name="內容版面配置區 5"/>
+          <p:cNvSpPr>
+            <a:spLocks noGrp="1"/>
+          </p:cNvSpPr>
+          <p:nvPr>
+            <p:ph sz="quarter" idx="13"/>
+          </p:nvPr>
+        </p:nvSpPr>
+        <p:spPr/>
+        <p:txBody>
+          <a:bodyPr/>
+          <a:lstStyle/>
+          <a:p>
+            <a:r>
+              <a:rPr lang="en-US" altLang="zh-TW" dirty="0" err="1"/>
+              <a:t>TensorflowTensorFlow</a:t>
+            </a:r>
+            <a:r>
+              <a:rPr lang="zh-TW" altLang="en-US" dirty="0"/>
+              <a:t>是一個采用數據流圖（</a:t>
+            </a:r>
+            <a:r>
+              <a:rPr lang="en-US" altLang="zh-TW" dirty="0" err="1"/>
+              <a:t>dataflowgraphs</a:t>
+            </a:r>
+            <a:r>
+              <a:rPr lang="zh-TW" altLang="en-US" dirty="0"/>
+              <a:t>），用於數值計算的開源軟件庫</a:t>
+            </a:r>
+            <a:r>
+              <a:rPr lang="zh-TW" altLang="en-US" dirty="0" smtClean="0"/>
+              <a:t>。</a:t>
+            </a:r>
+            <a:endParaRPr lang="en-US" altLang="zh-TW" dirty="0" smtClean="0"/>
+          </a:p>
+          <a:p>
+            <a:r>
+              <a:rPr lang="zh-TW" altLang="en-US" dirty="0" smtClean="0"/>
+              <a:t>節點</a:t>
+            </a:r>
+            <a:r>
+              <a:rPr lang="zh-TW" altLang="en-US" dirty="0"/>
+              <a:t>（</a:t>
+            </a:r>
+            <a:r>
+              <a:rPr lang="en-US" altLang="zh-TW" dirty="0"/>
+              <a:t>Nodes</a:t>
+            </a:r>
+            <a:r>
+              <a:rPr lang="zh-TW" altLang="en-US" dirty="0"/>
+              <a:t>）在圖中表示數學操作，圖中的線（</a:t>
+            </a:r>
+            <a:r>
+              <a:rPr lang="en-US" altLang="zh-TW" dirty="0"/>
+              <a:t>edges</a:t>
+            </a:r>
+            <a:r>
+              <a:rPr lang="zh-TW" altLang="en-US" dirty="0"/>
+              <a:t>）則表示在節點間相互聯系的多維數據數組，即張量（</a:t>
+            </a:r>
+            <a:r>
+              <a:rPr lang="en-US" altLang="zh-TW" dirty="0"/>
+              <a:t>tensor</a:t>
+            </a:r>
+            <a:r>
+              <a:rPr lang="zh-TW" altLang="en-US" dirty="0" smtClean="0"/>
+              <a:t>）。</a:t>
+            </a:r>
+            <a:endParaRPr lang="en-US" altLang="zh-TW" dirty="0" smtClean="0"/>
+          </a:p>
+          <a:p>
+            <a:r>
+              <a:rPr lang="zh-TW" altLang="en-US" dirty="0" smtClean="0"/>
+              <a:t>它</a:t>
+            </a:r>
+            <a:r>
+              <a:rPr lang="zh-TW" altLang="en-US" dirty="0"/>
+              <a:t>靈活的架構可以在多種平台上展開計算，例如台式計算機中的一個或多個</a:t>
+            </a:r>
+            <a:r>
+              <a:rPr lang="en-US" altLang="zh-TW" dirty="0"/>
+              <a:t>CPU</a:t>
+            </a:r>
+            <a:r>
+              <a:rPr lang="zh-TW" altLang="en-US" dirty="0"/>
+              <a:t>（或</a:t>
+            </a:r>
+            <a:r>
+              <a:rPr lang="en-US" altLang="zh-TW" dirty="0"/>
+              <a:t>GPU</a:t>
+            </a:r>
+            <a:r>
+              <a:rPr lang="zh-TW" altLang="en-US" dirty="0"/>
+              <a:t>），服務器，移動設備</a:t>
+            </a:r>
+            <a:r>
+              <a:rPr lang="zh-TW" altLang="en-US" dirty="0" smtClean="0"/>
+              <a:t>等等</a:t>
+            </a:r>
+            <a:endParaRPr lang="en-US" altLang="zh-TW" dirty="0" smtClean="0"/>
+          </a:p>
+          <a:p>
+            <a:endParaRPr lang="zh-TW" altLang="en-US" dirty="0"/>
+          </a:p>
+        </p:txBody>
+      </p:sp>
+      <p:pic>
+        <p:nvPicPr>
+          <p:cNvPr id="2" name="圖片 1"/>
+          <p:cNvPicPr>
+            <a:picLocks noChangeAspect="1"/>
+          </p:cNvPicPr>
+          <p:nvPr/>
+        </p:nvPicPr>
+        <p:blipFill>
+          <a:blip r:embed="rId2">
+            <a:extLst>
+              <a:ext uri="{28A0092B-C50C-407E-A947-70E740481C1C}">
+                <a14:useLocalDpi xmlns:a14="http://schemas.microsoft.com/office/drawing/2010/main" val="0"/>
+              </a:ext>
+            </a:extLst>
+          </a:blip>
+          <a:stretch>
+            <a:fillRect/>
+          </a:stretch>
+        </p:blipFill>
+        <p:spPr>
+          <a:xfrm>
+            <a:off x="4724584" y="2481514"/>
+            <a:ext cx="3057341" cy="4171792"/>
+          </a:xfrm>
+          <a:prstGeom prst="rect">
+            <a:avLst/>
+          </a:prstGeom>
+        </p:spPr>
+      </p:pic>
+    </p:spTree>
+    <p:extLst>
+      <p:ext uri="{BB962C8B-B14F-4D97-AF65-F5344CB8AC3E}">
+        <p14:creationId xmlns:p14="http://schemas.microsoft.com/office/powerpoint/2010/main" val="3918460467"/>
+      </p:ext>
+    </p:extLst>
+  </p:cSld>
+  <p:clrMapOvr>
+    <a:masterClrMapping/>
+  </p:clrMapOvr>
+  <p:timing>
+    <p:tnLst>
+      <p:par>
+        <p:cTn id="1" dur="indefinite" restart="never" nodeType="tmRoot"/>
+      </p:par>
+    </p:tnLst>
+  </p:timing>
+</p:sld>
+</file>
+
+<file path=ppt/slides/slide18.xml><?xml version="1.0" encoding="utf-8"?>
+<p:sld xmlns:a="http://schemas.openxmlformats.org/drawingml/2006/main" xmlns:r="http://schemas.openxmlformats.org/officeDocument/2006/relationships" xmlns:p="http://schemas.openxmlformats.org/presentationml/2006/main">
+  <p:cSld>
+    <p:spTree>
+      <p:nvGrpSpPr>
+        <p:cNvPr id="1" name=""/>
+        <p:cNvGrpSpPr/>
+        <p:nvPr/>
+      </p:nvGrpSpPr>
+      <p:grpSpPr>
+        <a:xfrm>
+          <a:off x="0" y="0"/>
+          <a:ext cx="0" cy="0"/>
+          <a:chOff x="0" y="0"/>
+          <a:chExt cx="0" cy="0"/>
+        </a:xfrm>
+      </p:grpSpPr>
+      <p:sp>
+        <p:nvSpPr>
+          <p:cNvPr id="3" name="頁尾版面配置區 2"/>
+          <p:cNvSpPr>
+            <a:spLocks noGrp="1"/>
+          </p:cNvSpPr>
+          <p:nvPr>
+            <p:ph type="ftr" sz="quarter" idx="11"/>
+          </p:nvPr>
+        </p:nvSpPr>
+        <p:spPr/>
+        <p:txBody>
+          <a:bodyPr/>
+          <a:lstStyle/>
+          <a:p>
+            <a:r>
+              <a:rPr lang="zh-CN" altLang="en-US" smtClean="0"/>
+              <a:t>请在插入菜单</a:t>
+            </a:r>
+            <a:r>
+              <a:rPr lang="en-US" altLang="zh-CN" smtClean="0"/>
+              <a:t>—</a:t>
+            </a:r>
+            <a:r>
+              <a:rPr lang="zh-CN" altLang="en-US" smtClean="0"/>
+              <a:t>页眉和页脚中修改此文本</a:t>
+            </a:r>
+            <a:endParaRPr lang="zh-CN" altLang="en-US" dirty="0"/>
+          </a:p>
+        </p:txBody>
+      </p:sp>
+      <p:sp>
+        <p:nvSpPr>
+          <p:cNvPr id="4" name="投影片編號版面配置區 3"/>
+          <p:cNvSpPr>
+            <a:spLocks noGrp="1"/>
+          </p:cNvSpPr>
+          <p:nvPr>
+            <p:ph type="sldNum" sz="quarter" idx="12"/>
+          </p:nvPr>
+        </p:nvSpPr>
+        <p:spPr/>
+        <p:txBody>
+          <a:bodyPr/>
+          <a:lstStyle/>
+          <a:p>
+            <a:fld id="{5DD3DB80-B894-403A-B48E-6FDC1A72010E}" type="slidenum">
+              <a:rPr lang="zh-CN" altLang="en-US" smtClean="0"/>
+              <a:pPr/>
+              <a:t>18</a:t>
             </a:fld>
             <a:endParaRPr lang="zh-CN" altLang="en-US"/>
           </a:p>
@@ -4757,7 +5700,7 @@
     </p:spTree>
     <p:extLst>
       <p:ext uri="{BB962C8B-B14F-4D97-AF65-F5344CB8AC3E}">
-        <p14:creationId xmlns:p14="http://schemas.microsoft.com/office/powerpoint/2010/main" val="3285337076"/>
+        <p14:creationId xmlns:p14="http://schemas.microsoft.com/office/powerpoint/2010/main" val="2919717418"/>
       </p:ext>
     </p:extLst>
   </p:cSld>
@@ -4774,7 +5717,7 @@
 </p:sld>
 </file>
 
-<file path=ppt/slides/slide16.xml><?xml version="1.0" encoding="utf-8"?>
+<file path=ppt/slides/slide19.xml><?xml version="1.0" encoding="utf-8"?>
 <p:sld xmlns:a="http://schemas.openxmlformats.org/drawingml/2006/main" xmlns:r="http://schemas.openxmlformats.org/officeDocument/2006/relationships" xmlns:p="http://schemas.openxmlformats.org/presentationml/2006/main">
   <p:cSld>
     <p:spTree>
@@ -4840,7 +5783,7 @@
             <a:fld id="{5DD3DB80-B894-403A-B48E-6FDC1A72010E}" type="slidenum">
               <a:rPr lang="zh-CN" altLang="en-US" smtClean="0"/>
               <a:pPr/>
-              <a:t>16</a:t>
+              <a:t>19</a:t>
             </a:fld>
             <a:endParaRPr lang="zh-CN" altLang="en-US"/>
           </a:p>
@@ -4949,658 +5892,6 @@
 </p:sld>
 </file>
 
-<file path=ppt/slides/slide17.xml><?xml version="1.0" encoding="utf-8"?>
-<p:sld xmlns:a="http://schemas.openxmlformats.org/drawingml/2006/main" xmlns:r="http://schemas.openxmlformats.org/officeDocument/2006/relationships" xmlns:p="http://schemas.openxmlformats.org/presentationml/2006/main">
-  <p:cSld>
-    <p:spTree>
-      <p:nvGrpSpPr>
-        <p:cNvPr id="1" name=""/>
-        <p:cNvGrpSpPr/>
-        <p:nvPr/>
-      </p:nvGrpSpPr>
-      <p:grpSpPr>
-        <a:xfrm>
-          <a:off x="0" y="0"/>
-          <a:ext cx="0" cy="0"/>
-          <a:chOff x="0" y="0"/>
-          <a:chExt cx="0" cy="0"/>
-        </a:xfrm>
-      </p:grpSpPr>
-      <p:sp>
-        <p:nvSpPr>
-          <p:cNvPr id="3" name="頁尾版面配置區 2"/>
-          <p:cNvSpPr>
-            <a:spLocks noGrp="1"/>
-          </p:cNvSpPr>
-          <p:nvPr>
-            <p:ph type="ftr" sz="quarter" idx="11"/>
-          </p:nvPr>
-        </p:nvSpPr>
-        <p:spPr/>
-        <p:txBody>
-          <a:bodyPr/>
-          <a:lstStyle/>
-          <a:p>
-            <a:r>
-              <a:rPr lang="zh-CN" altLang="en-US" smtClean="0"/>
-              <a:t>请在插入菜单</a:t>
-            </a:r>
-            <a:r>
-              <a:rPr lang="en-US" altLang="zh-CN" smtClean="0"/>
-              <a:t>—</a:t>
-            </a:r>
-            <a:r>
-              <a:rPr lang="zh-CN" altLang="en-US" smtClean="0"/>
-              <a:t>页眉和页脚中修改此文本</a:t>
-            </a:r>
-            <a:endParaRPr lang="zh-CN" altLang="en-US" dirty="0"/>
-          </a:p>
-        </p:txBody>
-      </p:sp>
-      <p:sp>
-        <p:nvSpPr>
-          <p:cNvPr id="4" name="投影片編號版面配置區 3"/>
-          <p:cNvSpPr>
-            <a:spLocks noGrp="1"/>
-          </p:cNvSpPr>
-          <p:nvPr>
-            <p:ph type="sldNum" sz="quarter" idx="12"/>
-          </p:nvPr>
-        </p:nvSpPr>
-        <p:spPr/>
-        <p:txBody>
-          <a:bodyPr/>
-          <a:lstStyle/>
-          <a:p>
-            <a:fld id="{5DD3DB80-B894-403A-B48E-6FDC1A72010E}" type="slidenum">
-              <a:rPr lang="zh-CN" altLang="en-US" smtClean="0"/>
-              <a:pPr/>
-              <a:t>17</a:t>
-            </a:fld>
-            <a:endParaRPr lang="zh-CN" altLang="en-US"/>
-          </a:p>
-        </p:txBody>
-      </p:sp>
-      <p:sp>
-        <p:nvSpPr>
-          <p:cNvPr id="5" name="標題 4"/>
-          <p:cNvSpPr>
-            <a:spLocks noGrp="1"/>
-          </p:cNvSpPr>
-          <p:nvPr>
-            <p:ph type="title"/>
-          </p:nvPr>
-        </p:nvSpPr>
-        <p:spPr/>
-        <p:txBody>
-          <a:bodyPr/>
-          <a:lstStyle/>
-          <a:p>
-            <a:r>
-              <a:rPr lang="en-US" altLang="zh-TW" dirty="0"/>
-              <a:t>2.</a:t>
-            </a:r>
-            <a:r>
-              <a:rPr lang="zh-TW" altLang="en-US" dirty="0"/>
-              <a:t>神經</a:t>
-            </a:r>
-            <a:r>
-              <a:rPr lang="zh-TW" altLang="en-US" dirty="0" smtClean="0"/>
-              <a:t>網路框架</a:t>
-            </a:r>
-            <a:endParaRPr lang="zh-TW" altLang="en-US" dirty="0"/>
-          </a:p>
-        </p:txBody>
-      </p:sp>
-      <p:sp>
-        <p:nvSpPr>
-          <p:cNvPr id="6" name="內容版面配置區 5"/>
-          <p:cNvSpPr>
-            <a:spLocks noGrp="1"/>
-          </p:cNvSpPr>
-          <p:nvPr>
-            <p:ph sz="quarter" idx="13"/>
-          </p:nvPr>
-        </p:nvSpPr>
-        <p:spPr/>
-        <p:txBody>
-          <a:bodyPr/>
-          <a:lstStyle/>
-          <a:p>
-            <a:r>
-              <a:rPr lang="en-US" altLang="zh-TW" dirty="0" err="1"/>
-              <a:t>tensorflow</a:t>
-            </a:r>
-            <a:r>
-              <a:rPr lang="en-US" altLang="zh-TW" dirty="0"/>
-              <a:t> </a:t>
-            </a:r>
-          </a:p>
-          <a:p>
-            <a:r>
-              <a:rPr lang="en-US" altLang="zh-TW" dirty="0"/>
-              <a:t>1.x , 2.x </a:t>
-            </a:r>
-            <a:r>
-              <a:rPr lang="zh-TW" altLang="en-US" dirty="0"/>
-              <a:t>版本 </a:t>
-            </a:r>
-            <a:r>
-              <a:rPr lang="en-US" altLang="zh-TW" dirty="0"/>
-              <a:t>(</a:t>
-            </a:r>
-            <a:r>
-              <a:rPr lang="zh-TW" altLang="en-US" dirty="0"/>
-              <a:t>新版跟舊版的接口差異</a:t>
-            </a:r>
-            <a:r>
-              <a:rPr lang="zh-TW" altLang="en-US" dirty="0" smtClean="0"/>
-              <a:t>大</a:t>
-            </a:r>
-            <a:r>
-              <a:rPr lang="en-US" altLang="zh-TW" dirty="0" smtClean="0"/>
-              <a:t>, </a:t>
-            </a:r>
-            <a:r>
-              <a:rPr lang="zh-TW" altLang="en-US" dirty="0" smtClean="0"/>
-              <a:t>相容性問題多</a:t>
-            </a:r>
-            <a:r>
-              <a:rPr lang="en-US" altLang="zh-TW" dirty="0" smtClean="0"/>
-              <a:t>)</a:t>
-            </a:r>
-            <a:endParaRPr lang="en-US" altLang="zh-TW" dirty="0"/>
-          </a:p>
-          <a:p>
-            <a:r>
-              <a:rPr lang="en-US" altLang="zh-TW" dirty="0" err="1"/>
-              <a:t>keras</a:t>
-            </a:r>
-            <a:r>
-              <a:rPr lang="en-US" altLang="zh-TW" dirty="0"/>
-              <a:t> </a:t>
-            </a:r>
-            <a:r>
-              <a:rPr lang="zh-TW" altLang="en-US" dirty="0"/>
-              <a:t>框架</a:t>
-            </a:r>
-          </a:p>
-          <a:p>
-            <a:r>
-              <a:rPr lang="zh-TW" altLang="en-US" dirty="0"/>
-              <a:t>高階的 </a:t>
-            </a:r>
-            <a:r>
-              <a:rPr lang="en-US" altLang="zh-TW" dirty="0" err="1"/>
-              <a:t>api</a:t>
-            </a:r>
-            <a:r>
-              <a:rPr lang="en-US" altLang="zh-TW" dirty="0"/>
-              <a:t> </a:t>
-            </a:r>
-            <a:r>
-              <a:rPr lang="zh-TW" altLang="en-US" dirty="0"/>
-              <a:t>框架</a:t>
-            </a:r>
-            <a:r>
-              <a:rPr lang="en-US" altLang="zh-TW" dirty="0"/>
-              <a:t>, </a:t>
-            </a:r>
-            <a:r>
-              <a:rPr lang="zh-TW" altLang="en-US" dirty="0"/>
-              <a:t>撰寫</a:t>
-            </a:r>
-            <a:r>
-              <a:rPr lang="zh-TW" altLang="en-US" dirty="0" smtClean="0"/>
-              <a:t>容易</a:t>
-            </a:r>
-            <a:endParaRPr lang="en-US" altLang="zh-TW" dirty="0" smtClean="0"/>
-          </a:p>
-          <a:p>
-            <a:endParaRPr lang="en-US" altLang="zh-TW" dirty="0"/>
-          </a:p>
-          <a:p>
-            <a:r>
-              <a:rPr lang="zh-TW" altLang="en-US" dirty="0" smtClean="0"/>
-              <a:t>建立</a:t>
-            </a:r>
-            <a:r>
-              <a:rPr lang="zh-TW" altLang="en-US" dirty="0"/>
-              <a:t>簡單的線性執行的</a:t>
-            </a:r>
-            <a:r>
-              <a:rPr lang="zh-TW" altLang="en-US" dirty="0" smtClean="0"/>
-              <a:t>模型</a:t>
-            </a:r>
-            <a:endParaRPr lang="en-US" altLang="zh-TW" dirty="0" smtClean="0"/>
-          </a:p>
-          <a:p>
-            <a:endParaRPr lang="zh-TW" altLang="en-US" dirty="0"/>
-          </a:p>
-          <a:p>
-            <a:endParaRPr lang="zh-TW" altLang="en-US" dirty="0"/>
-          </a:p>
-        </p:txBody>
-      </p:sp>
-      <p:pic>
-        <p:nvPicPr>
-          <p:cNvPr id="4098" name="Picture 2"/>
-          <p:cNvPicPr>
-            <a:picLocks noChangeAspect="1" noChangeArrowheads="1"/>
-          </p:cNvPicPr>
-          <p:nvPr/>
-        </p:nvPicPr>
-        <p:blipFill>
-          <a:blip r:embed="rId2">
-            <a:extLst>
-              <a:ext uri="{28A0092B-C50C-407E-A947-70E740481C1C}">
-                <a14:useLocalDpi xmlns:a14="http://schemas.microsoft.com/office/drawing/2010/main" val="0"/>
-              </a:ext>
-            </a:extLst>
-          </a:blip>
-          <a:srcRect/>
-          <a:stretch>
-            <a:fillRect/>
-          </a:stretch>
-        </p:blipFill>
-        <p:spPr bwMode="auto">
-          <a:xfrm>
-            <a:off x="638174" y="3438523"/>
-            <a:ext cx="10380331" cy="2371725"/>
-          </a:xfrm>
-          <a:prstGeom prst="rect">
-            <a:avLst/>
-          </a:prstGeom>
-          <a:noFill/>
-          <a:ln>
-            <a:noFill/>
-          </a:ln>
-          <a:extLst>
-            <a:ext uri="{909E8E84-426E-40DD-AFC4-6F175D3DCCD1}">
-              <a14:hiddenFill xmlns:a14="http://schemas.microsoft.com/office/drawing/2010/main">
-                <a:solidFill>
-                  <a:schemeClr val="accent1"/>
-                </a:solidFill>
-              </a14:hiddenFill>
-            </a:ext>
-            <a:ext uri="{91240B29-F687-4F45-9708-019B960494DF}">
-              <a14:hiddenLine xmlns:a14="http://schemas.microsoft.com/office/drawing/2010/main" w="9525">
-                <a:solidFill>
-                  <a:schemeClr val="tx1"/>
-                </a:solidFill>
-                <a:miter lim="800000"/>
-                <a:headEnd/>
-                <a:tailEnd/>
-              </a14:hiddenLine>
-            </a:ext>
-          </a:extLst>
-        </p:spPr>
-      </p:pic>
-    </p:spTree>
-    <p:extLst>
-      <p:ext uri="{BB962C8B-B14F-4D97-AF65-F5344CB8AC3E}">
-        <p14:creationId xmlns:p14="http://schemas.microsoft.com/office/powerpoint/2010/main" val="2623394921"/>
-      </p:ext>
-    </p:extLst>
-  </p:cSld>
-  <p:clrMapOvr>
-    <a:masterClrMapping/>
-  </p:clrMapOvr>
-  <p:timing>
-    <p:tnLst>
-      <p:par>
-        <p:cTn id="1" dur="indefinite" restart="never" nodeType="tmRoot"/>
-      </p:par>
-    </p:tnLst>
-  </p:timing>
-</p:sld>
-</file>
-
-<file path=ppt/slides/slide18.xml><?xml version="1.0" encoding="utf-8"?>
-<p:sld xmlns:a="http://schemas.openxmlformats.org/drawingml/2006/main" xmlns:r="http://schemas.openxmlformats.org/officeDocument/2006/relationships" xmlns:p="http://schemas.openxmlformats.org/presentationml/2006/main">
-  <p:cSld>
-    <p:spTree>
-      <p:nvGrpSpPr>
-        <p:cNvPr id="1" name=""/>
-        <p:cNvGrpSpPr/>
-        <p:nvPr/>
-      </p:nvGrpSpPr>
-      <p:grpSpPr>
-        <a:xfrm>
-          <a:off x="0" y="0"/>
-          <a:ext cx="0" cy="0"/>
-          <a:chOff x="0" y="0"/>
-          <a:chExt cx="0" cy="0"/>
-        </a:xfrm>
-      </p:grpSpPr>
-      <p:sp>
-        <p:nvSpPr>
-          <p:cNvPr id="5" name="标题 4"/>
-          <p:cNvSpPr>
-            <a:spLocks noGrp="1"/>
-          </p:cNvSpPr>
-          <p:nvPr>
-            <p:ph type="title"/>
-          </p:nvPr>
-        </p:nvSpPr>
-        <p:spPr/>
-        <p:txBody>
-          <a:bodyPr/>
-          <a:lstStyle/>
-          <a:p>
-            <a:r>
-              <a:rPr lang="zh-TW" altLang="en-US" dirty="0"/>
-              <a:t>簡單類神經網路實作 </a:t>
-            </a:r>
-            <a:r>
-              <a:rPr lang="en-US" altLang="zh-TW" dirty="0"/>
-              <a:t>Demo</a:t>
-            </a:r>
-            <a:endParaRPr lang="zh-CN" altLang="en-US" dirty="0"/>
-          </a:p>
-        </p:txBody>
-      </p:sp>
-      <p:sp>
-        <p:nvSpPr>
-          <p:cNvPr id="9" name="文本框 8">
-            <a:extLst>
-              <a:ext uri="{FF2B5EF4-FFF2-40B4-BE49-F238E27FC236}">
-                <a16:creationId xmlns="" xmlns:p14="http://schemas.microsoft.com/office/powerpoint/2010/main" xmlns:a16="http://schemas.microsoft.com/office/drawing/2014/main" id="{04F69230-F3A6-4586-9371-A858F4763E9F}"/>
-              </a:ext>
-            </a:extLst>
-          </p:cNvPr>
-          <p:cNvSpPr txBox="1"/>
-          <p:nvPr/>
-        </p:nvSpPr>
-        <p:spPr>
-          <a:xfrm>
-            <a:off x="2636995" y="2984045"/>
-            <a:ext cx="1023516" cy="889909"/>
-          </a:xfrm>
-          <a:prstGeom prst="rect">
-            <a:avLst/>
-          </a:prstGeom>
-          <a:noFill/>
-          <a:ln w="117475">
-            <a:noFill/>
-          </a:ln>
-        </p:spPr>
-        <p:txBody>
-          <a:bodyPr wrap="none" rtlCol="0">
-            <a:prstTxWarp prst="textPlain">
-              <a:avLst/>
-            </a:prstTxWarp>
-            <a:spAutoFit/>
-          </a:bodyPr>
-          <a:lstStyle/>
-          <a:p>
-            <a:r>
-              <a:rPr lang="en-US" altLang="zh-CN" spc="100" dirty="0" smtClean="0">
-                <a:solidFill>
-                  <a:schemeClr val="bg1"/>
-                </a:solidFill>
-                <a:latin typeface="Impact" panose="020B0806030902050204" pitchFamily="34" charset="0"/>
-                <a:cs typeface="Arial" panose="020B0604020202020204" pitchFamily="34" charset="0"/>
-              </a:rPr>
-              <a:t>/</a:t>
-            </a:r>
-            <a:r>
-              <a:rPr lang="en-US" altLang="zh-CN" sz="100" spc="100" dirty="0" smtClean="0">
-                <a:solidFill>
-                  <a:schemeClr val="bg1"/>
-                </a:solidFill>
-                <a:latin typeface="Impact" panose="020B0806030902050204" pitchFamily="34" charset="0"/>
-                <a:cs typeface="Arial" panose="020B0604020202020204" pitchFamily="34" charset="0"/>
-              </a:rPr>
-              <a:t> </a:t>
-            </a:r>
-            <a:r>
-              <a:rPr lang="en-US" altLang="zh-CN" spc="100" dirty="0" smtClean="0">
-                <a:solidFill>
-                  <a:schemeClr val="bg1"/>
-                </a:solidFill>
-                <a:latin typeface="Impact" panose="020B0806030902050204" pitchFamily="34" charset="0"/>
-                <a:cs typeface="Arial" panose="020B0604020202020204" pitchFamily="34" charset="0"/>
-              </a:rPr>
-              <a:t>03</a:t>
-            </a:r>
-            <a:endParaRPr lang="zh-CN" altLang="en-US" spc="100" dirty="0">
-              <a:solidFill>
-                <a:schemeClr val="bg1"/>
-              </a:solidFill>
-              <a:latin typeface="Impact" panose="020B0806030902050204" pitchFamily="34" charset="0"/>
-              <a:cs typeface="Arial" panose="020B0604020202020204" pitchFamily="34" charset="0"/>
-            </a:endParaRPr>
-          </a:p>
-        </p:txBody>
-      </p:sp>
-    </p:spTree>
-    <p:custDataLst>
-      <p:tags r:id="rId2"/>
-    </p:custDataLst>
-    <p:extLst>
-      <p:ext uri="{BB962C8B-B14F-4D97-AF65-F5344CB8AC3E}">
-        <p14:creationId xmlns:p14="http://schemas.microsoft.com/office/powerpoint/2010/main" val="3836393561"/>
-      </p:ext>
-    </p:extLst>
-  </p:cSld>
-  <p:clrMapOvr>
-    <a:masterClrMapping/>
-  </p:clrMapOvr>
-</p:sld>
-</file>
-
-<file path=ppt/slides/slide19.xml><?xml version="1.0" encoding="utf-8"?>
-<p:sld xmlns:a="http://schemas.openxmlformats.org/drawingml/2006/main" xmlns:r="http://schemas.openxmlformats.org/officeDocument/2006/relationships" xmlns:p="http://schemas.openxmlformats.org/presentationml/2006/main">
-  <p:cSld>
-    <p:spTree>
-      <p:nvGrpSpPr>
-        <p:cNvPr id="1" name=""/>
-        <p:cNvGrpSpPr/>
-        <p:nvPr/>
-      </p:nvGrpSpPr>
-      <p:grpSpPr>
-        <a:xfrm>
-          <a:off x="0" y="0"/>
-          <a:ext cx="0" cy="0"/>
-          <a:chOff x="0" y="0"/>
-          <a:chExt cx="0" cy="0"/>
-        </a:xfrm>
-      </p:grpSpPr>
-      <p:sp>
-        <p:nvSpPr>
-          <p:cNvPr id="3" name="页脚占位符 2"/>
-          <p:cNvSpPr>
-            <a:spLocks noGrp="1"/>
-          </p:cNvSpPr>
-          <p:nvPr>
-            <p:ph type="ftr" sz="quarter" idx="11"/>
-          </p:nvPr>
-        </p:nvSpPr>
-        <p:spPr/>
-        <p:txBody>
-          <a:bodyPr/>
-          <a:lstStyle/>
-          <a:p>
-            <a:r>
-              <a:rPr lang="zh-CN" altLang="en-US" smtClean="0"/>
-              <a:t>请在插入</a:t>
-            </a:r>
-            <a:r>
-              <a:rPr lang="zh-CN" altLang="en-US" sz="100" smtClean="0"/>
-              <a:t> </a:t>
-            </a:r>
-            <a:r>
-              <a:rPr lang="zh-CN" altLang="en-US" smtClean="0"/>
-              <a:t>菜单</a:t>
-            </a:r>
-            <a:r>
-              <a:rPr lang="en-US" altLang="zh-CN" smtClean="0"/>
-              <a:t>—</a:t>
-            </a:r>
-            <a:r>
-              <a:rPr lang="zh-CN" altLang="en-US" smtClean="0"/>
-              <a:t>页眉和页脚中修改此文本</a:t>
-            </a:r>
-            <a:endParaRPr lang="zh-CN" altLang="en-US" dirty="0"/>
-          </a:p>
-        </p:txBody>
-      </p:sp>
-      <p:sp>
-        <p:nvSpPr>
-          <p:cNvPr id="4" name="灯片编号占位符 3"/>
-          <p:cNvSpPr>
-            <a:spLocks noGrp="1"/>
-          </p:cNvSpPr>
-          <p:nvPr>
-            <p:ph type="sldNum" sz="quarter" idx="12"/>
-          </p:nvPr>
-        </p:nvSpPr>
-        <p:spPr/>
-        <p:txBody>
-          <a:bodyPr/>
-          <a:lstStyle/>
-          <a:p>
-            <a:fld id="{5DD3DB80-B894-403A-B48E-6FDC1A72010E}" type="slidenum">
-              <a:rPr lang="zh-CN" altLang="en-US" smtClean="0"/>
-              <a:pPr/>
-              <a:t>19</a:t>
-            </a:fld>
-            <a:endParaRPr lang="zh-CN" altLang="en-US"/>
-          </a:p>
-        </p:txBody>
-      </p:sp>
-      <p:sp>
-        <p:nvSpPr>
-          <p:cNvPr id="2" name="标题 1"/>
-          <p:cNvSpPr>
-            <a:spLocks noGrp="1"/>
-          </p:cNvSpPr>
-          <p:nvPr>
-            <p:ph type="title"/>
-          </p:nvPr>
-        </p:nvSpPr>
-        <p:spPr/>
-        <p:txBody>
-          <a:bodyPr/>
-          <a:lstStyle/>
-          <a:p>
-            <a:r>
-              <a:rPr lang="zh-TW" altLang="en-US" dirty="0"/>
-              <a:t>簡單類神經網路實作 </a:t>
-            </a:r>
-            <a:r>
-              <a:rPr lang="en-US" altLang="zh-TW" dirty="0"/>
-              <a:t>Demo</a:t>
-            </a:r>
-            <a:endParaRPr lang="zh-CN" altLang="en-US" dirty="0"/>
-          </a:p>
-        </p:txBody>
-      </p:sp>
-      <p:sp>
-        <p:nvSpPr>
-          <p:cNvPr id="5" name="內容版面配置區 4"/>
-          <p:cNvSpPr>
-            <a:spLocks noGrp="1"/>
-          </p:cNvSpPr>
-          <p:nvPr>
-            <p:ph sz="quarter" idx="13"/>
-          </p:nvPr>
-        </p:nvSpPr>
-        <p:spPr/>
-        <p:txBody>
-          <a:bodyPr/>
-          <a:lstStyle/>
-          <a:p>
-            <a:r>
-              <a:rPr lang="en-US" altLang="zh-TW" dirty="0">
-                <a:hlinkClick r:id="rId3"/>
-              </a:rPr>
-              <a:t>http://www.gunniliang.com/notebooks/Delete/git_r/two_month_report/202011_2021_1/11_2_to_11__</a:t>
-            </a:r>
-            <a:r>
-              <a:rPr lang="en-US" altLang="zh-TW" dirty="0" smtClean="0">
-                <a:hlinkClick r:id="rId3"/>
-              </a:rPr>
-              <a:t>6_first/code/minst_ex1.ipynb</a:t>
-            </a:r>
-            <a:endParaRPr lang="en-US" altLang="zh-TW" dirty="0" smtClean="0"/>
-          </a:p>
-          <a:p>
-            <a:endParaRPr lang="en-US" altLang="zh-TW" dirty="0" smtClean="0"/>
-          </a:p>
-        </p:txBody>
-      </p:sp>
-      <p:pic>
-        <p:nvPicPr>
-          <p:cNvPr id="6147" name="Picture 3"/>
-          <p:cNvPicPr>
-            <a:picLocks noChangeAspect="1" noChangeArrowheads="1"/>
-          </p:cNvPicPr>
-          <p:nvPr/>
-        </p:nvPicPr>
-        <p:blipFill>
-          <a:blip r:embed="rId4">
-            <a:extLst>
-              <a:ext uri="{28A0092B-C50C-407E-A947-70E740481C1C}">
-                <a14:useLocalDpi xmlns:a14="http://schemas.microsoft.com/office/drawing/2010/main" val="0"/>
-              </a:ext>
-            </a:extLst>
-          </a:blip>
-          <a:srcRect/>
-          <a:stretch>
-            <a:fillRect/>
-          </a:stretch>
-        </p:blipFill>
-        <p:spPr bwMode="auto">
-          <a:xfrm>
-            <a:off x="1028700" y="2090738"/>
-            <a:ext cx="7188228" cy="2986087"/>
-          </a:xfrm>
-          <a:prstGeom prst="rect">
-            <a:avLst/>
-          </a:prstGeom>
-          <a:noFill/>
-          <a:ln>
-            <a:noFill/>
-          </a:ln>
-          <a:extLst>
-            <a:ext uri="{909E8E84-426E-40DD-AFC4-6F175D3DCCD1}">
-              <a14:hiddenFill xmlns:a14="http://schemas.microsoft.com/office/drawing/2010/main">
-                <a:solidFill>
-                  <a:schemeClr val="accent1"/>
-                </a:solidFill>
-              </a14:hiddenFill>
-            </a:ext>
-            <a:ext uri="{91240B29-F687-4F45-9708-019B960494DF}">
-              <a14:hiddenLine xmlns:a14="http://schemas.microsoft.com/office/drawing/2010/main" w="9525">
-                <a:solidFill>
-                  <a:schemeClr val="tx1"/>
-                </a:solidFill>
-                <a:miter lim="800000"/>
-                <a:headEnd/>
-                <a:tailEnd/>
-              </a14:hiddenLine>
-            </a:ext>
-          </a:extLst>
-        </p:spPr>
-      </p:pic>
-    </p:spTree>
-    <p:custDataLst>
-      <p:tags r:id="rId1"/>
-    </p:custDataLst>
-    <p:extLst>
-      <p:ext uri="{BB962C8B-B14F-4D97-AF65-F5344CB8AC3E}">
-        <p14:creationId xmlns:p14="http://schemas.microsoft.com/office/powerpoint/2010/main" val="1612770914"/>
-      </p:ext>
-    </p:extLst>
-  </p:cSld>
-  <p:clrMapOvr>
-    <a:masterClrMapping/>
-  </p:clrMapOvr>
-</p:sld>
-</file>
-
 <file path=ppt/slides/slide2.xml><?xml version="1.0" encoding="utf-8"?>
 <p:sld xmlns:a="http://schemas.openxmlformats.org/drawingml/2006/main" xmlns:r="http://schemas.openxmlformats.org/officeDocument/2006/relationships" xmlns:p="http://schemas.openxmlformats.org/presentationml/2006/main">
   <p:cSld>
@@ -5623,7 +5914,7 @@
           <p:cNvPr id="2" name="组合 1">
             <a:extLst>
               <a:ext uri="{FF2B5EF4-FFF2-40B4-BE49-F238E27FC236}">
-                <a16:creationId xmlns="" xmlns:p14="http://schemas.microsoft.com/office/powerpoint/2010/main" xmlns:a16="http://schemas.microsoft.com/office/drawing/2014/main" id="{C0498D3A-B738-48EC-A39C-94C58B88932B}"/>
+                <a16:creationId xmlns:a16="http://schemas.microsoft.com/office/drawing/2014/main" xmlns:p14="http://schemas.microsoft.com/office/powerpoint/2010/main" xmlns="" id="{C0498D3A-B738-48EC-A39C-94C58B88932B}"/>
               </a:ext>
             </a:extLst>
           </p:cNvPr>
@@ -5643,7 +5934,7 @@
             <p:cNvPr id="6" name="2b751056-6b97-492c-b763-340acee7e99d" descr="本素材由iSlide™ 提供&#10;iSlide™尊重知识产权并注重保护用户享有的各项权利。郑重提醒您：&#10;iSlide™插件中提供的任何信息内容的所有权、知识产权归其原始权利人或权利受让人所有，您免费/购买获得的是信息内容的使用权，并受下述条款的约束；&#10;1. 您仅可以个人非商业用途使用该等信息内容，不可将信息内容的全部或部分用于出售，或以出租、出借、转让、分销、发布等其他任何方式供他人使用；&#10;2. 禁止在接入互联网或移动互联网的任何网站、平台、应用或程序上以任何方式为他人提供iSlide™插件资源内容的下载。&#10;The resource is supplied by iSlide™.&#10;iSlide™ respects all intellectual property rights and protects all the rights its users acquired.Solemnly remind you:&#10;The ownership and intellectual property of the resources supplied in iSlide Add-in belongs to its owner or the assignee of this ownership.you only acquired the usage of the resources supplied in iSlide Add-in, as well as respected the following restrain terms:&#10;1.You are only allowed to use such resource for personal and non-commercial aim, not allowed to use such resource or part of it for the sale; or rent, lend, transfer to others; or distribution or release it in any way.&#10;2.You are not permitted to provide the resource of iSlide Add-in in any website, platform, application access to the Internet or mobile Internet." title="iSlide™ 版权声明  COPYRIGHT NOTICE">
               <a:extLst>
                 <a:ext uri="{FF2B5EF4-FFF2-40B4-BE49-F238E27FC236}">
-                  <a16:creationId xmlns="" xmlns:p14="http://schemas.microsoft.com/office/powerpoint/2010/main" xmlns:a16="http://schemas.microsoft.com/office/drawing/2014/main" id="{A759C196-DA28-4241-ABB5-975367026FE9}"/>
+                  <a16:creationId xmlns:a16="http://schemas.microsoft.com/office/drawing/2014/main" xmlns:p14="http://schemas.microsoft.com/office/powerpoint/2010/main" xmlns="" id="{A759C196-DA28-4241-ABB5-975367026FE9}"/>
                 </a:ext>
               </a:extLst>
             </p:cNvPr>
@@ -5665,7 +5956,7 @@
               <p:cNvPr id="7" name="iṡľïḑè">
                 <a:extLst>
                   <a:ext uri="{FF2B5EF4-FFF2-40B4-BE49-F238E27FC236}">
-                    <a16:creationId xmlns="" xmlns:p14="http://schemas.microsoft.com/office/powerpoint/2010/main" xmlns:a16="http://schemas.microsoft.com/office/drawing/2014/main" id="{48F70259-7598-4270-874A-6F50772D10F6}"/>
+                    <a16:creationId xmlns:a16="http://schemas.microsoft.com/office/drawing/2014/main" xmlns:p14="http://schemas.microsoft.com/office/powerpoint/2010/main" xmlns="" id="{48F70259-7598-4270-874A-6F50772D10F6}"/>
                   </a:ext>
                 </a:extLst>
               </p:cNvPr>
@@ -5964,7 +6255,7 @@
               <p:cNvPr id="8" name="直接连接符 7">
                 <a:extLst>
                   <a:ext uri="{FF2B5EF4-FFF2-40B4-BE49-F238E27FC236}">
-                    <a16:creationId xmlns="" xmlns:p14="http://schemas.microsoft.com/office/powerpoint/2010/main" xmlns:a16="http://schemas.microsoft.com/office/drawing/2014/main" id="{DA1FB18E-FA01-4588-BEF9-FB96A98A84D4}"/>
+                    <a16:creationId xmlns:a16="http://schemas.microsoft.com/office/drawing/2014/main" xmlns:p14="http://schemas.microsoft.com/office/powerpoint/2010/main" xmlns="" id="{DA1FB18E-FA01-4588-BEF9-FB96A98A84D4}"/>
                   </a:ext>
                 </a:extLst>
               </p:cNvPr>
@@ -6003,7 +6294,7 @@
               <p:cNvPr id="9" name="išľïḋé">
                 <a:extLst>
                   <a:ext uri="{FF2B5EF4-FFF2-40B4-BE49-F238E27FC236}">
-                    <a16:creationId xmlns="" xmlns:p14="http://schemas.microsoft.com/office/powerpoint/2010/main" xmlns:a16="http://schemas.microsoft.com/office/drawing/2014/main" id="{0DB1D0A1-2667-455C-9387-D7ABF0A00B8C}"/>
+                    <a16:creationId xmlns:a16="http://schemas.microsoft.com/office/drawing/2014/main" xmlns:p14="http://schemas.microsoft.com/office/powerpoint/2010/main" xmlns="" id="{0DB1D0A1-2667-455C-9387-D7ABF0A00B8C}"/>
                   </a:ext>
                 </a:extLst>
               </p:cNvPr>
@@ -6075,7 +6366,7 @@
             <p:cNvPr id="10" name="poetry_91022">
               <a:extLst>
                 <a:ext uri="{FF2B5EF4-FFF2-40B4-BE49-F238E27FC236}">
-                  <a16:creationId xmlns="" xmlns:p14="http://schemas.microsoft.com/office/powerpoint/2010/main" xmlns:a16="http://schemas.microsoft.com/office/drawing/2014/main" id="{ADAD6BE3-DC11-4582-9F68-50D831ADD001}"/>
+                  <a16:creationId xmlns:a16="http://schemas.microsoft.com/office/drawing/2014/main" xmlns:p14="http://schemas.microsoft.com/office/powerpoint/2010/main" xmlns="" id="{ADAD6BE3-DC11-4582-9F68-50D831ADD001}"/>
                 </a:ext>
               </a:extLst>
             </p:cNvPr>
@@ -6721,20 +7012,13 @@
           <a:p>
             <a:r>
               <a:rPr lang="zh-TW" altLang="en-US" dirty="0"/>
-              <a:t>補充</a:t>
+              <a:t>簡單類神經網路實作 </a:t>
             </a:r>
             <a:r>
               <a:rPr lang="en-US" altLang="zh-TW" dirty="0"/>
-              <a:t>(10</a:t>
-            </a:r>
-            <a:r>
-              <a:rPr lang="zh-TW" altLang="en-US" dirty="0"/>
-              <a:t>月搞炸的</a:t>
-            </a:r>
-            <a:r>
-              <a:rPr lang="en-US" altLang="zh-TW" dirty="0"/>
-              <a:t>BERT)</a:t>
-            </a:r>
+              <a:t>Demo</a:t>
+            </a:r>
+            <a:endParaRPr lang="zh-CN" altLang="en-US" dirty="0"/>
           </a:p>
         </p:txBody>
       </p:sp>
@@ -6743,7 +7027,7 @@
           <p:cNvPr id="9" name="文本框 8">
             <a:extLst>
               <a:ext uri="{FF2B5EF4-FFF2-40B4-BE49-F238E27FC236}">
-                <a16:creationId xmlns="" xmlns:p14="http://schemas.microsoft.com/office/powerpoint/2010/main" xmlns:a16="http://schemas.microsoft.com/office/drawing/2014/main" id="{04F69230-F3A6-4586-9371-A858F4763E9F}"/>
+                <a16:creationId xmlns:a16="http://schemas.microsoft.com/office/drawing/2014/main" xmlns:p14="http://schemas.microsoft.com/office/powerpoint/2010/main" xmlns="" id="{04F69230-F3A6-4586-9371-A858F4763E9F}"/>
               </a:ext>
             </a:extLst>
           </p:cNvPr>
@@ -6800,7 +7084,7 @@
                 <a:latin typeface="Impact" panose="020B0806030902050204" pitchFamily="34" charset="0"/>
                 <a:cs typeface="Arial" panose="020B0604020202020204" pitchFamily="34" charset="0"/>
               </a:rPr>
-              <a:t>04</a:t>
+              <a:t>03</a:t>
             </a:r>
             <a:endParaRPr lang="zh-CN" altLang="en-US" spc="100" dirty="0">
               <a:solidFill>
@@ -6818,13 +7102,20 @@
     </p:custDataLst>
     <p:extLst>
       <p:ext uri="{BB962C8B-B14F-4D97-AF65-F5344CB8AC3E}">
-        <p14:creationId xmlns:p14="http://schemas.microsoft.com/office/powerpoint/2010/main" val="694834240"/>
+        <p14:creationId xmlns:p14="http://schemas.microsoft.com/office/powerpoint/2010/main" val="3836393561"/>
       </p:ext>
     </p:extLst>
   </p:cSld>
   <p:clrMapOvr>
     <a:masterClrMapping/>
   </p:clrMapOvr>
+  <p:timing>
+    <p:tnLst>
+      <p:par>
+        <p:cTn id="1" dur="indefinite" restart="never" nodeType="tmRoot"/>
+      </p:par>
+    </p:tnLst>
+  </p:timing>
 </p:sld>
 </file>
 
@@ -6903,6 +7194,372 @@
               <a:rPr lang="zh-CN" altLang="en-US" smtClean="0"/>
               <a:pPr/>
               <a:t>21</a:t>
+            </a:fld>
+            <a:endParaRPr lang="zh-CN" altLang="en-US"/>
+          </a:p>
+        </p:txBody>
+      </p:sp>
+      <p:sp>
+        <p:nvSpPr>
+          <p:cNvPr id="2" name="标题 1"/>
+          <p:cNvSpPr>
+            <a:spLocks noGrp="1"/>
+          </p:cNvSpPr>
+          <p:nvPr>
+            <p:ph type="title"/>
+          </p:nvPr>
+        </p:nvSpPr>
+        <p:spPr/>
+        <p:txBody>
+          <a:bodyPr/>
+          <a:lstStyle/>
+          <a:p>
+            <a:r>
+              <a:rPr lang="zh-TW" altLang="en-US" dirty="0"/>
+              <a:t>簡單類神經網路實作 </a:t>
+            </a:r>
+            <a:r>
+              <a:rPr lang="en-US" altLang="zh-TW" dirty="0"/>
+              <a:t>Demo</a:t>
+            </a:r>
+            <a:endParaRPr lang="zh-CN" altLang="en-US" dirty="0"/>
+          </a:p>
+        </p:txBody>
+      </p:sp>
+      <p:sp>
+        <p:nvSpPr>
+          <p:cNvPr id="5" name="內容版面配置區 4"/>
+          <p:cNvSpPr>
+            <a:spLocks noGrp="1"/>
+          </p:cNvSpPr>
+          <p:nvPr>
+            <p:ph sz="quarter" idx="13"/>
+          </p:nvPr>
+        </p:nvSpPr>
+        <p:spPr/>
+        <p:txBody>
+          <a:bodyPr/>
+          <a:lstStyle/>
+          <a:p>
+            <a:r>
+              <a:rPr lang="en-US" altLang="zh-TW" dirty="0">
+                <a:hlinkClick r:id="rId3"/>
+              </a:rPr>
+              <a:t>http://www.gunniliang.com/notebooks/Delete/git_r/two_month_report/202011_2021_1/11_2_to_11__</a:t>
+            </a:r>
+            <a:r>
+              <a:rPr lang="en-US" altLang="zh-TW" dirty="0" smtClean="0">
+                <a:hlinkClick r:id="rId3"/>
+              </a:rPr>
+              <a:t>6_first/code/minst_ex1.ipynb</a:t>
+            </a:r>
+            <a:endParaRPr lang="en-US" altLang="zh-TW" dirty="0" smtClean="0"/>
+          </a:p>
+          <a:p>
+            <a:endParaRPr lang="en-US" altLang="zh-TW" dirty="0" smtClean="0"/>
+          </a:p>
+        </p:txBody>
+      </p:sp>
+      <p:pic>
+        <p:nvPicPr>
+          <p:cNvPr id="6147" name="Picture 3"/>
+          <p:cNvPicPr>
+            <a:picLocks noChangeAspect="1" noChangeArrowheads="1"/>
+          </p:cNvPicPr>
+          <p:nvPr/>
+        </p:nvPicPr>
+        <p:blipFill>
+          <a:blip r:embed="rId4">
+            <a:extLst>
+              <a:ext uri="{28A0092B-C50C-407E-A947-70E740481C1C}">
+                <a14:useLocalDpi xmlns:a14="http://schemas.microsoft.com/office/drawing/2010/main" val="0"/>
+              </a:ext>
+            </a:extLst>
+          </a:blip>
+          <a:srcRect/>
+          <a:stretch>
+            <a:fillRect/>
+          </a:stretch>
+        </p:blipFill>
+        <p:spPr bwMode="auto">
+          <a:xfrm>
+            <a:off x="1028700" y="2090738"/>
+            <a:ext cx="7188228" cy="2986087"/>
+          </a:xfrm>
+          <a:prstGeom prst="rect">
+            <a:avLst/>
+          </a:prstGeom>
+          <a:noFill/>
+          <a:ln>
+            <a:noFill/>
+          </a:ln>
+          <a:extLst>
+            <a:ext uri="{909E8E84-426E-40DD-AFC4-6F175D3DCCD1}">
+              <a14:hiddenFill xmlns:a14="http://schemas.microsoft.com/office/drawing/2010/main">
+                <a:solidFill>
+                  <a:schemeClr val="accent1"/>
+                </a:solidFill>
+              </a14:hiddenFill>
+            </a:ext>
+            <a:ext uri="{91240B29-F687-4F45-9708-019B960494DF}">
+              <a14:hiddenLine xmlns:a14="http://schemas.microsoft.com/office/drawing/2010/main" w="9525">
+                <a:solidFill>
+                  <a:schemeClr val="tx1"/>
+                </a:solidFill>
+                <a:miter lim="800000"/>
+                <a:headEnd/>
+                <a:tailEnd/>
+              </a14:hiddenLine>
+            </a:ext>
+          </a:extLst>
+        </p:spPr>
+      </p:pic>
+    </p:spTree>
+    <p:custDataLst>
+      <p:tags r:id="rId1"/>
+    </p:custDataLst>
+    <p:extLst>
+      <p:ext uri="{BB962C8B-B14F-4D97-AF65-F5344CB8AC3E}">
+        <p14:creationId xmlns:p14="http://schemas.microsoft.com/office/powerpoint/2010/main" val="1612770914"/>
+      </p:ext>
+    </p:extLst>
+  </p:cSld>
+  <p:clrMapOvr>
+    <a:masterClrMapping/>
+  </p:clrMapOvr>
+  <p:timing>
+    <p:tnLst>
+      <p:par>
+        <p:cTn id="1" dur="indefinite" restart="never" nodeType="tmRoot"/>
+      </p:par>
+    </p:tnLst>
+  </p:timing>
+</p:sld>
+</file>
+
+<file path=ppt/slides/slide22.xml><?xml version="1.0" encoding="utf-8"?>
+<p:sld xmlns:a="http://schemas.openxmlformats.org/drawingml/2006/main" xmlns:r="http://schemas.openxmlformats.org/officeDocument/2006/relationships" xmlns:p="http://schemas.openxmlformats.org/presentationml/2006/main">
+  <p:cSld>
+    <p:spTree>
+      <p:nvGrpSpPr>
+        <p:cNvPr id="1" name=""/>
+        <p:cNvGrpSpPr/>
+        <p:nvPr/>
+      </p:nvGrpSpPr>
+      <p:grpSpPr>
+        <a:xfrm>
+          <a:off x="0" y="0"/>
+          <a:ext cx="0" cy="0"/>
+          <a:chOff x="0" y="0"/>
+          <a:chExt cx="0" cy="0"/>
+        </a:xfrm>
+      </p:grpSpPr>
+      <p:sp>
+        <p:nvSpPr>
+          <p:cNvPr id="5" name="标题 4"/>
+          <p:cNvSpPr>
+            <a:spLocks noGrp="1"/>
+          </p:cNvSpPr>
+          <p:nvPr>
+            <p:ph type="title"/>
+          </p:nvPr>
+        </p:nvSpPr>
+        <p:spPr/>
+        <p:txBody>
+          <a:bodyPr/>
+          <a:lstStyle/>
+          <a:p>
+            <a:r>
+              <a:rPr lang="zh-TW" altLang="en-US" dirty="0"/>
+              <a:t>補充</a:t>
+            </a:r>
+            <a:r>
+              <a:rPr lang="en-US" altLang="zh-TW" dirty="0"/>
+              <a:t>(10</a:t>
+            </a:r>
+            <a:r>
+              <a:rPr lang="zh-TW" altLang="en-US" dirty="0"/>
+              <a:t>月搞炸的</a:t>
+            </a:r>
+            <a:r>
+              <a:rPr lang="en-US" altLang="zh-TW" dirty="0"/>
+              <a:t>BERT)</a:t>
+            </a:r>
+          </a:p>
+        </p:txBody>
+      </p:sp>
+      <p:sp>
+        <p:nvSpPr>
+          <p:cNvPr id="9" name="文本框 8">
+            <a:extLst>
+              <a:ext uri="{FF2B5EF4-FFF2-40B4-BE49-F238E27FC236}">
+                <a16:creationId xmlns:a16="http://schemas.microsoft.com/office/drawing/2014/main" xmlns:p14="http://schemas.microsoft.com/office/powerpoint/2010/main" xmlns="" id="{04F69230-F3A6-4586-9371-A858F4763E9F}"/>
+              </a:ext>
+            </a:extLst>
+          </p:cNvPr>
+          <p:cNvSpPr txBox="1"/>
+          <p:nvPr/>
+        </p:nvSpPr>
+        <p:spPr>
+          <a:xfrm>
+            <a:off x="2636995" y="2984045"/>
+            <a:ext cx="1023516" cy="889909"/>
+          </a:xfrm>
+          <a:prstGeom prst="rect">
+            <a:avLst/>
+          </a:prstGeom>
+          <a:noFill/>
+          <a:ln w="117475">
+            <a:noFill/>
+          </a:ln>
+        </p:spPr>
+        <p:txBody>
+          <a:bodyPr wrap="none" rtlCol="0">
+            <a:prstTxWarp prst="textPlain">
+              <a:avLst/>
+            </a:prstTxWarp>
+            <a:spAutoFit/>
+          </a:bodyPr>
+          <a:lstStyle/>
+          <a:p>
+            <a:r>
+              <a:rPr lang="en-US" altLang="zh-CN" spc="100" dirty="0" smtClean="0">
+                <a:solidFill>
+                  <a:schemeClr val="bg1"/>
+                </a:solidFill>
+                <a:latin typeface="Impact" panose="020B0806030902050204" pitchFamily="34" charset="0"/>
+                <a:cs typeface="Arial" panose="020B0604020202020204" pitchFamily="34" charset="0"/>
+              </a:rPr>
+              <a:t>/</a:t>
+            </a:r>
+            <a:r>
+              <a:rPr lang="en-US" altLang="zh-CN" sz="100" spc="100" dirty="0" smtClean="0">
+                <a:solidFill>
+                  <a:schemeClr val="bg1"/>
+                </a:solidFill>
+                <a:latin typeface="Impact" panose="020B0806030902050204" pitchFamily="34" charset="0"/>
+                <a:cs typeface="Arial" panose="020B0604020202020204" pitchFamily="34" charset="0"/>
+              </a:rPr>
+              <a:t> </a:t>
+            </a:r>
+            <a:r>
+              <a:rPr lang="en-US" altLang="zh-CN" spc="100" dirty="0" smtClean="0">
+                <a:solidFill>
+                  <a:schemeClr val="bg1"/>
+                </a:solidFill>
+                <a:latin typeface="Impact" panose="020B0806030902050204" pitchFamily="34" charset="0"/>
+                <a:cs typeface="Arial" panose="020B0604020202020204" pitchFamily="34" charset="0"/>
+              </a:rPr>
+              <a:t>04</a:t>
+            </a:r>
+            <a:endParaRPr lang="zh-CN" altLang="en-US" spc="100" dirty="0">
+              <a:solidFill>
+                <a:schemeClr val="bg1"/>
+              </a:solidFill>
+              <a:latin typeface="Impact" panose="020B0806030902050204" pitchFamily="34" charset="0"/>
+              <a:cs typeface="Arial" panose="020B0604020202020204" pitchFamily="34" charset="0"/>
+            </a:endParaRPr>
+          </a:p>
+        </p:txBody>
+      </p:sp>
+    </p:spTree>
+    <p:custDataLst>
+      <p:tags r:id="rId2"/>
+    </p:custDataLst>
+    <p:extLst>
+      <p:ext uri="{BB962C8B-B14F-4D97-AF65-F5344CB8AC3E}">
+        <p14:creationId xmlns:p14="http://schemas.microsoft.com/office/powerpoint/2010/main" val="694834240"/>
+      </p:ext>
+    </p:extLst>
+  </p:cSld>
+  <p:clrMapOvr>
+    <a:masterClrMapping/>
+  </p:clrMapOvr>
+  <p:timing>
+    <p:tnLst>
+      <p:par>
+        <p:cTn id="1" dur="indefinite" restart="never" nodeType="tmRoot"/>
+      </p:par>
+    </p:tnLst>
+  </p:timing>
+</p:sld>
+</file>
+
+<file path=ppt/slides/slide23.xml><?xml version="1.0" encoding="utf-8"?>
+<p:sld xmlns:a="http://schemas.openxmlformats.org/drawingml/2006/main" xmlns:r="http://schemas.openxmlformats.org/officeDocument/2006/relationships" xmlns:p="http://schemas.openxmlformats.org/presentationml/2006/main">
+  <p:cSld>
+    <p:spTree>
+      <p:nvGrpSpPr>
+        <p:cNvPr id="1" name=""/>
+        <p:cNvGrpSpPr/>
+        <p:nvPr/>
+      </p:nvGrpSpPr>
+      <p:grpSpPr>
+        <a:xfrm>
+          <a:off x="0" y="0"/>
+          <a:ext cx="0" cy="0"/>
+          <a:chOff x="0" y="0"/>
+          <a:chExt cx="0" cy="0"/>
+        </a:xfrm>
+      </p:grpSpPr>
+      <p:sp>
+        <p:nvSpPr>
+          <p:cNvPr id="3" name="页脚占位符 2"/>
+          <p:cNvSpPr>
+            <a:spLocks noGrp="1"/>
+          </p:cNvSpPr>
+          <p:nvPr>
+            <p:ph type="ftr" sz="quarter" idx="11"/>
+          </p:nvPr>
+        </p:nvSpPr>
+        <p:spPr/>
+        <p:txBody>
+          <a:bodyPr/>
+          <a:lstStyle/>
+          <a:p>
+            <a:r>
+              <a:rPr lang="zh-CN" altLang="en-US" smtClean="0"/>
+              <a:t>请在插入</a:t>
+            </a:r>
+            <a:r>
+              <a:rPr lang="zh-CN" altLang="en-US" sz="100" smtClean="0"/>
+              <a:t> </a:t>
+            </a:r>
+            <a:r>
+              <a:rPr lang="zh-CN" altLang="en-US" smtClean="0"/>
+              <a:t>菜单</a:t>
+            </a:r>
+            <a:r>
+              <a:rPr lang="en-US" altLang="zh-CN" smtClean="0"/>
+              <a:t>—</a:t>
+            </a:r>
+            <a:r>
+              <a:rPr lang="zh-CN" altLang="en-US" smtClean="0"/>
+              <a:t>页眉和页脚中修改此文本</a:t>
+            </a:r>
+            <a:endParaRPr lang="zh-CN" altLang="en-US" dirty="0"/>
+          </a:p>
+        </p:txBody>
+      </p:sp>
+      <p:sp>
+        <p:nvSpPr>
+          <p:cNvPr id="4" name="灯片编号占位符 3"/>
+          <p:cNvSpPr>
+            <a:spLocks noGrp="1"/>
+          </p:cNvSpPr>
+          <p:nvPr>
+            <p:ph type="sldNum" sz="quarter" idx="12"/>
+          </p:nvPr>
+        </p:nvSpPr>
+        <p:spPr/>
+        <p:txBody>
+          <a:bodyPr/>
+          <a:lstStyle/>
+          <a:p>
+            <a:fld id="{5DD3DB80-B894-403A-B48E-6FDC1A72010E}" type="slidenum">
+              <a:rPr lang="zh-CN" altLang="en-US" smtClean="0"/>
+              <a:pPr/>
+              <a:t>23</a:t>
             </a:fld>
             <a:endParaRPr lang="zh-CN" altLang="en-US"/>
           </a:p>
@@ -7019,10 +7676,17 @@
   <p:clrMapOvr>
     <a:masterClrMapping/>
   </p:clrMapOvr>
+  <p:timing>
+    <p:tnLst>
+      <p:par>
+        <p:cTn id="1" dur="indefinite" restart="never" nodeType="tmRoot"/>
+      </p:par>
+    </p:tnLst>
+  </p:timing>
 </p:sld>
 </file>
 
-<file path=ppt/slides/slide22.xml><?xml version="1.0" encoding="utf-8"?>
+<file path=ppt/slides/slide24.xml><?xml version="1.0" encoding="utf-8"?>
 <p:sld xmlns:a="http://schemas.openxmlformats.org/drawingml/2006/main" xmlns:r="http://schemas.openxmlformats.org/officeDocument/2006/relationships" xmlns:p="http://schemas.openxmlformats.org/presentationml/2006/main">
   <p:cSld>
     <p:spTree>
@@ -7096,7 +7760,7 @@
             <a:fld id="{5DD3DB80-B894-403A-B48E-6FDC1A72010E}" type="slidenum">
               <a:rPr lang="zh-CN" altLang="en-US" smtClean="0"/>
               <a:pPr/>
-              <a:t>22</a:t>
+              <a:t>24</a:t>
             </a:fld>
             <a:endParaRPr lang="zh-CN" altLang="en-US"/>
           </a:p>
@@ -7178,10 +7842,17 @@
   <p:clrMapOvr>
     <a:masterClrMapping/>
   </p:clrMapOvr>
+  <p:timing>
+    <p:tnLst>
+      <p:par>
+        <p:cTn id="1" dur="indefinite" restart="never" nodeType="tmRoot"/>
+      </p:par>
+    </p:tnLst>
+  </p:timing>
 </p:sld>
 </file>
 
-<file path=ppt/slides/slide23.xml><?xml version="1.0" encoding="utf-8"?>
+<file path=ppt/slides/slide25.xml><?xml version="1.0" encoding="utf-8"?>
 <p:sld xmlns:a="http://schemas.openxmlformats.org/drawingml/2006/main" xmlns:r="http://schemas.openxmlformats.org/officeDocument/2006/relationships" xmlns:p="http://schemas.openxmlformats.org/presentationml/2006/main">
   <p:cSld>
     <p:spTree>
@@ -7203,7 +7874,7 @@
           <p:cNvPr id="3" name="对象 2" hidden="1">
             <a:extLst>
               <a:ext uri="{FF2B5EF4-FFF2-40B4-BE49-F238E27FC236}">
-                <a16:creationId xmlns="" xmlns:p14="http://schemas.microsoft.com/office/powerpoint/2010/main" xmlns:mc="http://schemas.openxmlformats.org/markup-compatibility/2006" xmlns:v="urn:schemas-microsoft-com:vml" xmlns:a16="http://schemas.microsoft.com/office/drawing/2014/main" id="{A6A819F1-33AF-45D7-8BF6-2B0A9769CAD4}"/>
+                <a16:creationId xmlns:a16="http://schemas.microsoft.com/office/drawing/2014/main" xmlns:v="urn:schemas-microsoft-com:vml" xmlns:mc="http://schemas.openxmlformats.org/markup-compatibility/2006" xmlns:p14="http://schemas.microsoft.com/office/powerpoint/2010/main" xmlns="" id="{A6A819F1-33AF-45D7-8BF6-2B0A9769CAD4}"/>
               </a:ext>
             </a:extLst>
           </p:cNvPr>
@@ -7226,7 +7897,7 @@
           <a:graphicData uri="http://schemas.openxmlformats.org/presentationml/2006/ole">
             <mc:AlternateContent xmlns:mc="http://schemas.openxmlformats.org/markup-compatibility/2006">
               <mc:Choice xmlns:v="urn:schemas-microsoft-com:vml" Requires="v">
-                <p:oleObj spid="_x0000_s3126" name="think-cell Slide" r:id="rId5" imgW="347" imgH="348" progId="TCLayout.ActiveDocument.1">
+                <p:oleObj spid="_x0000_s3132" name="think-cell Slide" r:id="rId5" imgW="347" imgH="348" progId="TCLayout.ActiveDocument.1">
                   <p:embed/>
                 </p:oleObj>
               </mc:Choice>
@@ -7238,7 +7909,7 @@
                       <p:cNvPr id="3" name="对象 2" hidden="1">
                         <a:extLst>
                           <a:ext uri="{FF2B5EF4-FFF2-40B4-BE49-F238E27FC236}">
-                            <a16:creationId xmlns="" xmlns:p14="http://schemas.microsoft.com/office/powerpoint/2010/main" xmlns:v="urn:schemas-microsoft-com:vml" xmlns:a16="http://schemas.microsoft.com/office/drawing/2014/main" id="{A6A819F1-33AF-45D7-8BF6-2B0A9769CAD4}"/>
+                            <a16:creationId xmlns:a16="http://schemas.microsoft.com/office/drawing/2014/main" xmlns:v="urn:schemas-microsoft-com:vml" xmlns:p14="http://schemas.microsoft.com/office/powerpoint/2010/main" xmlns="" id="{A6A819F1-33AF-45D7-8BF6-2B0A9769CAD4}"/>
                           </a:ext>
                         </a:extLst>
                       </p:cNvPr>
@@ -7272,7 +7943,7 @@
           <p:cNvPr id="2" name="矩形 1" hidden="1">
             <a:extLst>
               <a:ext uri="{FF2B5EF4-FFF2-40B4-BE49-F238E27FC236}">
-                <a16:creationId xmlns="" xmlns:p14="http://schemas.microsoft.com/office/powerpoint/2010/main" xmlns:mc="http://schemas.openxmlformats.org/markup-compatibility/2006" xmlns:v="urn:schemas-microsoft-com:vml" xmlns:a16="http://schemas.microsoft.com/office/drawing/2014/main" id="{FF51F16D-1BAD-46EE-A6F4-B8B94C9DF628}"/>
+                <a16:creationId xmlns:a16="http://schemas.microsoft.com/office/drawing/2014/main" xmlns:v="urn:schemas-microsoft-com:vml" xmlns:mc="http://schemas.openxmlformats.org/markup-compatibility/2006" xmlns:p14="http://schemas.microsoft.com/office/powerpoint/2010/main" xmlns="" id="{FF51F16D-1BAD-46EE-A6F4-B8B94C9DF628}"/>
               </a:ext>
             </a:extLst>
           </p:cNvPr>
@@ -7507,7 +8178,7 @@
           <p:cNvPr id="9" name="文本框 8">
             <a:extLst>
               <a:ext uri="{FF2B5EF4-FFF2-40B4-BE49-F238E27FC236}">
-                <a16:creationId xmlns="" xmlns:p14="http://schemas.microsoft.com/office/powerpoint/2010/main" xmlns:a16="http://schemas.microsoft.com/office/drawing/2014/main" id="{04F69230-F3A6-4586-9371-A858F4763E9F}"/>
+                <a16:creationId xmlns:a16="http://schemas.microsoft.com/office/drawing/2014/main" xmlns:p14="http://schemas.microsoft.com/office/powerpoint/2010/main" xmlns="" id="{04F69230-F3A6-4586-9371-A858F4763E9F}"/>
               </a:ext>
             </a:extLst>
           </p:cNvPr>
@@ -9209,7 +9880,7 @@
   <a:extraClrSchemeLst/>
   <a:extLst>
     <a:ext uri="{05A4C25C-085E-4340-85A3-A5531E510DB2}">
-      <thm15:themeFamily xmlns="" xmlns:thm15="http://schemas.microsoft.com/office/thememl/2012/main" name="主题5" id="{B8EDB911-D765-4A7B-BBC7-40DBB672FBA6}" vid="{AECAB1C0-5DF6-436C-85E8-20094DBE11C0}"/>
+      <thm15:themeFamily xmlns:thm15="http://schemas.microsoft.com/office/thememl/2012/main" xmlns="" name="主题5" id="{B8EDB911-D765-4A7B-BBC7-40DBB672FBA6}" vid="{AECAB1C0-5DF6-436C-85E8-20094DBE11C0}"/>
     </a:ext>
   </a:extLst>
 </a:theme>
@@ -9470,7 +10141,7 @@
   <a:extraClrSchemeLst/>
   <a:extLst>
     <a:ext uri="{05A4C25C-085E-4340-85A3-A5531E510DB2}">
-      <thm15:themeFamily xmlns="" xmlns:thm15="http://schemas.microsoft.com/office/thememl/2012/main" name="Office Theme" id="{62F939B6-93AF-4DB8-9C6B-D6C7DFDC589F}" vid="{4A3C46E8-61CC-4603-A589-7422A47A8E4A}"/>
+      <thm15:themeFamily xmlns:thm15="http://schemas.microsoft.com/office/thememl/2012/main" xmlns="" name="Office Theme" id="{62F939B6-93AF-4DB8-9C6B-D6C7DFDC589F}" vid="{4A3C46E8-61CC-4603-A589-7422A47A8E4A}"/>
     </a:ext>
   </a:extLst>
 </a:theme>
@@ -9765,7 +10436,7 @@
   <a:extraClrSchemeLst/>
   <a:extLst>
     <a:ext uri="{05A4C25C-085E-4340-85A3-A5531E510DB2}">
-      <thm15:themeFamily xmlns="" xmlns:thm15="http://schemas.microsoft.com/office/thememl/2012/main" name="Office Theme" id="{62F939B6-93AF-4DB8-9C6B-D6C7DFDC589F}" vid="{4A3C46E8-61CC-4603-A589-7422A47A8E4A}"/>
+      <thm15:themeFamily xmlns:thm15="http://schemas.microsoft.com/office/thememl/2012/main" xmlns="" name="Office Theme" id="{62F939B6-93AF-4DB8-9C6B-D6C7DFDC589F}" vid="{4A3C46E8-61CC-4603-A589-7422A47A8E4A}"/>
     </a:ext>
   </a:extLst>
 </a:theme>
